--- a/工作/Service Fabric/Service Fabric.pptx
+++ b/工作/Service Fabric/Service Fabric.pptx
@@ -17,15 +17,16 @@
     <p:sldId id="272" r:id="rId11"/>
     <p:sldId id="273" r:id="rId12"/>
     <p:sldId id="274" r:id="rId13"/>
-    <p:sldId id="275" r:id="rId14"/>
-    <p:sldId id="276" r:id="rId15"/>
-    <p:sldId id="264" r:id="rId16"/>
-    <p:sldId id="259" r:id="rId17"/>
-    <p:sldId id="257" r:id="rId18"/>
-    <p:sldId id="258" r:id="rId19"/>
-    <p:sldId id="260" r:id="rId20"/>
+    <p:sldId id="277" r:id="rId14"/>
+    <p:sldId id="264" r:id="rId15"/>
+    <p:sldId id="259" r:id="rId16"/>
+    <p:sldId id="257" r:id="rId17"/>
+    <p:sldId id="258" r:id="rId18"/>
+    <p:sldId id="260" r:id="rId19"/>
+    <p:sldId id="278" r:id="rId20"/>
     <p:sldId id="261" r:id="rId21"/>
     <p:sldId id="262" r:id="rId22"/>
+    <p:sldId id="276" r:id="rId23"/>
   </p:sldIdLst>
   <p:sldSz cx="12192000" cy="6858000"/>
   <p:notesSz cx="6858000" cy="9144000"/>
@@ -263,7 +264,7 @@
           <a:p>
             <a:fld id="{29CCACAC-AFA6-490F-AB2E-95864F3C3404}" type="datetimeFigureOut">
               <a:rPr lang="zh-CN" altLang="en-US" smtClean="0"/>
-              <a:t>2017/11/1 Wednesday</a:t>
+              <a:t>2017/11/2 Thursday</a:t>
             </a:fld>
             <a:endParaRPr lang="zh-CN" altLang="en-US"/>
           </a:p>
@@ -433,7 +434,7 @@
           <a:p>
             <a:fld id="{29CCACAC-AFA6-490F-AB2E-95864F3C3404}" type="datetimeFigureOut">
               <a:rPr lang="zh-CN" altLang="en-US" smtClean="0"/>
-              <a:t>2017/11/1 Wednesday</a:t>
+              <a:t>2017/11/2 Thursday</a:t>
             </a:fld>
             <a:endParaRPr lang="zh-CN" altLang="en-US"/>
           </a:p>
@@ -613,7 +614,7 @@
           <a:p>
             <a:fld id="{29CCACAC-AFA6-490F-AB2E-95864F3C3404}" type="datetimeFigureOut">
               <a:rPr lang="zh-CN" altLang="en-US" smtClean="0"/>
-              <a:t>2017/11/1 Wednesday</a:t>
+              <a:t>2017/11/2 Thursday</a:t>
             </a:fld>
             <a:endParaRPr lang="zh-CN" altLang="en-US"/>
           </a:p>
@@ -783,7 +784,7 @@
           <a:p>
             <a:fld id="{29CCACAC-AFA6-490F-AB2E-95864F3C3404}" type="datetimeFigureOut">
               <a:rPr lang="zh-CN" altLang="en-US" smtClean="0"/>
-              <a:t>2017/11/1 Wednesday</a:t>
+              <a:t>2017/11/2 Thursday</a:t>
             </a:fld>
             <a:endParaRPr lang="zh-CN" altLang="en-US"/>
           </a:p>
@@ -1029,7 +1030,7 @@
           <a:p>
             <a:fld id="{29CCACAC-AFA6-490F-AB2E-95864F3C3404}" type="datetimeFigureOut">
               <a:rPr lang="zh-CN" altLang="en-US" smtClean="0"/>
-              <a:t>2017/11/1 Wednesday</a:t>
+              <a:t>2017/11/2 Thursday</a:t>
             </a:fld>
             <a:endParaRPr lang="zh-CN" altLang="en-US"/>
           </a:p>
@@ -1261,7 +1262,7 @@
           <a:p>
             <a:fld id="{29CCACAC-AFA6-490F-AB2E-95864F3C3404}" type="datetimeFigureOut">
               <a:rPr lang="zh-CN" altLang="en-US" smtClean="0"/>
-              <a:t>2017/11/1 Wednesday</a:t>
+              <a:t>2017/11/2 Thursday</a:t>
             </a:fld>
             <a:endParaRPr lang="zh-CN" altLang="en-US"/>
           </a:p>
@@ -1628,7 +1629,7 @@
           <a:p>
             <a:fld id="{29CCACAC-AFA6-490F-AB2E-95864F3C3404}" type="datetimeFigureOut">
               <a:rPr lang="zh-CN" altLang="en-US" smtClean="0"/>
-              <a:t>2017/11/1 Wednesday</a:t>
+              <a:t>2017/11/2 Thursday</a:t>
             </a:fld>
             <a:endParaRPr lang="zh-CN" altLang="en-US"/>
           </a:p>
@@ -1746,7 +1747,7 @@
           <a:p>
             <a:fld id="{29CCACAC-AFA6-490F-AB2E-95864F3C3404}" type="datetimeFigureOut">
               <a:rPr lang="zh-CN" altLang="en-US" smtClean="0"/>
-              <a:t>2017/11/1 Wednesday</a:t>
+              <a:t>2017/11/2 Thursday</a:t>
             </a:fld>
             <a:endParaRPr lang="zh-CN" altLang="en-US"/>
           </a:p>
@@ -1841,7 +1842,7 @@
           <a:p>
             <a:fld id="{29CCACAC-AFA6-490F-AB2E-95864F3C3404}" type="datetimeFigureOut">
               <a:rPr lang="zh-CN" altLang="en-US" smtClean="0"/>
-              <a:t>2017/11/1 Wednesday</a:t>
+              <a:t>2017/11/2 Thursday</a:t>
             </a:fld>
             <a:endParaRPr lang="zh-CN" altLang="en-US"/>
           </a:p>
@@ -2118,7 +2119,7 @@
           <a:p>
             <a:fld id="{29CCACAC-AFA6-490F-AB2E-95864F3C3404}" type="datetimeFigureOut">
               <a:rPr lang="zh-CN" altLang="en-US" smtClean="0"/>
-              <a:t>2017/11/1 Wednesday</a:t>
+              <a:t>2017/11/2 Thursday</a:t>
             </a:fld>
             <a:endParaRPr lang="zh-CN" altLang="en-US"/>
           </a:p>
@@ -2371,7 +2372,7 @@
           <a:p>
             <a:fld id="{29CCACAC-AFA6-490F-AB2E-95864F3C3404}" type="datetimeFigureOut">
               <a:rPr lang="zh-CN" altLang="en-US" smtClean="0"/>
-              <a:t>2017/11/1 Wednesday</a:t>
+              <a:t>2017/11/2 Thursday</a:t>
             </a:fld>
             <a:endParaRPr lang="zh-CN" altLang="en-US"/>
           </a:p>
@@ -2584,7 +2585,7 @@
           <a:p>
             <a:fld id="{29CCACAC-AFA6-490F-AB2E-95864F3C3404}" type="datetimeFigureOut">
               <a:rPr lang="zh-CN" altLang="en-US" smtClean="0"/>
-              <a:t>2017/11/1 Wednesday</a:t>
+              <a:t>2017/11/2 Thursday</a:t>
             </a:fld>
             <a:endParaRPr lang="zh-CN" altLang="en-US"/>
           </a:p>
@@ -3314,7 +3315,7 @@
         <p:spPr>
           <a:xfrm>
             <a:off x="1800306" y="5605396"/>
-            <a:ext cx="9349913" cy="369332"/>
+            <a:ext cx="9349913" cy="646331"/>
           </a:xfrm>
           <a:prstGeom prst="rect">
             <a:avLst/>
@@ -3327,12 +3328,31 @@
           <a:lstStyle/>
           <a:p>
             <a:r>
+              <a:rPr lang="zh-CN" altLang="en-US" dirty="0" smtClean="0"/>
+              <a:t>微服务 </a:t>
+            </a:r>
+            <a:r>
               <a:rPr lang="en-US" altLang="zh-CN" dirty="0" smtClean="0"/>
-              <a:t>Developer needs write additional code. Inter service communication and </a:t>
-            </a:r>
-            <a:r>
-              <a:rPr lang="en-US" altLang="zh-CN" dirty="0" err="1" smtClean="0"/>
-              <a:t>xxxxxx</a:t>
+              <a:t>!= </a:t>
+            </a:r>
+            <a:r>
+              <a:rPr lang="zh-CN" altLang="en-US" dirty="0" smtClean="0"/>
+              <a:t>微信服务 </a:t>
+            </a:r>
+            <a:endParaRPr lang="en-US" altLang="zh-CN" dirty="0" smtClean="0"/>
+          </a:p>
+          <a:p>
+            <a:r>
+              <a:rPr lang="en-US" altLang="zh-CN" dirty="0" smtClean="0"/>
+              <a:t>Developer </a:t>
+            </a:r>
+            <a:r>
+              <a:rPr lang="en-US" altLang="zh-CN" dirty="0" smtClean="0"/>
+              <a:t>needs write additional code. Inter service communication and </a:t>
+            </a:r>
+            <a:r>
+              <a:rPr lang="en-US" altLang="zh-CN" dirty="0" smtClean="0"/>
+              <a:t>handling failures</a:t>
             </a:r>
             <a:endParaRPr lang="en-US" altLang="zh-CN" dirty="0"/>
           </a:p>
@@ -3376,8 +3396,8 @@
         </p:nvSpPr>
         <p:spPr>
           <a:xfrm>
-            <a:off x="1950431" y="3408107"/>
-            <a:ext cx="9349913" cy="369332"/>
+            <a:off x="1459112" y="719499"/>
+            <a:ext cx="9349913" cy="3693319"/>
           </a:xfrm>
           <a:prstGeom prst="rect">
             <a:avLst/>
@@ -3391,23 +3411,210 @@
           <a:p>
             <a:r>
               <a:rPr lang="en-US" altLang="zh-CN" dirty="0" smtClean="0"/>
-              <a:t>Running  Azure, On-Premises, Other clouds, </a:t>
-            </a:r>
-            <a:r>
-              <a:rPr lang="zh-CN" altLang="en-US" dirty="0" smtClean="0"/>
-              <a:t>开发人员关注</a:t>
+              <a:t>Azure is an application platform </a:t>
+            </a:r>
+            <a:r>
+              <a:rPr lang="en-US" altLang="zh-CN" dirty="0"/>
+              <a:t>that simplify building</a:t>
             </a:r>
             <a:r>
               <a:rPr lang="en-US" altLang="zh-CN" dirty="0" smtClean="0"/>
-              <a:t>code and delivery business xx</a:t>
-            </a:r>
-            <a:r>
-              <a:rPr lang="zh-CN" altLang="en-US" dirty="0" smtClean="0"/>
-              <a:t>， </a:t>
+              <a:t>, </a:t>
+            </a:r>
+            <a:r>
+              <a:rPr lang="en-US" altLang="zh-CN" dirty="0"/>
+              <a:t>deploying micro </a:t>
             </a:r>
             <a:r>
               <a:rPr lang="en-US" altLang="zh-CN" dirty="0" smtClean="0"/>
+              <a:t>service base </a:t>
+            </a:r>
+            <a:r>
+              <a:rPr lang="en-US" altLang="zh-CN" dirty="0" smtClean="0"/>
+              <a:t>applications,  to provide organization with scalable, </a:t>
+            </a:r>
+            <a:r>
+              <a:rPr lang="en-US" altLang="zh-CN" dirty="0" err="1" smtClean="0"/>
+              <a:t>aizhou</a:t>
+            </a:r>
+            <a:r>
+              <a:rPr lang="en-US" altLang="zh-CN" dirty="0"/>
               <a:t> </a:t>
+            </a:r>
+            <a:r>
+              <a:rPr lang="en-US" altLang="zh-CN" dirty="0" smtClean="0"/>
+              <a:t>and reliable applications</a:t>
+            </a:r>
+            <a:r>
+              <a:rPr lang="en-US" altLang="zh-CN" dirty="0"/>
+              <a:t>. </a:t>
+            </a:r>
+            <a:r>
+              <a:rPr lang="en-US" altLang="zh-CN" dirty="0" smtClean="0"/>
+              <a:t>Whether they are running Azure, </a:t>
+            </a:r>
+            <a:r>
+              <a:rPr lang="en-US" altLang="zh-CN" dirty="0"/>
+              <a:t>On-Premises</a:t>
+            </a:r>
+            <a:r>
+              <a:rPr lang="en-US" altLang="zh-CN" dirty="0" smtClean="0"/>
+              <a:t>, or in </a:t>
+            </a:r>
+            <a:r>
+              <a:rPr lang="en-US" altLang="zh-CN" dirty="0"/>
+              <a:t>Other </a:t>
+            </a:r>
+            <a:r>
+              <a:rPr lang="en-US" altLang="zh-CN" dirty="0" smtClean="0"/>
+              <a:t>clouds, and developers get focus on code and delivery business </a:t>
+            </a:r>
+            <a:r>
+              <a:rPr lang="en-US" altLang="zh-CN" dirty="0" err="1" smtClean="0"/>
+              <a:t>faiyer</a:t>
+            </a:r>
+            <a:r>
+              <a:rPr lang="en-US" altLang="zh-CN" dirty="0" smtClean="0"/>
+              <a:t>. Which means customer get new features faster.</a:t>
+            </a:r>
+          </a:p>
+          <a:p>
+            <a:r>
+              <a:rPr lang="en-US" altLang="zh-CN" dirty="0" smtClean="0"/>
+              <a:t>Azure service fabric protect applications against failures by </a:t>
+            </a:r>
+            <a:r>
+              <a:rPr lang="en-US" altLang="zh-CN" dirty="0" err="1" smtClean="0"/>
+              <a:t>modering</a:t>
+            </a:r>
+            <a:r>
+              <a:rPr lang="en-US" altLang="zh-CN" dirty="0" smtClean="0"/>
+              <a:t> cluster and automatically </a:t>
+            </a:r>
+            <a:r>
+              <a:rPr lang="en-US" altLang="zh-CN" dirty="0" err="1" smtClean="0"/>
+              <a:t>aiting</a:t>
+            </a:r>
+            <a:r>
+              <a:rPr lang="en-US" altLang="zh-CN" dirty="0" smtClean="0"/>
+              <a:t> to </a:t>
+            </a:r>
+            <a:r>
+              <a:rPr lang="en-US" altLang="zh-CN" dirty="0" err="1" smtClean="0"/>
+              <a:t>minegit</a:t>
+            </a:r>
+            <a:r>
+              <a:rPr lang="en-US" altLang="zh-CN" dirty="0" smtClean="0"/>
+              <a:t> issues. </a:t>
+            </a:r>
+          </a:p>
+          <a:p>
+            <a:r>
+              <a:rPr lang="en-US" altLang="zh-CN" dirty="0"/>
+              <a:t>Azure service </a:t>
+            </a:r>
+            <a:r>
+              <a:rPr lang="en-US" altLang="zh-CN" dirty="0" smtClean="0"/>
+              <a:t>fabric provide </a:t>
+            </a:r>
+            <a:r>
+              <a:rPr lang="en-US" altLang="zh-CN" dirty="0" err="1" smtClean="0"/>
+              <a:t>buting</a:t>
+            </a:r>
+            <a:r>
+              <a:rPr lang="en-US" altLang="zh-CN" dirty="0" smtClean="0"/>
+              <a:t> program models </a:t>
+            </a:r>
+            <a:r>
+              <a:rPr lang="en-US" altLang="zh-CN" dirty="0"/>
+              <a:t>to simplify developing </a:t>
+            </a:r>
+            <a:r>
+              <a:rPr lang="en-US" altLang="zh-CN" dirty="0" smtClean="0"/>
+              <a:t>micro services. </a:t>
+            </a:r>
+          </a:p>
+          <a:p>
+            <a:r>
+              <a:rPr lang="en-US" altLang="zh-CN" dirty="0" smtClean="0"/>
+              <a:t>Not only that, </a:t>
+            </a:r>
+            <a:r>
+              <a:rPr lang="en-US" altLang="zh-CN" dirty="0" err="1" smtClean="0"/>
+              <a:t>ilet’s</a:t>
+            </a:r>
+            <a:r>
+              <a:rPr lang="en-US" altLang="zh-CN" dirty="0" smtClean="0"/>
+              <a:t> you run any application code. </a:t>
+            </a:r>
+            <a:r>
+              <a:rPr lang="en-US" altLang="zh-CN" dirty="0"/>
+              <a:t>In </a:t>
+            </a:r>
+            <a:r>
+              <a:rPr lang="en-US" altLang="zh-CN" dirty="0" smtClean="0"/>
+              <a:t>additional </a:t>
+            </a:r>
+            <a:r>
+              <a:rPr lang="en-US" altLang="zh-CN" dirty="0"/>
+              <a:t>to </a:t>
+            </a:r>
+            <a:r>
+              <a:rPr lang="en-US" altLang="zh-CN" dirty="0" smtClean="0"/>
+              <a:t>support traditional stateless micro services</a:t>
+            </a:r>
+            <a:r>
+              <a:rPr lang="en-US" altLang="zh-CN" dirty="0"/>
+              <a:t>, Azure service </a:t>
+            </a:r>
+            <a:r>
+              <a:rPr lang="en-US" altLang="zh-CN" dirty="0" smtClean="0"/>
+              <a:t>fabric support </a:t>
+            </a:r>
+            <a:r>
+              <a:rPr lang="en-US" altLang="zh-CN" dirty="0" err="1" smtClean="0"/>
+              <a:t>stateful</a:t>
+            </a:r>
+            <a:r>
+              <a:rPr lang="en-US" altLang="zh-CN" dirty="0" smtClean="0"/>
+              <a:t> micro service, core locating compute and data to reduce </a:t>
+            </a:r>
+            <a:r>
+              <a:rPr lang="en-US" altLang="zh-CN" dirty="0" err="1" smtClean="0"/>
+              <a:t>lll</a:t>
+            </a:r>
+            <a:r>
+              <a:rPr lang="en-US" altLang="zh-CN" dirty="0" smtClean="0"/>
+              <a:t> and hands performance will providing </a:t>
+            </a:r>
+            <a:r>
+              <a:rPr lang="en-US" altLang="zh-CN" dirty="0"/>
+              <a:t>reliability through replication and persistence. </a:t>
+            </a:r>
+            <a:endParaRPr lang="en-US" altLang="zh-CN" dirty="0" smtClean="0"/>
+          </a:p>
+          <a:p>
+            <a:r>
+              <a:rPr lang="en-US" altLang="zh-CN" dirty="0" smtClean="0"/>
+              <a:t>Dat</a:t>
+            </a:r>
+            <a:r>
+              <a:rPr lang="en-US" altLang="zh-CN" dirty="0" smtClean="0"/>
+              <a:t>a partitions in service will long with dynamic resource </a:t>
+            </a:r>
+            <a:r>
+              <a:rPr lang="en-US" altLang="zh-CN" dirty="0" err="1" smtClean="0"/>
+              <a:t>bangnecing</a:t>
+            </a:r>
+            <a:r>
+              <a:rPr lang="en-US" altLang="zh-CN" dirty="0" smtClean="0"/>
+              <a:t> make scaling on the demand routing. </a:t>
+            </a:r>
+          </a:p>
+          <a:p>
+            <a:r>
+              <a:rPr lang="en-US" altLang="zh-CN" smtClean="0"/>
+              <a:t>Rolling updates </a:t>
             </a:r>
             <a:endParaRPr lang="en-US" altLang="zh-CN" dirty="0"/>
           </a:p>
@@ -3416,7 +3623,7 @@
     </p:spTree>
     <p:extLst>
       <p:ext uri="{BB962C8B-B14F-4D97-AF65-F5344CB8AC3E}">
-        <p14:creationId xmlns:p14="http://schemas.microsoft.com/office/powerpoint/2010/main" val="1464883266"/>
+        <p14:creationId xmlns:p14="http://schemas.microsoft.com/office/powerpoint/2010/main" val="24725887"/>
       </p:ext>
     </p:extLst>
   </p:cSld>
@@ -3445,53 +3652,35 @@
       </p:grpSpPr>
       <p:sp>
         <p:nvSpPr>
-          <p:cNvPr id="9" name="矩形 8"/>
-          <p:cNvSpPr/>
-          <p:nvPr/>
-        </p:nvSpPr>
-        <p:spPr>
-          <a:xfrm>
-            <a:off x="1991374" y="5700930"/>
-            <a:ext cx="9349913" cy="369332"/>
-          </a:xfrm>
-          <a:prstGeom prst="rect">
-            <a:avLst/>
-          </a:prstGeom>
-        </p:spPr>
-        <p:txBody>
-          <a:bodyPr wrap="square">
-            <a:spAutoFit/>
-          </a:bodyPr>
+          <p:cNvPr id="2" name="标题 1"/>
+          <p:cNvSpPr>
+            <a:spLocks noGrp="1"/>
+          </p:cNvSpPr>
+          <p:nvPr>
+            <p:ph type="ctrTitle"/>
+          </p:nvPr>
+        </p:nvSpPr>
+        <p:spPr/>
+        <p:txBody>
+          <a:bodyPr/>
           <a:lstStyle/>
           <a:p>
             <a:r>
               <a:rPr lang="en-US" altLang="zh-CN" dirty="0" smtClean="0"/>
-              <a:t>Running  Azure, On-Premises, Other clouds, </a:t>
+              <a:t>Service Fabric</a:t>
             </a:r>
             <a:r>
               <a:rPr lang="zh-CN" altLang="en-US" dirty="0" smtClean="0"/>
-              <a:t>开发人员关注</a:t>
-            </a:r>
-            <a:r>
-              <a:rPr lang="en-US" altLang="zh-CN" dirty="0" smtClean="0"/>
-              <a:t>code and delivery business xx</a:t>
-            </a:r>
-            <a:r>
-              <a:rPr lang="zh-CN" altLang="en-US" dirty="0" smtClean="0"/>
-              <a:t>， </a:t>
-            </a:r>
-            <a:r>
-              <a:rPr lang="en-US" altLang="zh-CN" dirty="0" smtClean="0"/>
-              <a:t> </a:t>
-            </a:r>
-            <a:endParaRPr lang="en-US" altLang="zh-CN" dirty="0"/>
+              <a:t>的诞生</a:t>
+            </a:r>
+            <a:endParaRPr lang="zh-CN" altLang="en-US" dirty="0"/>
           </a:p>
         </p:txBody>
       </p:sp>
     </p:spTree>
     <p:extLst>
       <p:ext uri="{BB962C8B-B14F-4D97-AF65-F5344CB8AC3E}">
-        <p14:creationId xmlns:p14="http://schemas.microsoft.com/office/powerpoint/2010/main" val="3352390100"/>
+        <p14:creationId xmlns:p14="http://schemas.microsoft.com/office/powerpoint/2010/main" val="1046753233"/>
       </p:ext>
     </p:extLst>
   </p:cSld>
@@ -3520,35 +3709,53 @@
       </p:grpSpPr>
       <p:sp>
         <p:nvSpPr>
-          <p:cNvPr id="2" name="标题 1"/>
-          <p:cNvSpPr>
-            <a:spLocks noGrp="1"/>
-          </p:cNvSpPr>
-          <p:nvPr>
-            <p:ph type="ctrTitle"/>
-          </p:nvPr>
-        </p:nvSpPr>
-        <p:spPr/>
-        <p:txBody>
-          <a:bodyPr/>
-          <a:lstStyle/>
-          <a:p>
-            <a:r>
-              <a:rPr lang="en-US" altLang="zh-CN" dirty="0" smtClean="0"/>
-              <a:t>Service Fabric</a:t>
-            </a:r>
-            <a:r>
-              <a:rPr lang="zh-CN" altLang="en-US" dirty="0" smtClean="0"/>
-              <a:t>的诞生</a:t>
-            </a:r>
-            <a:endParaRPr lang="zh-CN" altLang="en-US" dirty="0"/>
+          <p:cNvPr id="4" name="矩形 3"/>
+          <p:cNvSpPr/>
+          <p:nvPr/>
+        </p:nvSpPr>
+        <p:spPr>
+          <a:xfrm>
+            <a:off x="1310185" y="2458320"/>
+            <a:ext cx="9717206" cy="1569660"/>
+          </a:xfrm>
+          <a:prstGeom prst="rect">
+            <a:avLst/>
+          </a:prstGeom>
+        </p:spPr>
+        <p:txBody>
+          <a:bodyPr wrap="square">
+            <a:spAutoFit/>
+          </a:bodyPr>
+          <a:lstStyle/>
+          <a:p>
+            <a:r>
+              <a:rPr lang="en-US" altLang="zh-CN" sz="2400" b="0" i="0" dirty="0" smtClean="0">
+                <a:solidFill>
+                  <a:srgbClr val="222222"/>
+                </a:solidFill>
+                <a:effectLst/>
+                <a:latin typeface="segoe-ui_normal"/>
+              </a:rPr>
+              <a:t>Azure Service Fabric </a:t>
+            </a:r>
+            <a:r>
+              <a:rPr lang="zh-CN" altLang="en-US" sz="2400" b="0" i="0" dirty="0" smtClean="0">
+                <a:solidFill>
+                  <a:srgbClr val="222222"/>
+                </a:solidFill>
+                <a:effectLst/>
+                <a:latin typeface="segoe-ui_normal"/>
+              </a:rPr>
+              <a:t>是一款分布式系统平台，可方便用户轻松打包、部署和管理可缩放的可靠微服务和容器。 开发人员和管理员不需解决复杂的基础结构问题，只需专注于实现苛刻的任务关键型工作负荷，即那些可缩放、可靠且易于管理的工作负荷。</a:t>
+            </a:r>
+            <a:endParaRPr lang="zh-CN" altLang="en-US" sz="2400" dirty="0"/>
           </a:p>
         </p:txBody>
       </p:sp>
     </p:spTree>
     <p:extLst>
       <p:ext uri="{BB962C8B-B14F-4D97-AF65-F5344CB8AC3E}">
-        <p14:creationId xmlns:p14="http://schemas.microsoft.com/office/powerpoint/2010/main" val="1046753233"/>
+        <p14:creationId xmlns:p14="http://schemas.microsoft.com/office/powerpoint/2010/main" val="1027247822"/>
       </p:ext>
     </p:extLst>
   </p:cSld>
@@ -3577,53 +3784,35 @@
       </p:grpSpPr>
       <p:sp>
         <p:nvSpPr>
-          <p:cNvPr id="4" name="矩形 3"/>
-          <p:cNvSpPr/>
-          <p:nvPr/>
-        </p:nvSpPr>
-        <p:spPr>
-          <a:xfrm>
-            <a:off x="1310185" y="2458320"/>
-            <a:ext cx="9717206" cy="1569660"/>
-          </a:xfrm>
-          <a:prstGeom prst="rect">
-            <a:avLst/>
-          </a:prstGeom>
-        </p:spPr>
-        <p:txBody>
-          <a:bodyPr wrap="square">
-            <a:spAutoFit/>
-          </a:bodyPr>
-          <a:lstStyle/>
-          <a:p>
-            <a:r>
-              <a:rPr lang="en-US" altLang="zh-CN" sz="2400" b="0" i="0" dirty="0" smtClean="0">
-                <a:solidFill>
-                  <a:srgbClr val="222222"/>
-                </a:solidFill>
-                <a:effectLst/>
-                <a:latin typeface="segoe-ui_normal"/>
-              </a:rPr>
-              <a:t>Azure Service Fabric </a:t>
-            </a:r>
-            <a:r>
-              <a:rPr lang="zh-CN" altLang="en-US" sz="2400" b="0" i="0" dirty="0" smtClean="0">
-                <a:solidFill>
-                  <a:srgbClr val="222222"/>
-                </a:solidFill>
-                <a:effectLst/>
-                <a:latin typeface="segoe-ui_normal"/>
-              </a:rPr>
-              <a:t>是一款分布式系统平台，可方便用户轻松打包、部署和管理可缩放的可靠微服务和容器。 开发人员和管理员不需解决复杂的基础结构问题，只需专注于实现苛刻的任务关键型工作负荷，即那些可缩放、可靠且易于管理的工作负荷。</a:t>
-            </a:r>
-            <a:endParaRPr lang="zh-CN" altLang="en-US" sz="2400" dirty="0"/>
+          <p:cNvPr id="2" name="标题 1"/>
+          <p:cNvSpPr>
+            <a:spLocks noGrp="1"/>
+          </p:cNvSpPr>
+          <p:nvPr>
+            <p:ph type="ctrTitle"/>
+          </p:nvPr>
+        </p:nvSpPr>
+        <p:spPr/>
+        <p:txBody>
+          <a:bodyPr/>
+          <a:lstStyle/>
+          <a:p>
+            <a:r>
+              <a:rPr lang="zh-CN" altLang="en-US" dirty="0"/>
+              <a:t>为什么要使用</a:t>
+            </a:r>
+            <a:r>
+              <a:rPr lang="en-US" altLang="zh-CN" dirty="0"/>
+              <a:t>Service Fabric</a:t>
+            </a:r>
+            <a:endParaRPr lang="zh-CN" altLang="en-US" dirty="0"/>
           </a:p>
         </p:txBody>
       </p:sp>
     </p:spTree>
     <p:extLst>
       <p:ext uri="{BB962C8B-B14F-4D97-AF65-F5344CB8AC3E}">
-        <p14:creationId xmlns:p14="http://schemas.microsoft.com/office/powerpoint/2010/main" val="1027247822"/>
+        <p14:creationId xmlns:p14="http://schemas.microsoft.com/office/powerpoint/2010/main" val="3940251187"/>
       </p:ext>
     </p:extLst>
   </p:cSld>
@@ -3666,21 +3855,20 @@
           <a:lstStyle/>
           <a:p>
             <a:r>
+              <a:rPr lang="en-US" altLang="zh-CN" dirty="0"/>
+              <a:t>Service Fabric </a:t>
+            </a:r>
+            <a:r>
               <a:rPr lang="zh-CN" altLang="en-US" dirty="0"/>
-              <a:t>为什么要使用</a:t>
-            </a:r>
-            <a:r>
-              <a:rPr lang="en-US" altLang="zh-CN" dirty="0"/>
-              <a:t>Service Fabric</a:t>
-            </a:r>
-            <a:endParaRPr lang="zh-CN" altLang="en-US" dirty="0"/>
+              <a:t>的优缺点</a:t>
+            </a:r>
           </a:p>
         </p:txBody>
       </p:sp>
     </p:spTree>
     <p:extLst>
       <p:ext uri="{BB962C8B-B14F-4D97-AF65-F5344CB8AC3E}">
-        <p14:creationId xmlns:p14="http://schemas.microsoft.com/office/powerpoint/2010/main" val="3940251187"/>
+        <p14:creationId xmlns:p14="http://schemas.microsoft.com/office/powerpoint/2010/main" val="1234996207"/>
       </p:ext>
     </p:extLst>
   </p:cSld>
@@ -3727,16 +3915,17 @@
               <a:t>Service Fabric </a:t>
             </a:r>
             <a:r>
-              <a:rPr lang="zh-CN" altLang="en-US" dirty="0"/>
-              <a:t>的优缺点</a:t>
-            </a:r>
+              <a:rPr lang="zh-CN" altLang="en-US" dirty="0" smtClean="0"/>
+              <a:t>服务</a:t>
+            </a:r>
+            <a:endParaRPr lang="zh-CN" altLang="en-US" dirty="0"/>
           </a:p>
         </p:txBody>
       </p:sp>
     </p:spTree>
     <p:extLst>
       <p:ext uri="{BB962C8B-B14F-4D97-AF65-F5344CB8AC3E}">
-        <p14:creationId xmlns:p14="http://schemas.microsoft.com/office/powerpoint/2010/main" val="1234996207"/>
+        <p14:creationId xmlns:p14="http://schemas.microsoft.com/office/powerpoint/2010/main" val="4174732321"/>
       </p:ext>
     </p:extLst>
   </p:cSld>
@@ -3763,37 +3952,34 @@
           <a:chExt cx="0" cy="0"/>
         </a:xfrm>
       </p:grpSpPr>
-      <p:sp>
-        <p:nvSpPr>
-          <p:cNvPr id="2" name="标题 1"/>
-          <p:cNvSpPr>
-            <a:spLocks noGrp="1"/>
-          </p:cNvSpPr>
-          <p:nvPr>
-            <p:ph type="ctrTitle"/>
-          </p:nvPr>
-        </p:nvSpPr>
-        <p:spPr/>
-        <p:txBody>
-          <a:bodyPr/>
-          <a:lstStyle/>
-          <a:p>
-            <a:r>
-              <a:rPr lang="en-US" altLang="zh-CN" dirty="0"/>
-              <a:t>Service Fabric </a:t>
-            </a:r>
-            <a:r>
-              <a:rPr lang="zh-CN" altLang="en-US" dirty="0" smtClean="0"/>
-              <a:t>服务</a:t>
-            </a:r>
-            <a:endParaRPr lang="zh-CN" altLang="en-US" dirty="0"/>
-          </a:p>
-        </p:txBody>
-      </p:sp>
+      <p:pic>
+        <p:nvPicPr>
+          <p:cNvPr id="4" name="图片 3"/>
+          <p:cNvPicPr>
+            <a:picLocks noChangeAspect="1"/>
+          </p:cNvPicPr>
+          <p:nvPr/>
+        </p:nvPicPr>
+        <p:blipFill>
+          <a:blip r:embed="rId2"/>
+          <a:stretch>
+            <a:fillRect/>
+          </a:stretch>
+        </p:blipFill>
+        <p:spPr>
+          <a:xfrm>
+            <a:off x="1025525" y="846162"/>
+            <a:ext cx="10259789" cy="5152899"/>
+          </a:xfrm>
+          <a:prstGeom prst="rect">
+            <a:avLst/>
+          </a:prstGeom>
+        </p:spPr>
+      </p:pic>
     </p:spTree>
     <p:extLst>
       <p:ext uri="{BB962C8B-B14F-4D97-AF65-F5344CB8AC3E}">
-        <p14:creationId xmlns:p14="http://schemas.microsoft.com/office/powerpoint/2010/main" val="4174732321"/>
+        <p14:creationId xmlns:p14="http://schemas.microsoft.com/office/powerpoint/2010/main" val="1090233005"/>
       </p:ext>
     </p:extLst>
   </p:cSld>
@@ -4037,6 +4223,134 @@
 </p:sld>
 </file>
 
+<file path=ppt/slides/slide22.xml><?xml version="1.0" encoding="utf-8"?>
+<p:sld xmlns:a="http://schemas.openxmlformats.org/drawingml/2006/main" xmlns:r="http://schemas.openxmlformats.org/officeDocument/2006/relationships" xmlns:p="http://schemas.openxmlformats.org/presentationml/2006/main">
+  <p:cSld>
+    <p:spTree>
+      <p:nvGrpSpPr>
+        <p:cNvPr id="1" name=""/>
+        <p:cNvGrpSpPr/>
+        <p:nvPr/>
+      </p:nvGrpSpPr>
+      <p:grpSpPr>
+        <a:xfrm>
+          <a:off x="0" y="0"/>
+          <a:ext cx="0" cy="0"/>
+          <a:chOff x="0" y="0"/>
+          <a:chExt cx="0" cy="0"/>
+        </a:xfrm>
+      </p:grpSpPr>
+      <p:sp>
+        <p:nvSpPr>
+          <p:cNvPr id="2" name="标题 1"/>
+          <p:cNvSpPr>
+            <a:spLocks noGrp="1"/>
+          </p:cNvSpPr>
+          <p:nvPr>
+            <p:ph type="ctrTitle"/>
+          </p:nvPr>
+        </p:nvSpPr>
+        <p:spPr>
+          <a:xfrm>
+            <a:off x="1551295" y="1201002"/>
+            <a:ext cx="9144000" cy="1107957"/>
+          </a:xfrm>
+        </p:spPr>
+        <p:txBody>
+          <a:bodyPr/>
+          <a:lstStyle/>
+          <a:p>
+            <a:r>
+              <a:rPr lang="en-US" altLang="zh-CN" dirty="0"/>
+              <a:t>Service Fabric </a:t>
+            </a:r>
+            <a:r>
+              <a:rPr lang="zh-CN" altLang="en-US" dirty="0" smtClean="0"/>
+              <a:t>精通预告</a:t>
+            </a:r>
+            <a:endParaRPr lang="zh-CN" altLang="en-US" dirty="0"/>
+          </a:p>
+        </p:txBody>
+      </p:sp>
+      <p:sp>
+        <p:nvSpPr>
+          <p:cNvPr id="3" name="矩形 2"/>
+          <p:cNvSpPr/>
+          <p:nvPr/>
+        </p:nvSpPr>
+        <p:spPr>
+          <a:xfrm>
+            <a:off x="2413881" y="2753015"/>
+            <a:ext cx="4735592" cy="369332"/>
+          </a:xfrm>
+          <a:prstGeom prst="rect">
+            <a:avLst/>
+          </a:prstGeom>
+        </p:spPr>
+        <p:txBody>
+          <a:bodyPr wrap="none">
+            <a:spAutoFit/>
+          </a:bodyPr>
+          <a:lstStyle/>
+          <a:p>
+            <a:r>
+              <a:rPr lang="zh-CN" altLang="en-US" b="1" dirty="0" smtClean="0">
+                <a:solidFill>
+                  <a:srgbClr val="222222"/>
+                </a:solidFill>
+                <a:latin typeface="segoe-ui_bold"/>
+              </a:rPr>
+              <a:t>新中国</a:t>
+            </a:r>
+            <a:r>
+              <a:rPr lang="en-US" altLang="zh-CN" b="1" dirty="0" smtClean="0">
+                <a:solidFill>
+                  <a:srgbClr val="222222"/>
+                </a:solidFill>
+                <a:latin typeface="segoe-ui_bold"/>
+              </a:rPr>
+              <a:t>Service Fabric</a:t>
+            </a:r>
+            <a:r>
+              <a:rPr lang="zh-CN" altLang="en-US" b="1" dirty="0" smtClean="0">
+                <a:solidFill>
+                  <a:srgbClr val="222222"/>
+                </a:solidFill>
+                <a:latin typeface="segoe-ui_bold"/>
+              </a:rPr>
+              <a:t>的领军人物 </a:t>
+            </a:r>
+            <a:r>
+              <a:rPr lang="en-US" altLang="zh-CN" b="1" dirty="0" smtClean="0">
+                <a:solidFill>
+                  <a:srgbClr val="222222"/>
+                </a:solidFill>
+                <a:latin typeface="segoe-ui_bold"/>
+              </a:rPr>
+              <a:t>Sam Pang</a:t>
+            </a:r>
+            <a:endParaRPr lang="zh-CN" altLang="en-US" dirty="0">
+              <a:solidFill>
+                <a:srgbClr val="222222"/>
+              </a:solidFill>
+              <a:latin typeface="segoe-ui_normal"/>
+            </a:endParaRPr>
+          </a:p>
+        </p:txBody>
+      </p:sp>
+    </p:spTree>
+    <p:extLst>
+      <p:ext uri="{BB962C8B-B14F-4D97-AF65-F5344CB8AC3E}">
+        <p14:creationId xmlns:p14="http://schemas.microsoft.com/office/powerpoint/2010/main" val="3702795758"/>
+      </p:ext>
+    </p:extLst>
+  </p:cSld>
+  <p:clrMapOvr>
+    <a:masterClrMapping/>
+  </p:clrMapOvr>
+</p:sld>
+</file>
+
 <file path=ppt/slides/slide3.xml><?xml version="1.0" encoding="utf-8"?>
 <p:sld xmlns:a="http://schemas.openxmlformats.org/drawingml/2006/main" xmlns:r="http://schemas.openxmlformats.org/officeDocument/2006/relationships" xmlns:p="http://schemas.openxmlformats.org/presentationml/2006/main">
   <p:cSld>
@@ -4200,11 +4514,7 @@
             </a:r>
             <a:r>
               <a:rPr lang="zh-CN" altLang="en-US" dirty="0" smtClean="0"/>
-              <a:t>ll </a:t>
-            </a:r>
-            <a:r>
-              <a:rPr lang="zh-CN" altLang="en-US" dirty="0" smtClean="0"/>
-              <a:t>the function into one service</a:t>
+              <a:t>ll the function into one service</a:t>
             </a:r>
             <a:endParaRPr lang="zh-CN" altLang="en-US" dirty="0"/>
           </a:p>

--- a/工作/Service Fabric/Service Fabric.pptx
+++ b/工作/Service Fabric/Service Fabric.pptx
@@ -8,25 +8,26 @@
     <p:sldId id="267" r:id="rId2"/>
     <p:sldId id="256" r:id="rId3"/>
     <p:sldId id="266" r:id="rId4"/>
-    <p:sldId id="263" r:id="rId5"/>
-    <p:sldId id="265" r:id="rId6"/>
-    <p:sldId id="268" r:id="rId7"/>
-    <p:sldId id="269" r:id="rId8"/>
-    <p:sldId id="270" r:id="rId9"/>
-    <p:sldId id="271" r:id="rId10"/>
-    <p:sldId id="272" r:id="rId11"/>
-    <p:sldId id="273" r:id="rId12"/>
-    <p:sldId id="274" r:id="rId13"/>
+    <p:sldId id="280" r:id="rId5"/>
+    <p:sldId id="284" r:id="rId6"/>
+    <p:sldId id="269" r:id="rId7"/>
+    <p:sldId id="270" r:id="rId8"/>
+    <p:sldId id="282" r:id="rId9"/>
+    <p:sldId id="272" r:id="rId10"/>
+    <p:sldId id="281" r:id="rId11"/>
+    <p:sldId id="274" r:id="rId12"/>
+    <p:sldId id="283" r:id="rId13"/>
     <p:sldId id="277" r:id="rId14"/>
-    <p:sldId id="264" r:id="rId15"/>
-    <p:sldId id="259" r:id="rId16"/>
-    <p:sldId id="257" r:id="rId17"/>
-    <p:sldId id="258" r:id="rId18"/>
-    <p:sldId id="260" r:id="rId19"/>
-    <p:sldId id="278" r:id="rId20"/>
-    <p:sldId id="261" r:id="rId21"/>
-    <p:sldId id="262" r:id="rId22"/>
-    <p:sldId id="276" r:id="rId23"/>
+    <p:sldId id="279" r:id="rId15"/>
+    <p:sldId id="264" r:id="rId16"/>
+    <p:sldId id="259" r:id="rId17"/>
+    <p:sldId id="257" r:id="rId18"/>
+    <p:sldId id="258" r:id="rId19"/>
+    <p:sldId id="260" r:id="rId20"/>
+    <p:sldId id="278" r:id="rId21"/>
+    <p:sldId id="261" r:id="rId22"/>
+    <p:sldId id="262" r:id="rId23"/>
+    <p:sldId id="276" r:id="rId24"/>
   </p:sldIdLst>
   <p:sldSz cx="12192000" cy="6858000"/>
   <p:notesSz cx="6858000" cy="9144000"/>
@@ -264,7 +265,7 @@
           <a:p>
             <a:fld id="{29CCACAC-AFA6-490F-AB2E-95864F3C3404}" type="datetimeFigureOut">
               <a:rPr lang="zh-CN" altLang="en-US" smtClean="0"/>
-              <a:t>2017/11/2 Thursday</a:t>
+              <a:t>2017/11/4 Saturday</a:t>
             </a:fld>
             <a:endParaRPr lang="zh-CN" altLang="en-US"/>
           </a:p>
@@ -434,7 +435,7 @@
           <a:p>
             <a:fld id="{29CCACAC-AFA6-490F-AB2E-95864F3C3404}" type="datetimeFigureOut">
               <a:rPr lang="zh-CN" altLang="en-US" smtClean="0"/>
-              <a:t>2017/11/2 Thursday</a:t>
+              <a:t>2017/11/4 Saturday</a:t>
             </a:fld>
             <a:endParaRPr lang="zh-CN" altLang="en-US"/>
           </a:p>
@@ -614,7 +615,7 @@
           <a:p>
             <a:fld id="{29CCACAC-AFA6-490F-AB2E-95864F3C3404}" type="datetimeFigureOut">
               <a:rPr lang="zh-CN" altLang="en-US" smtClean="0"/>
-              <a:t>2017/11/2 Thursday</a:t>
+              <a:t>2017/11/4 Saturday</a:t>
             </a:fld>
             <a:endParaRPr lang="zh-CN" altLang="en-US"/>
           </a:p>
@@ -784,7 +785,7 @@
           <a:p>
             <a:fld id="{29CCACAC-AFA6-490F-AB2E-95864F3C3404}" type="datetimeFigureOut">
               <a:rPr lang="zh-CN" altLang="en-US" smtClean="0"/>
-              <a:t>2017/11/2 Thursday</a:t>
+              <a:t>2017/11/4 Saturday</a:t>
             </a:fld>
             <a:endParaRPr lang="zh-CN" altLang="en-US"/>
           </a:p>
@@ -1030,7 +1031,7 @@
           <a:p>
             <a:fld id="{29CCACAC-AFA6-490F-AB2E-95864F3C3404}" type="datetimeFigureOut">
               <a:rPr lang="zh-CN" altLang="en-US" smtClean="0"/>
-              <a:t>2017/11/2 Thursday</a:t>
+              <a:t>2017/11/4 Saturday</a:t>
             </a:fld>
             <a:endParaRPr lang="zh-CN" altLang="en-US"/>
           </a:p>
@@ -1262,7 +1263,7 @@
           <a:p>
             <a:fld id="{29CCACAC-AFA6-490F-AB2E-95864F3C3404}" type="datetimeFigureOut">
               <a:rPr lang="zh-CN" altLang="en-US" smtClean="0"/>
-              <a:t>2017/11/2 Thursday</a:t>
+              <a:t>2017/11/4 Saturday</a:t>
             </a:fld>
             <a:endParaRPr lang="zh-CN" altLang="en-US"/>
           </a:p>
@@ -1629,7 +1630,7 @@
           <a:p>
             <a:fld id="{29CCACAC-AFA6-490F-AB2E-95864F3C3404}" type="datetimeFigureOut">
               <a:rPr lang="zh-CN" altLang="en-US" smtClean="0"/>
-              <a:t>2017/11/2 Thursday</a:t>
+              <a:t>2017/11/4 Saturday</a:t>
             </a:fld>
             <a:endParaRPr lang="zh-CN" altLang="en-US"/>
           </a:p>
@@ -1747,7 +1748,7 @@
           <a:p>
             <a:fld id="{29CCACAC-AFA6-490F-AB2E-95864F3C3404}" type="datetimeFigureOut">
               <a:rPr lang="zh-CN" altLang="en-US" smtClean="0"/>
-              <a:t>2017/11/2 Thursday</a:t>
+              <a:t>2017/11/4 Saturday</a:t>
             </a:fld>
             <a:endParaRPr lang="zh-CN" altLang="en-US"/>
           </a:p>
@@ -1842,7 +1843,7 @@
           <a:p>
             <a:fld id="{29CCACAC-AFA6-490F-AB2E-95864F3C3404}" type="datetimeFigureOut">
               <a:rPr lang="zh-CN" altLang="en-US" smtClean="0"/>
-              <a:t>2017/11/2 Thursday</a:t>
+              <a:t>2017/11/4 Saturday</a:t>
             </a:fld>
             <a:endParaRPr lang="zh-CN" altLang="en-US"/>
           </a:p>
@@ -2119,7 +2120,7 @@
           <a:p>
             <a:fld id="{29CCACAC-AFA6-490F-AB2E-95864F3C3404}" type="datetimeFigureOut">
               <a:rPr lang="zh-CN" altLang="en-US" smtClean="0"/>
-              <a:t>2017/11/2 Thursday</a:t>
+              <a:t>2017/11/4 Saturday</a:t>
             </a:fld>
             <a:endParaRPr lang="zh-CN" altLang="en-US"/>
           </a:p>
@@ -2372,7 +2373,7 @@
           <a:p>
             <a:fld id="{29CCACAC-AFA6-490F-AB2E-95864F3C3404}" type="datetimeFigureOut">
               <a:rPr lang="zh-CN" altLang="en-US" smtClean="0"/>
-              <a:t>2017/11/2 Thursday</a:t>
+              <a:t>2017/11/4 Saturday</a:t>
             </a:fld>
             <a:endParaRPr lang="zh-CN" altLang="en-US"/>
           </a:p>
@@ -2585,7 +2586,7 @@
           <a:p>
             <a:fld id="{29CCACAC-AFA6-490F-AB2E-95864F3C3404}" type="datetimeFigureOut">
               <a:rPr lang="zh-CN" altLang="en-US" smtClean="0"/>
-              <a:t>2017/11/2 Thursday</a:t>
+              <a:t>2017/11/4 Saturday</a:t>
             </a:fld>
             <a:endParaRPr lang="zh-CN" altLang="en-US"/>
           </a:p>
@@ -2990,47 +2991,35 @@
           <a:chExt cx="0" cy="0"/>
         </a:xfrm>
       </p:grpSpPr>
-      <p:pic>
-        <p:nvPicPr>
-          <p:cNvPr id="1026" name="Picture 2" descr="Image result for service fabric"/>
-          <p:cNvPicPr>
-            <a:picLocks noChangeAspect="1" noChangeArrowheads="1"/>
-          </p:cNvPicPr>
+      <p:sp>
+        <p:nvSpPr>
+          <p:cNvPr id="2" name="矩形 1"/>
+          <p:cNvSpPr/>
           <p:nvPr/>
-        </p:nvPicPr>
-        <p:blipFill>
-          <a:blip r:embed="rId2">
-            <a:extLst>
-              <a:ext uri="{28A0092B-C50C-407E-A947-70E740481C1C}">
-                <a14:useLocalDpi xmlns:a14="http://schemas.microsoft.com/office/drawing/2010/main" val="0"/>
-              </a:ext>
-            </a:extLst>
-          </a:blip>
-          <a:srcRect/>
-          <a:stretch>
-            <a:fillRect/>
-          </a:stretch>
-        </p:blipFill>
-        <p:spPr bwMode="auto">
-          <a:xfrm>
-            <a:off x="619599" y="643672"/>
-            <a:ext cx="11096625" cy="5686425"/>
+        </p:nvSpPr>
+        <p:spPr>
+          <a:xfrm>
+            <a:off x="2997844" y="2084274"/>
+            <a:ext cx="6480620" cy="1446550"/>
           </a:xfrm>
           <a:prstGeom prst="rect">
             <a:avLst/>
           </a:prstGeom>
-          <a:noFill/>
-          <a:extLst>
-            <a:ext uri="{909E8E84-426E-40DD-AFC4-6F175D3DCCD1}">
-              <a14:hiddenFill xmlns:a14="http://schemas.microsoft.com/office/drawing/2010/main">
-                <a:solidFill>
-                  <a:srgbClr val="FFFFFF"/>
-                </a:solidFill>
-              </a14:hiddenFill>
-            </a:ext>
-          </a:extLst>
-        </p:spPr>
-      </p:pic>
+        </p:spPr>
+        <p:txBody>
+          <a:bodyPr wrap="none">
+            <a:spAutoFit/>
+          </a:bodyPr>
+          <a:lstStyle/>
+          <a:p>
+            <a:r>
+              <a:rPr lang="en-US" altLang="zh-CN" sz="8800" dirty="0"/>
+              <a:t>Service Fabric</a:t>
+            </a:r>
+            <a:endParaRPr lang="zh-CN" altLang="en-US" sz="8800" dirty="0"/>
+          </a:p>
+        </p:txBody>
+      </p:sp>
     </p:spTree>
     <p:extLst>
       <p:ext uri="{BB962C8B-B14F-4D97-AF65-F5344CB8AC3E}">
@@ -3061,58 +3050,153 @@
           <a:chExt cx="0" cy="0"/>
         </a:xfrm>
       </p:grpSpPr>
-      <p:pic>
-        <p:nvPicPr>
-          <p:cNvPr id="3" name="图片 2"/>
-          <p:cNvPicPr>
-            <a:picLocks noChangeAspect="1"/>
-          </p:cNvPicPr>
+      <p:sp>
+        <p:nvSpPr>
+          <p:cNvPr id="6" name="矩形 5"/>
+          <p:cNvSpPr/>
           <p:nvPr/>
-        </p:nvPicPr>
-        <p:blipFill>
-          <a:blip r:embed="rId2"/>
-          <a:stretch>
-            <a:fillRect/>
-          </a:stretch>
-        </p:blipFill>
-        <p:spPr>
-          <a:xfrm>
-            <a:off x="6701052" y="1340914"/>
-            <a:ext cx="3043640" cy="3032731"/>
+        </p:nvSpPr>
+        <p:spPr>
+          <a:xfrm>
+            <a:off x="1263499" y="1374591"/>
+            <a:ext cx="4669868" cy="369332"/>
           </a:xfrm>
           <a:prstGeom prst="rect">
             <a:avLst/>
           </a:prstGeom>
         </p:spPr>
-      </p:pic>
-      <p:pic>
-        <p:nvPicPr>
-          <p:cNvPr id="5" name="图片 4"/>
-          <p:cNvPicPr>
-            <a:picLocks noChangeAspect="1"/>
-          </p:cNvPicPr>
+        <p:txBody>
+          <a:bodyPr wrap="none">
+            <a:spAutoFit/>
+          </a:bodyPr>
+          <a:lstStyle/>
+          <a:p>
+            <a:r>
+              <a:rPr lang="en-US" altLang="zh-CN" dirty="0" smtClean="0"/>
+              <a:t>1.</a:t>
+            </a:r>
+            <a:r>
+              <a:rPr lang="zh-CN" altLang="en-US" dirty="0" smtClean="0"/>
+              <a:t>发布时间长  </a:t>
+            </a:r>
+            <a:r>
+              <a:rPr lang="en-US" altLang="zh-CN" dirty="0" smtClean="0"/>
+              <a:t>---------&gt;</a:t>
+            </a:r>
+            <a:r>
+              <a:rPr lang="zh-CN" altLang="en-US" dirty="0" smtClean="0"/>
+              <a:t>单个服务发布，</a:t>
+            </a:r>
+            <a:r>
+              <a:rPr lang="en-US" altLang="zh-CN" dirty="0" smtClean="0"/>
+              <a:t> 0 </a:t>
+            </a:r>
+            <a:r>
+              <a:rPr lang="zh-CN" altLang="en-US" dirty="0" smtClean="0"/>
+              <a:t>停机</a:t>
+            </a:r>
+            <a:endParaRPr lang="zh-CN" altLang="en-US" dirty="0"/>
+          </a:p>
+        </p:txBody>
+      </p:sp>
+      <p:sp>
+        <p:nvSpPr>
+          <p:cNvPr id="7" name="矩形 6"/>
+          <p:cNvSpPr/>
           <p:nvPr/>
-        </p:nvPicPr>
-        <p:blipFill>
-          <a:blip r:embed="rId3"/>
-          <a:stretch>
-            <a:fillRect/>
-          </a:stretch>
-        </p:blipFill>
-        <p:spPr>
-          <a:xfrm>
-            <a:off x="2060812" y="1340914"/>
-            <a:ext cx="2825087" cy="3076924"/>
+        </p:nvSpPr>
+        <p:spPr>
+          <a:xfrm>
+            <a:off x="1263499" y="1961444"/>
+            <a:ext cx="4998484" cy="369332"/>
           </a:xfrm>
           <a:prstGeom prst="rect">
             <a:avLst/>
           </a:prstGeom>
         </p:spPr>
-      </p:pic>
+        <p:txBody>
+          <a:bodyPr wrap="none">
+            <a:spAutoFit/>
+          </a:bodyPr>
+          <a:lstStyle/>
+          <a:p>
+            <a:r>
+              <a:rPr lang="en-US" altLang="zh-CN" dirty="0" smtClean="0"/>
+              <a:t>2.</a:t>
+            </a:r>
+            <a:r>
+              <a:rPr lang="zh-CN" altLang="en-US" dirty="0" smtClean="0"/>
+              <a:t>扩展又慢又贵 </a:t>
+            </a:r>
+            <a:r>
+              <a:rPr lang="en-US" altLang="zh-CN" dirty="0" smtClean="0"/>
+              <a:t>-------&gt;</a:t>
+            </a:r>
+            <a:r>
+              <a:rPr lang="zh-CN" altLang="en-US" dirty="0"/>
+              <a:t>单个</a:t>
+            </a:r>
+            <a:r>
+              <a:rPr lang="zh-CN" altLang="en-US" dirty="0" smtClean="0"/>
+              <a:t>服务</a:t>
+            </a:r>
+            <a:r>
+              <a:rPr lang="zh-CN" altLang="en-US" dirty="0"/>
+              <a:t>升级</a:t>
+            </a:r>
+            <a:r>
+              <a:rPr lang="zh-CN" altLang="en-US" dirty="0" smtClean="0"/>
+              <a:t>，</a:t>
+            </a:r>
+            <a:r>
+              <a:rPr lang="en-US" altLang="zh-CN" dirty="0" smtClean="0"/>
+              <a:t> </a:t>
+            </a:r>
+            <a:r>
+              <a:rPr lang="zh-CN" altLang="en-US" dirty="0" smtClean="0"/>
+              <a:t>有针对性</a:t>
+            </a:r>
+            <a:endParaRPr lang="zh-CN" altLang="en-US" dirty="0"/>
+          </a:p>
+        </p:txBody>
+      </p:sp>
+      <p:sp>
+        <p:nvSpPr>
+          <p:cNvPr id="8" name="矩形 7"/>
+          <p:cNvSpPr/>
+          <p:nvPr/>
+        </p:nvSpPr>
+        <p:spPr>
+          <a:xfrm>
+            <a:off x="1263499" y="2548297"/>
+            <a:ext cx="7403818" cy="369332"/>
+          </a:xfrm>
+          <a:prstGeom prst="rect">
+            <a:avLst/>
+          </a:prstGeom>
+        </p:spPr>
+        <p:txBody>
+          <a:bodyPr wrap="square">
+            <a:spAutoFit/>
+          </a:bodyPr>
+          <a:lstStyle/>
+          <a:p>
+            <a:r>
+              <a:rPr lang="en-US" altLang="zh-CN" dirty="0" smtClean="0"/>
+              <a:t>3.</a:t>
+            </a:r>
+            <a:r>
+              <a:rPr lang="zh-CN" altLang="en-US" dirty="0" smtClean="0"/>
+              <a:t>可用性和可靠性通过硬件冗余达到，更贵，更复杂</a:t>
+            </a:r>
+            <a:endParaRPr lang="en-US" altLang="zh-CN" dirty="0"/>
+          </a:p>
+        </p:txBody>
+      </p:sp>
     </p:spTree>
     <p:extLst>
       <p:ext uri="{BB962C8B-B14F-4D97-AF65-F5344CB8AC3E}">
-        <p14:creationId xmlns:p14="http://schemas.microsoft.com/office/powerpoint/2010/main" val="3027644958"/>
+        <p14:creationId xmlns:p14="http://schemas.microsoft.com/office/powerpoint/2010/main" val="2844405483"/>
       </p:ext>
     </p:extLst>
   </p:cSld>
@@ -3123,149 +3207,6 @@
 </file>
 
 <file path=ppt/slides/slide11.xml><?xml version="1.0" encoding="utf-8"?>
-<p:sld xmlns:a="http://schemas.openxmlformats.org/drawingml/2006/main" xmlns:r="http://schemas.openxmlformats.org/officeDocument/2006/relationships" xmlns:p="http://schemas.openxmlformats.org/presentationml/2006/main">
-  <p:cSld>
-    <p:spTree>
-      <p:nvGrpSpPr>
-        <p:cNvPr id="1" name=""/>
-        <p:cNvGrpSpPr/>
-        <p:nvPr/>
-      </p:nvGrpSpPr>
-      <p:grpSpPr>
-        <a:xfrm>
-          <a:off x="0" y="0"/>
-          <a:ext cx="0" cy="0"/>
-          <a:chOff x="0" y="0"/>
-          <a:chExt cx="0" cy="0"/>
-        </a:xfrm>
-      </p:grpSpPr>
-      <p:pic>
-        <p:nvPicPr>
-          <p:cNvPr id="2" name="图片 1"/>
-          <p:cNvPicPr>
-            <a:picLocks noChangeAspect="1"/>
-          </p:cNvPicPr>
-          <p:nvPr/>
-        </p:nvPicPr>
-        <p:blipFill>
-          <a:blip r:embed="rId2"/>
-          <a:stretch>
-            <a:fillRect/>
-          </a:stretch>
-        </p:blipFill>
-        <p:spPr>
-          <a:xfrm>
-            <a:off x="191068" y="139911"/>
-            <a:ext cx="3643953" cy="2981416"/>
-          </a:xfrm>
-          <a:prstGeom prst="rect">
-            <a:avLst/>
-          </a:prstGeom>
-        </p:spPr>
-      </p:pic>
-      <p:pic>
-        <p:nvPicPr>
-          <p:cNvPr id="4" name="图片 3"/>
-          <p:cNvPicPr>
-            <a:picLocks noChangeAspect="1"/>
-          </p:cNvPicPr>
-          <p:nvPr/>
-        </p:nvPicPr>
-        <p:blipFill>
-          <a:blip r:embed="rId3"/>
-          <a:stretch>
-            <a:fillRect/>
-          </a:stretch>
-        </p:blipFill>
-        <p:spPr>
-          <a:xfrm>
-            <a:off x="4278984" y="1542765"/>
-            <a:ext cx="3580641" cy="3157124"/>
-          </a:xfrm>
-          <a:prstGeom prst="rect">
-            <a:avLst/>
-          </a:prstGeom>
-        </p:spPr>
-      </p:pic>
-      <p:pic>
-        <p:nvPicPr>
-          <p:cNvPr id="7" name="图片 6"/>
-          <p:cNvPicPr>
-            <a:picLocks noChangeAspect="1"/>
-          </p:cNvPicPr>
-          <p:nvPr/>
-        </p:nvPicPr>
-        <p:blipFill>
-          <a:blip r:embed="rId4"/>
-          <a:stretch>
-            <a:fillRect/>
-          </a:stretch>
-        </p:blipFill>
-        <p:spPr>
-          <a:xfrm>
-            <a:off x="8393373" y="3481004"/>
-            <a:ext cx="3631746" cy="3135041"/>
-          </a:xfrm>
-          <a:prstGeom prst="rect">
-            <a:avLst/>
-          </a:prstGeom>
-        </p:spPr>
-      </p:pic>
-      <p:sp>
-        <p:nvSpPr>
-          <p:cNvPr id="8" name="矩形 7"/>
-          <p:cNvSpPr/>
-          <p:nvPr/>
-        </p:nvSpPr>
-        <p:spPr>
-          <a:xfrm>
-            <a:off x="3096845" y="5168668"/>
-            <a:ext cx="4163764" cy="646331"/>
-          </a:xfrm>
-          <a:prstGeom prst="rect">
-            <a:avLst/>
-          </a:prstGeom>
-        </p:spPr>
-        <p:txBody>
-          <a:bodyPr wrap="square">
-            <a:spAutoFit/>
-          </a:bodyPr>
-          <a:lstStyle/>
-          <a:p>
-            <a:r>
-              <a:rPr lang="en-US" altLang="zh-CN" dirty="0" smtClean="0"/>
-              <a:t>Update</a:t>
-            </a:r>
-            <a:r>
-              <a:rPr lang="en-US" altLang="zh-CN" dirty="0"/>
-              <a:t> </a:t>
-            </a:r>
-            <a:r>
-              <a:rPr lang="en-US" altLang="zh-CN" dirty="0" smtClean="0"/>
-              <a:t>and scale independently, </a:t>
-            </a:r>
-            <a:r>
-              <a:rPr lang="zh-CN" altLang="en-US" dirty="0" smtClean="0"/>
-              <a:t>提升质量和效率</a:t>
-            </a:r>
-            <a:endParaRPr lang="en-US" altLang="zh-CN" dirty="0"/>
-          </a:p>
-        </p:txBody>
-      </p:sp>
-    </p:spTree>
-    <p:extLst>
-      <p:ext uri="{BB962C8B-B14F-4D97-AF65-F5344CB8AC3E}">
-        <p14:creationId xmlns:p14="http://schemas.microsoft.com/office/powerpoint/2010/main" val="304928015"/>
-      </p:ext>
-    </p:extLst>
-  </p:cSld>
-  <p:clrMapOvr>
-    <a:masterClrMapping/>
-  </p:clrMapOvr>
-</p:sld>
-</file>
-
-<file path=ppt/slides/slide12.xml><?xml version="1.0" encoding="utf-8"?>
 <p:sld xmlns:a="http://schemas.openxmlformats.org/drawingml/2006/main" xmlns:r="http://schemas.openxmlformats.org/officeDocument/2006/relationships" xmlns:p="http://schemas.openxmlformats.org/presentationml/2006/main">
   <p:cSld>
     <p:spTree>
@@ -3315,7 +3256,7 @@
         <p:spPr>
           <a:xfrm>
             <a:off x="1800306" y="5605396"/>
-            <a:ext cx="9349913" cy="646331"/>
+            <a:ext cx="9349913" cy="369332"/>
           </a:xfrm>
           <a:prstGeom prst="rect">
             <a:avLst/>
@@ -3328,31 +3269,8 @@
           <a:lstStyle/>
           <a:p>
             <a:r>
-              <a:rPr lang="zh-CN" altLang="en-US" dirty="0" smtClean="0"/>
-              <a:t>微服务 </a:t>
-            </a:r>
-            <a:r>
-              <a:rPr lang="en-US" altLang="zh-CN" dirty="0" smtClean="0"/>
-              <a:t>!= </a:t>
-            </a:r>
-            <a:r>
-              <a:rPr lang="zh-CN" altLang="en-US" dirty="0" smtClean="0"/>
-              <a:t>微信服务 </a:t>
-            </a:r>
-            <a:endParaRPr lang="en-US" altLang="zh-CN" dirty="0" smtClean="0"/>
-          </a:p>
-          <a:p>
-            <a:r>
-              <a:rPr lang="en-US" altLang="zh-CN" dirty="0" smtClean="0"/>
-              <a:t>Developer </a:t>
-            </a:r>
-            <a:r>
-              <a:rPr lang="en-US" altLang="zh-CN" dirty="0" smtClean="0"/>
-              <a:t>needs write additional code. Inter service communication and </a:t>
-            </a:r>
-            <a:r>
-              <a:rPr lang="en-US" altLang="zh-CN" dirty="0" smtClean="0"/>
-              <a:t>handling failures</a:t>
+              <a:rPr lang="en-US" altLang="zh-CN" dirty="0" smtClean="0"/>
+              <a:t>Developer needs write additional code. Inter service communication and handling failures</a:t>
             </a:r>
             <a:endParaRPr lang="en-US" altLang="zh-CN" dirty="0"/>
           </a:p>
@@ -3362,6 +3280,108 @@
     <p:extLst>
       <p:ext uri="{BB962C8B-B14F-4D97-AF65-F5344CB8AC3E}">
         <p14:creationId xmlns:p14="http://schemas.microsoft.com/office/powerpoint/2010/main" val="3292899119"/>
+      </p:ext>
+    </p:extLst>
+  </p:cSld>
+  <p:clrMapOvr>
+    <a:masterClrMapping/>
+  </p:clrMapOvr>
+</p:sld>
+</file>
+
+<file path=ppt/slides/slide12.xml><?xml version="1.0" encoding="utf-8"?>
+<p:sld xmlns:a="http://schemas.openxmlformats.org/drawingml/2006/main" xmlns:r="http://schemas.openxmlformats.org/officeDocument/2006/relationships" xmlns:p="http://schemas.openxmlformats.org/presentationml/2006/main">
+  <p:cSld>
+    <p:spTree>
+      <p:nvGrpSpPr>
+        <p:cNvPr id="1" name=""/>
+        <p:cNvGrpSpPr/>
+        <p:nvPr/>
+      </p:nvGrpSpPr>
+      <p:grpSpPr>
+        <a:xfrm>
+          <a:off x="0" y="0"/>
+          <a:ext cx="0" cy="0"/>
+          <a:chOff x="0" y="0"/>
+          <a:chExt cx="0" cy="0"/>
+        </a:xfrm>
+      </p:grpSpPr>
+      <p:sp>
+        <p:nvSpPr>
+          <p:cNvPr id="4" name="标题 1"/>
+          <p:cNvSpPr>
+            <a:spLocks noGrp="1"/>
+          </p:cNvSpPr>
+          <p:nvPr>
+            <p:ph type="ctrTitle"/>
+          </p:nvPr>
+        </p:nvSpPr>
+        <p:spPr>
+          <a:xfrm>
+            <a:off x="637190" y="286603"/>
+            <a:ext cx="7469580" cy="862298"/>
+          </a:xfrm>
+        </p:spPr>
+        <p:txBody>
+          <a:bodyPr>
+            <a:normAutofit/>
+          </a:bodyPr>
+          <a:lstStyle/>
+          <a:p>
+            <a:pPr algn="l"/>
+            <a:r>
+              <a:rPr lang="en-US" altLang="zh-CN" sz="4800" dirty="0" smtClean="0"/>
+              <a:t>Azure Service Fabric</a:t>
+            </a:r>
+            <a:endParaRPr lang="zh-CN" altLang="en-US" sz="4800" dirty="0"/>
+          </a:p>
+        </p:txBody>
+      </p:sp>
+      <p:pic>
+        <p:nvPicPr>
+          <p:cNvPr id="5" name="Picture 2" descr="Image result for service fabric"/>
+          <p:cNvPicPr>
+            <a:picLocks noChangeAspect="1" noChangeArrowheads="1"/>
+          </p:cNvPicPr>
+          <p:nvPr/>
+        </p:nvPicPr>
+        <p:blipFill>
+          <a:blip r:embed="rId2">
+            <a:extLst>
+              <a:ext uri="{28A0092B-C50C-407E-A947-70E740481C1C}">
+                <a14:useLocalDpi xmlns:a14="http://schemas.microsoft.com/office/drawing/2010/main" val="0"/>
+              </a:ext>
+            </a:extLst>
+          </a:blip>
+          <a:srcRect/>
+          <a:stretch>
+            <a:fillRect/>
+          </a:stretch>
+        </p:blipFill>
+        <p:spPr bwMode="auto">
+          <a:xfrm>
+            <a:off x="1746913" y="1303868"/>
+            <a:ext cx="8822899" cy="4521262"/>
+          </a:xfrm>
+          <a:prstGeom prst="rect">
+            <a:avLst/>
+          </a:prstGeom>
+          <a:noFill/>
+          <a:extLst>
+            <a:ext uri="{909E8E84-426E-40DD-AFC4-6F175D3DCCD1}">
+              <a14:hiddenFill xmlns:a14="http://schemas.microsoft.com/office/drawing/2010/main">
+                <a:solidFill>
+                  <a:srgbClr val="FFFFFF"/>
+                </a:solidFill>
+              </a14:hiddenFill>
+            </a:ext>
+          </a:extLst>
+        </p:spPr>
+      </p:pic>
+    </p:spTree>
+    <p:extLst>
+      <p:ext uri="{BB962C8B-B14F-4D97-AF65-F5344CB8AC3E}">
+        <p14:creationId xmlns:p14="http://schemas.microsoft.com/office/powerpoint/2010/main" val="3274232644"/>
       </p:ext>
     </p:extLst>
   </p:cSld>
@@ -3397,7 +3417,7 @@
         <p:spPr>
           <a:xfrm>
             <a:off x="1459112" y="719499"/>
-            <a:ext cx="9349913" cy="3693319"/>
+            <a:ext cx="9349913" cy="5078313"/>
           </a:xfrm>
           <a:prstGeom prst="rect">
             <a:avLst/>
@@ -3411,11 +3431,11 @@
           <a:p>
             <a:r>
               <a:rPr lang="en-US" altLang="zh-CN" dirty="0" smtClean="0"/>
-              <a:t>Azure is an application platform </a:t>
+              <a:t>Azure service fabric is an application platform </a:t>
             </a:r>
             <a:r>
               <a:rPr lang="en-US" altLang="zh-CN" dirty="0"/>
-              <a:t>that simplify building</a:t>
+              <a:t>that simplifies building</a:t>
             </a:r>
             <a:r>
               <a:rPr lang="en-US" altLang="zh-CN" dirty="0" smtClean="0"/>
@@ -3427,23 +3447,15 @@
             </a:r>
             <a:r>
               <a:rPr lang="en-US" altLang="zh-CN" dirty="0" smtClean="0"/>
-              <a:t>service base </a:t>
-            </a:r>
-            <a:r>
-              <a:rPr lang="en-US" altLang="zh-CN" dirty="0" smtClean="0"/>
-              <a:t>applications,  to provide organization with scalable, </a:t>
-            </a:r>
-            <a:r>
-              <a:rPr lang="en-US" altLang="zh-CN" dirty="0" err="1" smtClean="0"/>
-              <a:t>aizhou</a:t>
+              <a:t>service base applications,  to provide organization with scalable, </a:t>
             </a:r>
             <a:r>
               <a:rPr lang="en-US" altLang="zh-CN" dirty="0"/>
-              <a:t> </a:t>
-            </a:r>
-            <a:r>
-              <a:rPr lang="en-US" altLang="zh-CN" dirty="0" smtClean="0"/>
-              <a:t>and reliable applications</a:t>
+              <a:t>agile</a:t>
+            </a:r>
+            <a:r>
+              <a:rPr lang="en-US" altLang="zh-CN" dirty="0" smtClean="0"/>
+              <a:t> and reliable applications</a:t>
             </a:r>
             <a:r>
               <a:rPr lang="en-US" altLang="zh-CN" dirty="0"/>
@@ -3596,15 +3608,11 @@
           <a:p>
             <a:r>
               <a:rPr lang="en-US" altLang="zh-CN" dirty="0" smtClean="0"/>
-              <a:t>Dat</a:t>
-            </a:r>
-            <a:r>
-              <a:rPr lang="en-US" altLang="zh-CN" dirty="0" smtClean="0"/>
-              <a:t>a partitions in service will long with dynamic resource </a:t>
-            </a:r>
-            <a:r>
-              <a:rPr lang="en-US" altLang="zh-CN" dirty="0" err="1" smtClean="0"/>
-              <a:t>bangnecing</a:t>
+              <a:t>Data partitions in service will long with dynamic resource </a:t>
+            </a:r>
+            <a:r>
+              <a:rPr lang="en-US" altLang="zh-CN" dirty="0"/>
+              <a:t>balancing</a:t>
             </a:r>
             <a:r>
               <a:rPr lang="en-US" altLang="zh-CN" dirty="0" smtClean="0"/>
@@ -3613,9 +3621,39 @@
           </a:p>
           <a:p>
             <a:r>
-              <a:rPr lang="en-US" altLang="zh-CN" smtClean="0"/>
-              <a:t>Rolling updates </a:t>
-            </a:r>
+              <a:rPr lang="en-US" altLang="zh-CN" dirty="0" smtClean="0"/>
+              <a:t>Rolling updates is able zero application down time. And health check fail, service fabric automatically rolls back application to previous version. </a:t>
+            </a:r>
+          </a:p>
+          <a:p>
+            <a:r>
+              <a:rPr lang="en-US" altLang="zh-CN" dirty="0" smtClean="0"/>
+              <a:t>Azure service fabric was born from xx years to experience me critical cloud services. And today</a:t>
+            </a:r>
+            <a:r>
+              <a:rPr lang="en-US" altLang="zh-CN" dirty="0"/>
+              <a:t>, </a:t>
+            </a:r>
+            <a:r>
+              <a:rPr lang="en-US" altLang="zh-CN" dirty="0" smtClean="0"/>
+              <a:t>hundreds of organizations are releasing same benefits of micro service approach. </a:t>
+            </a:r>
+          </a:p>
+          <a:p>
+            <a:r>
+              <a:rPr lang="en-US" altLang="zh-CN" dirty="0" smtClean="0"/>
+              <a:t>Not only that, </a:t>
+            </a:r>
+            <a:r>
+              <a:rPr lang="en-US" altLang="zh-CN" dirty="0"/>
+              <a:t>but </a:t>
+            </a:r>
+            <a:r>
+              <a:rPr lang="en-US" altLang="zh-CN" dirty="0" smtClean="0"/>
+              <a:t>several key Microsoft products run on Azure service fabric.</a:t>
+            </a:r>
+          </a:p>
+          <a:p>
             <a:endParaRPr lang="en-US" altLang="zh-CN" dirty="0"/>
           </a:p>
         </p:txBody>
@@ -3652,35 +3690,139 @@
       </p:grpSpPr>
       <p:sp>
         <p:nvSpPr>
-          <p:cNvPr id="2" name="标题 1"/>
-          <p:cNvSpPr>
-            <a:spLocks noGrp="1"/>
-          </p:cNvSpPr>
-          <p:nvPr>
-            <p:ph type="ctrTitle"/>
-          </p:nvPr>
-        </p:nvSpPr>
-        <p:spPr/>
-        <p:txBody>
-          <a:bodyPr/>
-          <a:lstStyle/>
-          <a:p>
-            <a:r>
-              <a:rPr lang="en-US" altLang="zh-CN" dirty="0" smtClean="0"/>
-              <a:t>Service Fabric</a:t>
-            </a:r>
-            <a:r>
-              <a:rPr lang="zh-CN" altLang="en-US" dirty="0" smtClean="0"/>
-              <a:t>的诞生</a:t>
-            </a:r>
-            <a:endParaRPr lang="zh-CN" altLang="en-US" dirty="0"/>
+          <p:cNvPr id="9" name="矩形 8"/>
+          <p:cNvSpPr/>
+          <p:nvPr/>
+        </p:nvSpPr>
+        <p:spPr>
+          <a:xfrm>
+            <a:off x="1459112" y="719499"/>
+            <a:ext cx="9349913" cy="3970318"/>
+          </a:xfrm>
+          <a:prstGeom prst="rect">
+            <a:avLst/>
+          </a:prstGeom>
+        </p:spPr>
+        <p:txBody>
+          <a:bodyPr wrap="square">
+            <a:spAutoFit/>
+          </a:bodyPr>
+          <a:lstStyle/>
+          <a:p>
+            <a:r>
+              <a:rPr lang="en-US" altLang="zh-CN" dirty="0" smtClean="0"/>
+              <a:t>Service fabric support from main develop tools and program models. Improve developers productivity. This can be use built stateless service. The traditional way. </a:t>
+            </a:r>
+          </a:p>
+          <a:p>
+            <a:r>
+              <a:rPr lang="en-US" altLang="zh-CN" dirty="0" smtClean="0"/>
+              <a:t>Where </a:t>
+            </a:r>
+            <a:r>
+              <a:rPr lang="en-US" altLang="zh-CN" dirty="0" err="1" smtClean="0"/>
+              <a:t>nows</a:t>
+            </a:r>
+            <a:r>
+              <a:rPr lang="en-US" altLang="zh-CN" dirty="0" smtClean="0"/>
+              <a:t> </a:t>
+            </a:r>
+            <a:r>
+              <a:rPr lang="en-US" altLang="zh-CN" dirty="0" err="1" smtClean="0"/>
+              <a:t>stateful</a:t>
+            </a:r>
+            <a:r>
+              <a:rPr lang="en-US" altLang="zh-CN" dirty="0" smtClean="0"/>
+              <a:t> micro service, will compute and data collocated to </a:t>
+            </a:r>
+            <a:r>
+              <a:rPr lang="en-US" altLang="zh-CN" dirty="0"/>
+              <a:t>further </a:t>
+            </a:r>
+            <a:r>
+              <a:rPr lang="en-US" altLang="zh-CN" dirty="0" smtClean="0"/>
+              <a:t>decrease app complexity. </a:t>
+            </a:r>
+          </a:p>
+          <a:p>
+            <a:r>
+              <a:rPr lang="en-US" altLang="zh-CN" dirty="0" smtClean="0"/>
+              <a:t>Azure service fabric also provide powerful management </a:t>
+            </a:r>
+            <a:r>
+              <a:rPr lang="en-US" altLang="zh-CN" dirty="0" err="1" smtClean="0"/>
+              <a:t>capleblety</a:t>
+            </a:r>
+            <a:r>
+              <a:rPr lang="en-US" altLang="zh-CN" dirty="0" smtClean="0"/>
+              <a:t>, include stage management, application lifecycle management with zero downtime upgrades. Easy service discover, </a:t>
+            </a:r>
+            <a:r>
+              <a:rPr lang="en-US" altLang="zh-CN" dirty="0"/>
+              <a:t>and details </a:t>
+            </a:r>
+            <a:r>
+              <a:rPr lang="en-US" altLang="zh-CN" dirty="0" smtClean="0"/>
+              <a:t>diagnosis and </a:t>
+            </a:r>
+            <a:r>
+              <a:rPr lang="en-US" altLang="zh-CN" dirty="0" err="1" smtClean="0"/>
+              <a:t>manzheri</a:t>
+            </a:r>
+            <a:r>
+              <a:rPr lang="en-US" altLang="zh-CN" dirty="0" smtClean="0"/>
+              <a:t>. </a:t>
+            </a:r>
+          </a:p>
+          <a:p>
+            <a:r>
+              <a:rPr lang="en-US" altLang="zh-CN" dirty="0" smtClean="0"/>
+              <a:t>In addition, with support for Linux, developer can use tools they know to build and deploy service fabric application on Linux.</a:t>
+            </a:r>
+          </a:p>
+          <a:p>
+            <a:r>
+              <a:rPr lang="en-US" altLang="zh-CN" dirty="0" smtClean="0"/>
+              <a:t>Azure service fabric is design to meet needs of many industries. </a:t>
+            </a:r>
+            <a:r>
+              <a:rPr lang="en-US" altLang="zh-CN" dirty="0"/>
+              <a:t>Include manufacturing, </a:t>
+            </a:r>
+            <a:r>
+              <a:rPr lang="en-US" altLang="zh-CN" dirty="0" smtClean="0"/>
+              <a:t>financial service, gaming, IOT or any application benefits from </a:t>
+            </a:r>
+            <a:r>
+              <a:rPr lang="en-US" altLang="zh-CN" dirty="0" err="1" smtClean="0"/>
+              <a:t>scalblelity</a:t>
+            </a:r>
+            <a:r>
+              <a:rPr lang="en-US" altLang="zh-CN" dirty="0" smtClean="0"/>
+              <a:t> and x.</a:t>
+            </a:r>
+          </a:p>
+          <a:p>
+            <a:r>
+              <a:rPr lang="en-US" altLang="zh-CN" dirty="0" smtClean="0"/>
+              <a:t>Azure service fabric simplify building and deploying micro service base applications in Azure, On-Premises, in other Clouds and is available on Windows and Linux as well. With Azure service fabric, organization can deliver customer more features faster. To drive better </a:t>
+            </a:r>
+            <a:r>
+              <a:rPr lang="en-US" altLang="zh-CN" dirty="0"/>
+              <a:t>business </a:t>
+            </a:r>
+            <a:r>
+              <a:rPr lang="en-US" altLang="zh-CN" dirty="0" smtClean="0"/>
+              <a:t>resolves.</a:t>
+            </a:r>
+            <a:endParaRPr lang="en-US" altLang="zh-CN" dirty="0"/>
           </a:p>
         </p:txBody>
       </p:sp>
     </p:spTree>
     <p:extLst>
       <p:ext uri="{BB962C8B-B14F-4D97-AF65-F5344CB8AC3E}">
-        <p14:creationId xmlns:p14="http://schemas.microsoft.com/office/powerpoint/2010/main" val="1046753233"/>
+        <p14:creationId xmlns:p14="http://schemas.microsoft.com/office/powerpoint/2010/main" val="1379808496"/>
       </p:ext>
     </p:extLst>
   </p:cSld>
@@ -3709,53 +3851,35 @@
       </p:grpSpPr>
       <p:sp>
         <p:nvSpPr>
-          <p:cNvPr id="4" name="矩形 3"/>
-          <p:cNvSpPr/>
-          <p:nvPr/>
-        </p:nvSpPr>
-        <p:spPr>
-          <a:xfrm>
-            <a:off x="1310185" y="2458320"/>
-            <a:ext cx="9717206" cy="1569660"/>
-          </a:xfrm>
-          <a:prstGeom prst="rect">
-            <a:avLst/>
-          </a:prstGeom>
-        </p:spPr>
-        <p:txBody>
-          <a:bodyPr wrap="square">
-            <a:spAutoFit/>
-          </a:bodyPr>
-          <a:lstStyle/>
-          <a:p>
-            <a:r>
-              <a:rPr lang="en-US" altLang="zh-CN" sz="2400" b="0" i="0" dirty="0" smtClean="0">
-                <a:solidFill>
-                  <a:srgbClr val="222222"/>
-                </a:solidFill>
-                <a:effectLst/>
-                <a:latin typeface="segoe-ui_normal"/>
-              </a:rPr>
-              <a:t>Azure Service Fabric </a:t>
-            </a:r>
-            <a:r>
-              <a:rPr lang="zh-CN" altLang="en-US" sz="2400" b="0" i="0" dirty="0" smtClean="0">
-                <a:solidFill>
-                  <a:srgbClr val="222222"/>
-                </a:solidFill>
-                <a:effectLst/>
-                <a:latin typeface="segoe-ui_normal"/>
-              </a:rPr>
-              <a:t>是一款分布式系统平台，可方便用户轻松打包、部署和管理可缩放的可靠微服务和容器。 开发人员和管理员不需解决复杂的基础结构问题，只需专注于实现苛刻的任务关键型工作负荷，即那些可缩放、可靠且易于管理的工作负荷。</a:t>
-            </a:r>
-            <a:endParaRPr lang="zh-CN" altLang="en-US" sz="2400" dirty="0"/>
+          <p:cNvPr id="2" name="标题 1"/>
+          <p:cNvSpPr>
+            <a:spLocks noGrp="1"/>
+          </p:cNvSpPr>
+          <p:nvPr>
+            <p:ph type="ctrTitle"/>
+          </p:nvPr>
+        </p:nvSpPr>
+        <p:spPr/>
+        <p:txBody>
+          <a:bodyPr/>
+          <a:lstStyle/>
+          <a:p>
+            <a:r>
+              <a:rPr lang="en-US" altLang="zh-CN" dirty="0" smtClean="0"/>
+              <a:t>Service Fabric</a:t>
+            </a:r>
+            <a:r>
+              <a:rPr lang="zh-CN" altLang="en-US" dirty="0" smtClean="0"/>
+              <a:t>的诞生</a:t>
+            </a:r>
+            <a:endParaRPr lang="zh-CN" altLang="en-US" dirty="0"/>
           </a:p>
         </p:txBody>
       </p:sp>
     </p:spTree>
     <p:extLst>
       <p:ext uri="{BB962C8B-B14F-4D97-AF65-F5344CB8AC3E}">
-        <p14:creationId xmlns:p14="http://schemas.microsoft.com/office/powerpoint/2010/main" val="1027247822"/>
+        <p14:creationId xmlns:p14="http://schemas.microsoft.com/office/powerpoint/2010/main" val="1046753233"/>
       </p:ext>
     </p:extLst>
   </p:cSld>
@@ -3784,35 +3908,53 @@
       </p:grpSpPr>
       <p:sp>
         <p:nvSpPr>
-          <p:cNvPr id="2" name="标题 1"/>
-          <p:cNvSpPr>
-            <a:spLocks noGrp="1"/>
-          </p:cNvSpPr>
-          <p:nvPr>
-            <p:ph type="ctrTitle"/>
-          </p:nvPr>
-        </p:nvSpPr>
-        <p:spPr/>
-        <p:txBody>
-          <a:bodyPr/>
-          <a:lstStyle/>
-          <a:p>
-            <a:r>
-              <a:rPr lang="zh-CN" altLang="en-US" dirty="0"/>
-              <a:t>为什么要使用</a:t>
-            </a:r>
-            <a:r>
-              <a:rPr lang="en-US" altLang="zh-CN" dirty="0"/>
-              <a:t>Service Fabric</a:t>
-            </a:r>
-            <a:endParaRPr lang="zh-CN" altLang="en-US" dirty="0"/>
+          <p:cNvPr id="4" name="矩形 3"/>
+          <p:cNvSpPr/>
+          <p:nvPr/>
+        </p:nvSpPr>
+        <p:spPr>
+          <a:xfrm>
+            <a:off x="1310185" y="2458320"/>
+            <a:ext cx="9717206" cy="1569660"/>
+          </a:xfrm>
+          <a:prstGeom prst="rect">
+            <a:avLst/>
+          </a:prstGeom>
+        </p:spPr>
+        <p:txBody>
+          <a:bodyPr wrap="square">
+            <a:spAutoFit/>
+          </a:bodyPr>
+          <a:lstStyle/>
+          <a:p>
+            <a:r>
+              <a:rPr lang="en-US" altLang="zh-CN" sz="2400" b="0" i="0" dirty="0" smtClean="0">
+                <a:solidFill>
+                  <a:srgbClr val="222222"/>
+                </a:solidFill>
+                <a:effectLst/>
+                <a:latin typeface="segoe-ui_normal"/>
+              </a:rPr>
+              <a:t>Azure Service Fabric </a:t>
+            </a:r>
+            <a:r>
+              <a:rPr lang="zh-CN" altLang="en-US" sz="2400" b="0" i="0" dirty="0" smtClean="0">
+                <a:solidFill>
+                  <a:srgbClr val="222222"/>
+                </a:solidFill>
+                <a:effectLst/>
+                <a:latin typeface="segoe-ui_normal"/>
+              </a:rPr>
+              <a:t>是一款分布式系统平台，可方便用户轻松打包、部署和管理可缩放的可靠微服务和容器。 开发人员和管理员不需解决复杂的基础结构问题，只需专注于实现苛刻的任务关键型工作负荷，即那些可缩放、可靠且易于管理的工作负荷。</a:t>
+            </a:r>
+            <a:endParaRPr lang="zh-CN" altLang="en-US" sz="2400" dirty="0"/>
           </a:p>
         </p:txBody>
       </p:sp>
     </p:spTree>
     <p:extLst>
       <p:ext uri="{BB962C8B-B14F-4D97-AF65-F5344CB8AC3E}">
-        <p14:creationId xmlns:p14="http://schemas.microsoft.com/office/powerpoint/2010/main" val="3940251187"/>
+        <p14:creationId xmlns:p14="http://schemas.microsoft.com/office/powerpoint/2010/main" val="1027247822"/>
       </p:ext>
     </p:extLst>
   </p:cSld>
@@ -3855,20 +3997,21 @@
           <a:lstStyle/>
           <a:p>
             <a:r>
+              <a:rPr lang="zh-CN" altLang="en-US" dirty="0"/>
+              <a:t>为什么要使用</a:t>
+            </a:r>
+            <a:r>
               <a:rPr lang="en-US" altLang="zh-CN" dirty="0"/>
-              <a:t>Service Fabric </a:t>
-            </a:r>
-            <a:r>
-              <a:rPr lang="zh-CN" altLang="en-US" dirty="0"/>
-              <a:t>的优缺点</a:t>
-            </a:r>
+              <a:t>Service Fabric</a:t>
+            </a:r>
+            <a:endParaRPr lang="zh-CN" altLang="en-US" dirty="0"/>
           </a:p>
         </p:txBody>
       </p:sp>
     </p:spTree>
     <p:extLst>
       <p:ext uri="{BB962C8B-B14F-4D97-AF65-F5344CB8AC3E}">
-        <p14:creationId xmlns:p14="http://schemas.microsoft.com/office/powerpoint/2010/main" val="1234996207"/>
+        <p14:creationId xmlns:p14="http://schemas.microsoft.com/office/powerpoint/2010/main" val="3940251187"/>
       </p:ext>
     </p:extLst>
   </p:cSld>
@@ -3915,17 +4058,16 @@
               <a:t>Service Fabric </a:t>
             </a:r>
             <a:r>
-              <a:rPr lang="zh-CN" altLang="en-US" dirty="0" smtClean="0"/>
-              <a:t>服务</a:t>
-            </a:r>
-            <a:endParaRPr lang="zh-CN" altLang="en-US" dirty="0"/>
+              <a:rPr lang="zh-CN" altLang="en-US" dirty="0"/>
+              <a:t>的优缺点</a:t>
+            </a:r>
           </a:p>
         </p:txBody>
       </p:sp>
     </p:spTree>
     <p:extLst>
       <p:ext uri="{BB962C8B-B14F-4D97-AF65-F5344CB8AC3E}">
-        <p14:creationId xmlns:p14="http://schemas.microsoft.com/office/powerpoint/2010/main" val="4174732321"/>
+        <p14:creationId xmlns:p14="http://schemas.microsoft.com/office/powerpoint/2010/main" val="1234996207"/>
       </p:ext>
     </p:extLst>
   </p:cSld>
@@ -3952,34 +4094,37 @@
           <a:chExt cx="0" cy="0"/>
         </a:xfrm>
       </p:grpSpPr>
-      <p:pic>
-        <p:nvPicPr>
-          <p:cNvPr id="4" name="图片 3"/>
-          <p:cNvPicPr>
-            <a:picLocks noChangeAspect="1"/>
-          </p:cNvPicPr>
-          <p:nvPr/>
-        </p:nvPicPr>
-        <p:blipFill>
-          <a:blip r:embed="rId2"/>
-          <a:stretch>
-            <a:fillRect/>
-          </a:stretch>
-        </p:blipFill>
-        <p:spPr>
-          <a:xfrm>
-            <a:off x="1025525" y="846162"/>
-            <a:ext cx="10259789" cy="5152899"/>
-          </a:xfrm>
-          <a:prstGeom prst="rect">
-            <a:avLst/>
-          </a:prstGeom>
-        </p:spPr>
-      </p:pic>
+      <p:sp>
+        <p:nvSpPr>
+          <p:cNvPr id="2" name="标题 1"/>
+          <p:cNvSpPr>
+            <a:spLocks noGrp="1"/>
+          </p:cNvSpPr>
+          <p:nvPr>
+            <p:ph type="ctrTitle"/>
+          </p:nvPr>
+        </p:nvSpPr>
+        <p:spPr/>
+        <p:txBody>
+          <a:bodyPr/>
+          <a:lstStyle/>
+          <a:p>
+            <a:r>
+              <a:rPr lang="en-US" altLang="zh-CN" dirty="0"/>
+              <a:t>Service Fabric </a:t>
+            </a:r>
+            <a:r>
+              <a:rPr lang="zh-CN" altLang="en-US" dirty="0" smtClean="0"/>
+              <a:t>服务</a:t>
+            </a:r>
+            <a:endParaRPr lang="zh-CN" altLang="en-US" dirty="0"/>
+          </a:p>
+        </p:txBody>
+      </p:sp>
     </p:spTree>
     <p:extLst>
       <p:ext uri="{BB962C8B-B14F-4D97-AF65-F5344CB8AC3E}">
-        <p14:creationId xmlns:p14="http://schemas.microsoft.com/office/powerpoint/2010/main" val="1090233005"/>
+        <p14:creationId xmlns:p14="http://schemas.microsoft.com/office/powerpoint/2010/main" val="4174732321"/>
       </p:ext>
     </p:extLst>
   </p:cSld>
@@ -4077,36 +4222,34 @@
           <a:chExt cx="0" cy="0"/>
         </a:xfrm>
       </p:grpSpPr>
-      <p:sp>
-        <p:nvSpPr>
-          <p:cNvPr id="2" name="标题 1"/>
-          <p:cNvSpPr>
-            <a:spLocks noGrp="1"/>
-          </p:cNvSpPr>
-          <p:nvPr>
-            <p:ph type="ctrTitle"/>
-          </p:nvPr>
-        </p:nvSpPr>
-        <p:spPr/>
-        <p:txBody>
-          <a:bodyPr/>
-          <a:lstStyle/>
-          <a:p>
-            <a:r>
-              <a:rPr lang="en-US" altLang="zh-CN" dirty="0"/>
-              <a:t>Service Fabric </a:t>
-            </a:r>
-            <a:r>
-              <a:rPr lang="zh-CN" altLang="en-US" dirty="0"/>
-              <a:t>术语</a:t>
-            </a:r>
-          </a:p>
-        </p:txBody>
-      </p:sp>
+      <p:pic>
+        <p:nvPicPr>
+          <p:cNvPr id="4" name="图片 3"/>
+          <p:cNvPicPr>
+            <a:picLocks noChangeAspect="1"/>
+          </p:cNvPicPr>
+          <p:nvPr/>
+        </p:nvPicPr>
+        <p:blipFill>
+          <a:blip r:embed="rId2"/>
+          <a:stretch>
+            <a:fillRect/>
+          </a:stretch>
+        </p:blipFill>
+        <p:spPr>
+          <a:xfrm>
+            <a:off x="1025525" y="846162"/>
+            <a:ext cx="10259789" cy="5152899"/>
+          </a:xfrm>
+          <a:prstGeom prst="rect">
+            <a:avLst/>
+          </a:prstGeom>
+        </p:spPr>
+      </p:pic>
     </p:spTree>
     <p:extLst>
       <p:ext uri="{BB962C8B-B14F-4D97-AF65-F5344CB8AC3E}">
-        <p14:creationId xmlns:p14="http://schemas.microsoft.com/office/powerpoint/2010/main" val="1875345327"/>
+        <p14:creationId xmlns:p14="http://schemas.microsoft.com/office/powerpoint/2010/main" val="1090233005"/>
       </p:ext>
     </p:extLst>
   </p:cSld>
@@ -4135,6 +4278,62 @@
       </p:grpSpPr>
       <p:sp>
         <p:nvSpPr>
+          <p:cNvPr id="2" name="标题 1"/>
+          <p:cNvSpPr>
+            <a:spLocks noGrp="1"/>
+          </p:cNvSpPr>
+          <p:nvPr>
+            <p:ph type="ctrTitle"/>
+          </p:nvPr>
+        </p:nvSpPr>
+        <p:spPr/>
+        <p:txBody>
+          <a:bodyPr/>
+          <a:lstStyle/>
+          <a:p>
+            <a:r>
+              <a:rPr lang="en-US" altLang="zh-CN" dirty="0"/>
+              <a:t>Service Fabric </a:t>
+            </a:r>
+            <a:r>
+              <a:rPr lang="zh-CN" altLang="en-US" dirty="0"/>
+              <a:t>术语</a:t>
+            </a:r>
+          </a:p>
+        </p:txBody>
+      </p:sp>
+    </p:spTree>
+    <p:extLst>
+      <p:ext uri="{BB962C8B-B14F-4D97-AF65-F5344CB8AC3E}">
+        <p14:creationId xmlns:p14="http://schemas.microsoft.com/office/powerpoint/2010/main" val="1875345327"/>
+      </p:ext>
+    </p:extLst>
+  </p:cSld>
+  <p:clrMapOvr>
+    <a:masterClrMapping/>
+  </p:clrMapOvr>
+</p:sld>
+</file>
+
+<file path=ppt/slides/slide22.xml><?xml version="1.0" encoding="utf-8"?>
+<p:sld xmlns:a="http://schemas.openxmlformats.org/drawingml/2006/main" xmlns:r="http://schemas.openxmlformats.org/officeDocument/2006/relationships" xmlns:p="http://schemas.openxmlformats.org/presentationml/2006/main">
+  <p:cSld>
+    <p:spTree>
+      <p:nvGrpSpPr>
+        <p:cNvPr id="1" name=""/>
+        <p:cNvGrpSpPr/>
+        <p:nvPr/>
+      </p:nvGrpSpPr>
+      <p:grpSpPr>
+        <a:xfrm>
+          <a:off x="0" y="0"/>
+          <a:ext cx="0" cy="0"/>
+          <a:chOff x="0" y="0"/>
+          <a:chExt cx="0" cy="0"/>
+        </a:xfrm>
+      </p:grpSpPr>
+      <p:sp>
+        <p:nvSpPr>
           <p:cNvPr id="4" name="矩形 3"/>
           <p:cNvSpPr/>
           <p:nvPr/>
@@ -4223,7 +4422,7 @@
 </p:sld>
 </file>
 
-<file path=ppt/slides/slide22.xml><?xml version="1.0" encoding="utf-8"?>
+<file path=ppt/slides/slide23.xml><?xml version="1.0" encoding="utf-8"?>
 <p:sld xmlns:a="http://schemas.openxmlformats.org/drawingml/2006/main" xmlns:r="http://schemas.openxmlformats.org/officeDocument/2006/relationships" xmlns:p="http://schemas.openxmlformats.org/presentationml/2006/main">
   <p:cSld>
     <p:spTree>
@@ -4378,7 +4577,12 @@
             <p:ph type="ctrTitle"/>
           </p:nvPr>
         </p:nvSpPr>
-        <p:spPr/>
+        <p:spPr>
+          <a:xfrm>
+            <a:off x="1537648" y="641444"/>
+            <a:ext cx="9144000" cy="1121605"/>
+          </a:xfrm>
+        </p:spPr>
         <p:txBody>
           <a:bodyPr/>
           <a:lstStyle/>
@@ -4396,6 +4600,172 @@
               <a:t>Service Fabric</a:t>
             </a:r>
             <a:endParaRPr lang="zh-CN" altLang="en-US" dirty="0"/>
+          </a:p>
+        </p:txBody>
+      </p:sp>
+      <p:sp>
+        <p:nvSpPr>
+          <p:cNvPr id="3" name="标题 1"/>
+          <p:cNvSpPr txBox="1">
+            <a:spLocks/>
+          </p:cNvSpPr>
+          <p:nvPr/>
+        </p:nvSpPr>
+        <p:spPr>
+          <a:xfrm>
+            <a:off x="2929721" y="2306470"/>
+            <a:ext cx="4221706" cy="684877"/>
+          </a:xfrm>
+          <a:prstGeom prst="rect">
+            <a:avLst/>
+          </a:prstGeom>
+        </p:spPr>
+        <p:txBody>
+          <a:bodyPr vert="horz" lIns="91440" tIns="45720" rIns="91440" bIns="45720" rtlCol="0" anchor="b">
+            <a:normAutofit/>
+          </a:bodyPr>
+          <a:lstStyle>
+            <a:lvl1pPr algn="ctr" defTabSz="914400" rtl="0" eaLnBrk="1" latinLnBrk="0" hangingPunct="1">
+              <a:lnSpc>
+                <a:spcPct val="90000"/>
+              </a:lnSpc>
+              <a:spcBef>
+                <a:spcPct val="0"/>
+              </a:spcBef>
+              <a:buNone/>
+              <a:defRPr sz="6000" kern="1200">
+                <a:solidFill>
+                  <a:schemeClr val="tx1"/>
+                </a:solidFill>
+                <a:latin typeface="+mj-lt"/>
+                <a:ea typeface="+mj-ea"/>
+                <a:cs typeface="+mj-cs"/>
+              </a:defRPr>
+            </a:lvl1pPr>
+          </a:lstStyle>
+          <a:p>
+            <a:pPr algn="l"/>
+            <a:r>
+              <a:rPr lang="en-US" altLang="zh-CN" sz="4000" dirty="0" smtClean="0"/>
+              <a:t>1.</a:t>
+            </a:r>
+            <a:r>
+              <a:rPr lang="zh-CN" altLang="en-US" sz="4000" dirty="0" smtClean="0"/>
+              <a:t>传统服务的弊端</a:t>
+            </a:r>
+            <a:endParaRPr lang="zh-CN" altLang="en-US" sz="4000" dirty="0"/>
+          </a:p>
+        </p:txBody>
+      </p:sp>
+      <p:sp>
+        <p:nvSpPr>
+          <p:cNvPr id="4" name="标题 1"/>
+          <p:cNvSpPr txBox="1">
+            <a:spLocks/>
+          </p:cNvSpPr>
+          <p:nvPr/>
+        </p:nvSpPr>
+        <p:spPr>
+          <a:xfrm>
+            <a:off x="2929721" y="3234517"/>
+            <a:ext cx="4221706" cy="684877"/>
+          </a:xfrm>
+          <a:prstGeom prst="rect">
+            <a:avLst/>
+          </a:prstGeom>
+        </p:spPr>
+        <p:txBody>
+          <a:bodyPr vert="horz" lIns="91440" tIns="45720" rIns="91440" bIns="45720" rtlCol="0" anchor="b">
+            <a:normAutofit/>
+          </a:bodyPr>
+          <a:lstStyle>
+            <a:lvl1pPr algn="ctr" defTabSz="914400" rtl="0" eaLnBrk="1" latinLnBrk="0" hangingPunct="1">
+              <a:lnSpc>
+                <a:spcPct val="90000"/>
+              </a:lnSpc>
+              <a:spcBef>
+                <a:spcPct val="0"/>
+              </a:spcBef>
+              <a:buNone/>
+              <a:defRPr sz="6000" kern="1200">
+                <a:solidFill>
+                  <a:schemeClr val="tx1"/>
+                </a:solidFill>
+                <a:latin typeface="+mj-lt"/>
+                <a:ea typeface="+mj-ea"/>
+                <a:cs typeface="+mj-cs"/>
+              </a:defRPr>
+            </a:lvl1pPr>
+          </a:lstStyle>
+          <a:p>
+            <a:pPr algn="l"/>
+            <a:r>
+              <a:rPr lang="en-US" altLang="zh-CN" sz="4000" dirty="0" smtClean="0"/>
+              <a:t>2.</a:t>
+            </a:r>
+            <a:r>
+              <a:rPr lang="zh-CN" altLang="en-US" sz="4000" dirty="0" smtClean="0"/>
+              <a:t>微服务</a:t>
+            </a:r>
+            <a:endParaRPr lang="zh-CN" altLang="en-US" sz="4000" dirty="0"/>
+          </a:p>
+        </p:txBody>
+      </p:sp>
+      <p:sp>
+        <p:nvSpPr>
+          <p:cNvPr id="5" name="标题 1"/>
+          <p:cNvSpPr txBox="1">
+            <a:spLocks/>
+          </p:cNvSpPr>
+          <p:nvPr/>
+        </p:nvSpPr>
+        <p:spPr>
+          <a:xfrm>
+            <a:off x="2929721" y="4162564"/>
+            <a:ext cx="4221706" cy="684877"/>
+          </a:xfrm>
+          <a:prstGeom prst="rect">
+            <a:avLst/>
+          </a:prstGeom>
+        </p:spPr>
+        <p:txBody>
+          <a:bodyPr vert="horz" lIns="91440" tIns="45720" rIns="91440" bIns="45720" rtlCol="0" anchor="b">
+            <a:normAutofit/>
+          </a:bodyPr>
+          <a:lstStyle>
+            <a:lvl1pPr algn="ctr" defTabSz="914400" rtl="0" eaLnBrk="1" latinLnBrk="0" hangingPunct="1">
+              <a:lnSpc>
+                <a:spcPct val="90000"/>
+              </a:lnSpc>
+              <a:spcBef>
+                <a:spcPct val="0"/>
+              </a:spcBef>
+              <a:buNone/>
+              <a:defRPr sz="6000" kern="1200">
+                <a:solidFill>
+                  <a:schemeClr val="tx1"/>
+                </a:solidFill>
+                <a:latin typeface="+mj-lt"/>
+                <a:ea typeface="+mj-ea"/>
+                <a:cs typeface="+mj-cs"/>
+              </a:defRPr>
+            </a:lvl1pPr>
+          </a:lstStyle>
+          <a:p>
+            <a:pPr algn="l"/>
+            <a:r>
+              <a:rPr lang="en-US" altLang="zh-CN" sz="4000" dirty="0"/>
+              <a:t>3</a:t>
+            </a:r>
+            <a:r>
+              <a:rPr lang="en-US" altLang="zh-CN" sz="4000" dirty="0" smtClean="0"/>
+              <a:t>.</a:t>
+            </a:r>
+            <a:r>
+              <a:rPr lang="en-US" altLang="zh-CN" sz="4000" dirty="0"/>
+              <a:t> Service Fabric</a:t>
+            </a:r>
+            <a:endParaRPr lang="zh-CN" altLang="en-US" sz="4000" dirty="0"/>
           </a:p>
         </p:txBody>
       </p:sp>
@@ -4441,26 +4811,156 @@
         </p:nvSpPr>
         <p:spPr>
           <a:xfrm>
-            <a:off x="1524000" y="2429301"/>
-            <a:ext cx="9144000" cy="1080662"/>
-          </a:xfrm>
-        </p:spPr>
-        <p:txBody>
-          <a:bodyPr/>
-          <a:lstStyle/>
-          <a:p>
+            <a:off x="186520" y="423080"/>
+            <a:ext cx="4726673" cy="875945"/>
+          </a:xfrm>
+        </p:spPr>
+        <p:txBody>
+          <a:bodyPr>
+            <a:normAutofit/>
+          </a:bodyPr>
+          <a:lstStyle/>
+          <a:p>
+            <a:pPr algn="l"/>
+            <a:r>
+              <a:rPr lang="zh-CN" altLang="en-US" sz="4800" dirty="0" smtClean="0"/>
+              <a:t>传统服务的弊端</a:t>
+            </a:r>
+            <a:endParaRPr lang="zh-CN" altLang="en-US" sz="4800" dirty="0"/>
+          </a:p>
+        </p:txBody>
+      </p:sp>
+      <p:pic>
+        <p:nvPicPr>
+          <p:cNvPr id="4" name="图片 3"/>
+          <p:cNvPicPr>
+            <a:picLocks noChangeAspect="1"/>
+          </p:cNvPicPr>
+          <p:nvPr/>
+        </p:nvPicPr>
+        <p:blipFill>
+          <a:blip r:embed="rId2"/>
+          <a:stretch>
+            <a:fillRect/>
+          </a:stretch>
+        </p:blipFill>
+        <p:spPr>
+          <a:xfrm>
+            <a:off x="8617533" y="423080"/>
+            <a:ext cx="3064950" cy="3072212"/>
+          </a:xfrm>
+          <a:prstGeom prst="rect">
+            <a:avLst/>
+          </a:prstGeom>
+        </p:spPr>
+      </p:pic>
+      <p:sp>
+        <p:nvSpPr>
+          <p:cNvPr id="5" name="矩形 4"/>
+          <p:cNvSpPr/>
+          <p:nvPr/>
+        </p:nvSpPr>
+        <p:spPr>
+          <a:xfrm>
+            <a:off x="932681" y="1959186"/>
+            <a:ext cx="7515199" cy="369332"/>
+          </a:xfrm>
+          <a:prstGeom prst="rect">
+            <a:avLst/>
+          </a:prstGeom>
+        </p:spPr>
+        <p:txBody>
+          <a:bodyPr wrap="none">
+            <a:spAutoFit/>
+          </a:bodyPr>
+          <a:lstStyle/>
+          <a:p>
+            <a:r>
+              <a:rPr lang="en-US" altLang="zh-CN" dirty="0" smtClean="0"/>
+              <a:t>1.</a:t>
+            </a:r>
             <a:r>
               <a:rPr lang="zh-CN" altLang="en-US" dirty="0" smtClean="0"/>
-              <a:t>传统服务的弊端</a:t>
+              <a:t>因为发布新特性会导致长时间的停机，所以就很少有机会发布新特性。</a:t>
             </a:r>
             <a:endParaRPr lang="zh-CN" altLang="en-US" dirty="0"/>
+          </a:p>
+        </p:txBody>
+      </p:sp>
+      <p:sp>
+        <p:nvSpPr>
+          <p:cNvPr id="6" name="矩形 5"/>
+          <p:cNvSpPr/>
+          <p:nvPr/>
+        </p:nvSpPr>
+        <p:spPr>
+          <a:xfrm>
+            <a:off x="946329" y="2662468"/>
+            <a:ext cx="7337265" cy="369332"/>
+          </a:xfrm>
+          <a:prstGeom prst="rect">
+            <a:avLst/>
+          </a:prstGeom>
+        </p:spPr>
+        <p:txBody>
+          <a:bodyPr wrap="none">
+            <a:spAutoFit/>
+          </a:bodyPr>
+          <a:lstStyle/>
+          <a:p>
+            <a:r>
+              <a:rPr lang="en-US" altLang="zh-CN" dirty="0" smtClean="0"/>
+              <a:t>2.</a:t>
+            </a:r>
+            <a:r>
+              <a:rPr lang="zh-CN" altLang="en-US" dirty="0" smtClean="0"/>
+              <a:t>扩展又慢又贵，因为每个部分都要被复制一份，即使是不用的部分。</a:t>
+            </a:r>
+            <a:r>
+              <a:rPr lang="en-US" altLang="zh-CN" dirty="0" smtClean="0"/>
+              <a:t> </a:t>
+            </a:r>
+            <a:endParaRPr lang="zh-CN" altLang="en-US" dirty="0"/>
+          </a:p>
+        </p:txBody>
+      </p:sp>
+      <p:sp>
+        <p:nvSpPr>
+          <p:cNvPr id="7" name="矩形 6"/>
+          <p:cNvSpPr/>
+          <p:nvPr/>
+        </p:nvSpPr>
+        <p:spPr>
+          <a:xfrm>
+            <a:off x="959977" y="3365750"/>
+            <a:ext cx="7403818" cy="369332"/>
+          </a:xfrm>
+          <a:prstGeom prst="rect">
+            <a:avLst/>
+          </a:prstGeom>
+        </p:spPr>
+        <p:txBody>
+          <a:bodyPr wrap="square">
+            <a:spAutoFit/>
+          </a:bodyPr>
+          <a:lstStyle/>
+          <a:p>
+            <a:r>
+              <a:rPr lang="en-US" altLang="zh-CN" dirty="0" smtClean="0"/>
+              <a:t>3.</a:t>
+            </a:r>
+            <a:r>
+              <a:rPr lang="zh-CN" altLang="en-US" dirty="0" smtClean="0"/>
+              <a:t>可用性和可靠性通过硬件冗余达到，更贵，更复杂</a:t>
+            </a:r>
+            <a:endParaRPr lang="en-US" altLang="zh-CN" dirty="0"/>
           </a:p>
         </p:txBody>
       </p:sp>
     </p:spTree>
     <p:extLst>
       <p:ext uri="{BB962C8B-B14F-4D97-AF65-F5344CB8AC3E}">
-        <p14:creationId xmlns:p14="http://schemas.microsoft.com/office/powerpoint/2010/main" val="1143956957"/>
+        <p14:creationId xmlns:p14="http://schemas.microsoft.com/office/powerpoint/2010/main" val="1177847378"/>
       </p:ext>
     </p:extLst>
   </p:cSld>
@@ -4495,8 +4995,8 @@
         </p:nvSpPr>
         <p:spPr>
           <a:xfrm>
-            <a:off x="4424873" y="5591749"/>
-            <a:ext cx="3151184" cy="369332"/>
+            <a:off x="1932239" y="569373"/>
+            <a:ext cx="7515199" cy="369332"/>
           </a:xfrm>
           <a:prstGeom prst="rect">
             <a:avLst/>
@@ -4509,12 +5009,12 @@
           <a:lstStyle/>
           <a:p>
             <a:r>
-              <a:rPr lang="en-US" altLang="zh-CN" dirty="0"/>
-              <a:t>A</a:t>
+              <a:rPr lang="en-US" altLang="zh-CN" dirty="0" smtClean="0"/>
+              <a:t>1.</a:t>
             </a:r>
             <a:r>
               <a:rPr lang="zh-CN" altLang="en-US" dirty="0" smtClean="0"/>
-              <a:t>ll the function into one service</a:t>
+              <a:t>因为发布新特性会导致长时间的停机，所以就很少有机会发布新特性。</a:t>
             </a:r>
             <a:endParaRPr lang="zh-CN" altLang="en-US" dirty="0"/>
           </a:p>
@@ -4522,7 +5022,7 @@
       </p:sp>
       <p:pic>
         <p:nvPicPr>
-          <p:cNvPr id="2" name="图片 1"/>
+          <p:cNvPr id="3" name="图片 2"/>
           <p:cNvPicPr>
             <a:picLocks noChangeAspect="1"/>
           </p:cNvPicPr>
@@ -4536,18 +5036,52 @@
         </p:blipFill>
         <p:spPr>
           <a:xfrm>
-            <a:off x="3745282" y="977985"/>
-            <a:ext cx="4019048" cy="4028571"/>
+            <a:off x="7028597" y="1204972"/>
+            <a:ext cx="3903260" cy="2173026"/>
           </a:xfrm>
           <a:prstGeom prst="rect">
             <a:avLst/>
           </a:prstGeom>
         </p:spPr>
       </p:pic>
+      <p:sp>
+        <p:nvSpPr>
+          <p:cNvPr id="2" name="矩形 1"/>
+          <p:cNvSpPr/>
+          <p:nvPr/>
+        </p:nvSpPr>
+        <p:spPr>
+          <a:xfrm>
+            <a:off x="1628633" y="3644265"/>
+            <a:ext cx="9658066" cy="2031325"/>
+          </a:xfrm>
+          <a:prstGeom prst="rect">
+            <a:avLst/>
+          </a:prstGeom>
+        </p:spPr>
+        <p:txBody>
+          <a:bodyPr wrap="square">
+            <a:spAutoFit/>
+          </a:bodyPr>
+          <a:lstStyle/>
+          <a:p>
+            <a:r>
+              <a:rPr lang="en-US" altLang="zh-CN" dirty="0">
+                <a:solidFill>
+                  <a:srgbClr val="505050"/>
+                </a:solidFill>
+                <a:latin typeface="Segoe UI Condensed"/>
+              </a:rPr>
+              <a:t>Competitive business pressures demand that applications continuously evolve, adding new features and functionality while remaining available 24x7. For example, it is no longer acceptable for a bank website to have a maintenance window, whereas even a few years ago it was the norm. Similarly, an e-commerce site that’s down for even a short time will drive customers to one of many competitors that can serve them at that moment. Failure to meet these demands can mean the difference between staying relevant and losing business.</a:t>
+            </a:r>
+            <a:endParaRPr lang="zh-CN" altLang="en-US" dirty="0"/>
+          </a:p>
+        </p:txBody>
+      </p:sp>
     </p:spTree>
     <p:extLst>
       <p:ext uri="{BB962C8B-B14F-4D97-AF65-F5344CB8AC3E}">
-        <p14:creationId xmlns:p14="http://schemas.microsoft.com/office/powerpoint/2010/main" val="2738080460"/>
+        <p14:creationId xmlns:p14="http://schemas.microsoft.com/office/powerpoint/2010/main" val="3344944285"/>
       </p:ext>
     </p:extLst>
   </p:cSld>
@@ -4582,8 +5116,8 @@
         </p:nvSpPr>
         <p:spPr>
           <a:xfrm>
-            <a:off x="4424873" y="5591749"/>
-            <a:ext cx="2994281" cy="369332"/>
+            <a:off x="1194112" y="583020"/>
+            <a:ext cx="7337265" cy="369332"/>
           </a:xfrm>
           <a:prstGeom prst="rect">
             <a:avLst/>
@@ -4597,7 +5131,15 @@
           <a:p>
             <a:r>
               <a:rPr lang="en-US" altLang="zh-CN" dirty="0" smtClean="0"/>
-              <a:t>Long time deploy new feature</a:t>
+              <a:t>2.</a:t>
+            </a:r>
+            <a:r>
+              <a:rPr lang="zh-CN" altLang="en-US" dirty="0" smtClean="0"/>
+              <a:t>扩展又慢又贵，因为每个部分都要被复制一份，即使是不用的部分。</a:t>
+            </a:r>
+            <a:r>
+              <a:rPr lang="en-US" altLang="zh-CN" dirty="0" smtClean="0"/>
+              <a:t> </a:t>
             </a:r>
             <a:endParaRPr lang="zh-CN" altLang="en-US" dirty="0"/>
           </a:p>
@@ -4605,7 +5147,7 @@
       </p:sp>
       <p:pic>
         <p:nvPicPr>
-          <p:cNvPr id="3" name="图片 2"/>
+          <p:cNvPr id="2" name="图片 1"/>
           <p:cNvPicPr>
             <a:picLocks noChangeAspect="1"/>
           </p:cNvPicPr>
@@ -4619,8 +5161,32 @@
         </p:blipFill>
         <p:spPr>
           <a:xfrm>
-            <a:off x="1932239" y="825877"/>
-            <a:ext cx="7979548" cy="4442380"/>
+            <a:off x="1194112" y="1466503"/>
+            <a:ext cx="2557207" cy="2657209"/>
+          </a:xfrm>
+          <a:prstGeom prst="rect">
+            <a:avLst/>
+          </a:prstGeom>
+        </p:spPr>
+      </p:pic>
+      <p:pic>
+        <p:nvPicPr>
+          <p:cNvPr id="3" name="图片 2"/>
+          <p:cNvPicPr>
+            <a:picLocks noChangeAspect="1"/>
+          </p:cNvPicPr>
+          <p:nvPr/>
+        </p:nvPicPr>
+        <p:blipFill>
+          <a:blip r:embed="rId3"/>
+          <a:stretch>
+            <a:fillRect/>
+          </a:stretch>
+        </p:blipFill>
+        <p:spPr>
+          <a:xfrm>
+            <a:off x="5593560" y="1466503"/>
+            <a:ext cx="4055407" cy="2657209"/>
           </a:xfrm>
           <a:prstGeom prst="rect">
             <a:avLst/>
@@ -4630,7 +5196,7 @@
     </p:spTree>
     <p:extLst>
       <p:ext uri="{BB962C8B-B14F-4D97-AF65-F5344CB8AC3E}">
-        <p14:creationId xmlns:p14="http://schemas.microsoft.com/office/powerpoint/2010/main" val="3524306306"/>
+        <p14:creationId xmlns:p14="http://schemas.microsoft.com/office/powerpoint/2010/main" val="3777251152"/>
       </p:ext>
     </p:extLst>
   </p:cSld>
@@ -4665,38 +5231,34 @@
         </p:nvSpPr>
         <p:spPr>
           <a:xfrm>
-            <a:off x="2807462" y="5346089"/>
-            <a:ext cx="7071808" cy="369332"/>
+            <a:off x="1217447" y="1142579"/>
+            <a:ext cx="7403818" cy="369332"/>
           </a:xfrm>
           <a:prstGeom prst="rect">
             <a:avLst/>
           </a:prstGeom>
         </p:spPr>
         <p:txBody>
-          <a:bodyPr wrap="none">
+          <a:bodyPr wrap="square">
             <a:spAutoFit/>
           </a:bodyPr>
           <a:lstStyle/>
           <a:p>
             <a:r>
+              <a:rPr lang="en-US" altLang="zh-CN" dirty="0" smtClean="0"/>
+              <a:t>3.</a:t>
+            </a:r>
+            <a:r>
               <a:rPr lang="zh-CN" altLang="en-US" dirty="0" smtClean="0"/>
-              <a:t>扩展很贵，慢，因为每个组件都同样的复制一份</a:t>
-            </a:r>
-            <a:r>
-              <a:rPr lang="en-US" altLang="zh-CN" dirty="0" smtClean="0"/>
-              <a:t>,</a:t>
-            </a:r>
-            <a:r>
-              <a:rPr lang="zh-CN" altLang="en-US" dirty="0" smtClean="0"/>
-              <a:t>即使是不用的部分</a:t>
-            </a:r>
-            <a:endParaRPr lang="zh-CN" altLang="en-US" dirty="0"/>
+              <a:t>可用性和可靠性通过硬件冗余达到，更贵，更复杂</a:t>
+            </a:r>
+            <a:endParaRPr lang="en-US" altLang="zh-CN" dirty="0"/>
           </a:p>
         </p:txBody>
       </p:sp>
       <p:pic>
         <p:nvPicPr>
-          <p:cNvPr id="2" name="图片 1"/>
+          <p:cNvPr id="4" name="图片 3"/>
           <p:cNvPicPr>
             <a:picLocks noChangeAspect="1"/>
           </p:cNvPicPr>
@@ -4710,8 +5272,8 @@
         </p:blipFill>
         <p:spPr>
           <a:xfrm>
-            <a:off x="1320492" y="1029774"/>
-            <a:ext cx="3409524" cy="3542857"/>
+            <a:off x="1377455" y="2070503"/>
+            <a:ext cx="2853352" cy="2902928"/>
           </a:xfrm>
           <a:prstGeom prst="rect">
             <a:avLst/>
@@ -4720,7 +5282,7 @@
       </p:pic>
       <p:pic>
         <p:nvPicPr>
-          <p:cNvPr id="3" name="图片 2"/>
+          <p:cNvPr id="5" name="图片 4"/>
           <p:cNvPicPr>
             <a:picLocks noChangeAspect="1"/>
           </p:cNvPicPr>
@@ -4734,8 +5296,8 @@
         </p:blipFill>
         <p:spPr>
           <a:xfrm>
-            <a:off x="5866516" y="988830"/>
-            <a:ext cx="5570308" cy="3649812"/>
+            <a:off x="5677470" y="2070503"/>
+            <a:ext cx="5887591" cy="2902333"/>
           </a:xfrm>
           <a:prstGeom prst="rect">
             <a:avLst/>
@@ -4745,7 +5307,7 @@
     </p:spTree>
     <p:extLst>
       <p:ext uri="{BB962C8B-B14F-4D97-AF65-F5344CB8AC3E}">
-        <p14:creationId xmlns:p14="http://schemas.microsoft.com/office/powerpoint/2010/main" val="3777251152"/>
+        <p14:creationId xmlns:p14="http://schemas.microsoft.com/office/powerpoint/2010/main" val="2381539771"/>
       </p:ext>
     </p:extLst>
   </p:cSld>
@@ -4774,48 +5336,38 @@
       </p:grpSpPr>
       <p:sp>
         <p:nvSpPr>
-          <p:cNvPr id="6" name="矩形 5"/>
-          <p:cNvSpPr/>
-          <p:nvPr/>
-        </p:nvSpPr>
-        <p:spPr>
-          <a:xfrm>
-            <a:off x="2142699" y="5946591"/>
-            <a:ext cx="7403818" cy="369332"/>
-          </a:xfrm>
-          <a:prstGeom prst="rect">
-            <a:avLst/>
-          </a:prstGeom>
-        </p:spPr>
-        <p:txBody>
-          <a:bodyPr wrap="square">
-            <a:spAutoFit/>
+          <p:cNvPr id="2" name="标题 1"/>
+          <p:cNvSpPr>
+            <a:spLocks noGrp="1"/>
+          </p:cNvSpPr>
+          <p:nvPr>
+            <p:ph type="ctrTitle"/>
+          </p:nvPr>
+        </p:nvSpPr>
+        <p:spPr>
+          <a:xfrm>
+            <a:off x="309644" y="272955"/>
+            <a:ext cx="4467072" cy="862298"/>
+          </a:xfrm>
+        </p:spPr>
+        <p:txBody>
+          <a:bodyPr>
+            <a:normAutofit/>
           </a:bodyPr>
           <a:lstStyle/>
           <a:p>
-            <a:r>
-              <a:rPr lang="zh-CN" altLang="en-US" dirty="0" smtClean="0"/>
-              <a:t>可用性和可靠性通过硬件冗余达到，</a:t>
-            </a:r>
-            <a:r>
-              <a:rPr lang="en-US" altLang="zh-CN" dirty="0" smtClean="0"/>
-              <a:t>more cost</a:t>
-            </a:r>
-            <a:r>
-              <a:rPr lang="zh-CN" altLang="en-US" dirty="0" smtClean="0"/>
-              <a:t>，</a:t>
-            </a:r>
-            <a:r>
-              <a:rPr lang="en-US" altLang="zh-CN" dirty="0" smtClean="0"/>
-              <a:t>complexity</a:t>
-            </a:r>
-            <a:endParaRPr lang="en-US" altLang="zh-CN" dirty="0"/>
+            <a:pPr algn="l"/>
+            <a:r>
+              <a:rPr lang="en-US" altLang="zh-CN" sz="4800" dirty="0" err="1"/>
+              <a:t>Microservices</a:t>
+            </a:r>
+            <a:endParaRPr lang="zh-CN" altLang="en-US" sz="4800" dirty="0"/>
           </a:p>
         </p:txBody>
       </p:sp>
       <p:pic>
         <p:nvPicPr>
-          <p:cNvPr id="4" name="图片 3"/>
+          <p:cNvPr id="5" name="图片 4"/>
           <p:cNvPicPr>
             <a:picLocks noChangeAspect="1"/>
           </p:cNvPicPr>
@@ -4829,42 +5381,237 @@
         </p:blipFill>
         <p:spPr>
           <a:xfrm>
-            <a:off x="558587" y="523691"/>
-            <a:ext cx="4933333" cy="5019048"/>
+            <a:off x="7019643" y="215584"/>
+            <a:ext cx="4828169" cy="2740089"/>
           </a:xfrm>
           <a:prstGeom prst="rect">
             <a:avLst/>
           </a:prstGeom>
         </p:spPr>
       </p:pic>
-      <p:pic>
-        <p:nvPicPr>
-          <p:cNvPr id="5" name="图片 4"/>
-          <p:cNvPicPr>
-            <a:picLocks noChangeAspect="1"/>
-          </p:cNvPicPr>
+      <p:sp>
+        <p:nvSpPr>
+          <p:cNvPr id="3" name="矩形 2"/>
+          <p:cNvSpPr/>
           <p:nvPr/>
-        </p:nvPicPr>
-        <p:blipFill>
-          <a:blip r:embed="rId3"/>
-          <a:stretch>
-            <a:fillRect/>
-          </a:stretch>
-        </p:blipFill>
-        <p:spPr>
-          <a:xfrm>
-            <a:off x="6073254" y="1510944"/>
-            <a:ext cx="5887591" cy="2902333"/>
+        </p:nvSpPr>
+        <p:spPr>
+          <a:xfrm>
+            <a:off x="1210395" y="1380913"/>
+            <a:ext cx="2149948" cy="369332"/>
           </a:xfrm>
           <a:prstGeom prst="rect">
             <a:avLst/>
           </a:prstGeom>
         </p:spPr>
-      </p:pic>
+        <p:txBody>
+          <a:bodyPr wrap="none">
+            <a:spAutoFit/>
+          </a:bodyPr>
+          <a:lstStyle/>
+          <a:p>
+            <a:r>
+              <a:rPr lang="zh-CN" altLang="en-US" dirty="0">
+                <a:solidFill>
+                  <a:srgbClr val="FF0000"/>
+                </a:solidFill>
+              </a:rPr>
+              <a:t>微服务 </a:t>
+            </a:r>
+            <a:r>
+              <a:rPr lang="en-US" altLang="zh-CN" dirty="0">
+                <a:solidFill>
+                  <a:srgbClr val="FF0000"/>
+                </a:solidFill>
+              </a:rPr>
+              <a:t>!= </a:t>
+            </a:r>
+            <a:r>
+              <a:rPr lang="zh-CN" altLang="en-US" dirty="0">
+                <a:solidFill>
+                  <a:srgbClr val="FF0000"/>
+                </a:solidFill>
+              </a:rPr>
+              <a:t>微信服务 </a:t>
+            </a:r>
+            <a:endParaRPr lang="en-US" altLang="zh-CN" dirty="0">
+              <a:solidFill>
+                <a:srgbClr val="FF0000"/>
+              </a:solidFill>
+            </a:endParaRPr>
+          </a:p>
+        </p:txBody>
+      </p:sp>
+      <p:sp>
+        <p:nvSpPr>
+          <p:cNvPr id="6" name="矩形 5"/>
+          <p:cNvSpPr/>
+          <p:nvPr/>
+        </p:nvSpPr>
+        <p:spPr>
+          <a:xfrm>
+            <a:off x="1210395" y="1845779"/>
+            <a:ext cx="2149948" cy="369332"/>
+          </a:xfrm>
+          <a:prstGeom prst="rect">
+            <a:avLst/>
+          </a:prstGeom>
+        </p:spPr>
+        <p:txBody>
+          <a:bodyPr wrap="none">
+            <a:spAutoFit/>
+          </a:bodyPr>
+          <a:lstStyle/>
+          <a:p>
+            <a:r>
+              <a:rPr lang="zh-CN" altLang="en-US" dirty="0">
+                <a:solidFill>
+                  <a:srgbClr val="FF0000"/>
+                </a:solidFill>
+              </a:rPr>
+              <a:t>微服务 </a:t>
+            </a:r>
+            <a:r>
+              <a:rPr lang="en-US" altLang="zh-CN" dirty="0">
+                <a:solidFill>
+                  <a:srgbClr val="FF0000"/>
+                </a:solidFill>
+              </a:rPr>
+              <a:t>!= </a:t>
+            </a:r>
+            <a:r>
+              <a:rPr lang="zh-CN" altLang="en-US" dirty="0">
+                <a:solidFill>
+                  <a:srgbClr val="FF0000"/>
+                </a:solidFill>
+              </a:rPr>
+              <a:t>微信服务 </a:t>
+            </a:r>
+            <a:endParaRPr lang="en-US" altLang="zh-CN" dirty="0">
+              <a:solidFill>
+                <a:srgbClr val="FF0000"/>
+              </a:solidFill>
+            </a:endParaRPr>
+          </a:p>
+        </p:txBody>
+      </p:sp>
+      <p:sp>
+        <p:nvSpPr>
+          <p:cNvPr id="7" name="矩形 6"/>
+          <p:cNvSpPr/>
+          <p:nvPr/>
+        </p:nvSpPr>
+        <p:spPr>
+          <a:xfrm>
+            <a:off x="1210395" y="2310645"/>
+            <a:ext cx="2149948" cy="369332"/>
+          </a:xfrm>
+          <a:prstGeom prst="rect">
+            <a:avLst/>
+          </a:prstGeom>
+        </p:spPr>
+        <p:txBody>
+          <a:bodyPr wrap="none">
+            <a:spAutoFit/>
+          </a:bodyPr>
+          <a:lstStyle/>
+          <a:p>
+            <a:r>
+              <a:rPr lang="zh-CN" altLang="en-US" dirty="0">
+                <a:solidFill>
+                  <a:srgbClr val="FF0000"/>
+                </a:solidFill>
+              </a:rPr>
+              <a:t>微服务 </a:t>
+            </a:r>
+            <a:r>
+              <a:rPr lang="en-US" altLang="zh-CN" dirty="0">
+                <a:solidFill>
+                  <a:srgbClr val="FF0000"/>
+                </a:solidFill>
+              </a:rPr>
+              <a:t>!= </a:t>
+            </a:r>
+            <a:r>
+              <a:rPr lang="zh-CN" altLang="en-US" dirty="0">
+                <a:solidFill>
+                  <a:srgbClr val="FF0000"/>
+                </a:solidFill>
+              </a:rPr>
+              <a:t>微信服务 </a:t>
+            </a:r>
+            <a:endParaRPr lang="en-US" altLang="zh-CN" dirty="0">
+              <a:solidFill>
+                <a:srgbClr val="FF0000"/>
+              </a:solidFill>
+            </a:endParaRPr>
+          </a:p>
+        </p:txBody>
+      </p:sp>
+      <p:sp>
+        <p:nvSpPr>
+          <p:cNvPr id="9" name="矩形 8"/>
+          <p:cNvSpPr/>
+          <p:nvPr/>
+        </p:nvSpPr>
+        <p:spPr>
+          <a:xfrm>
+            <a:off x="1210395" y="3951996"/>
+            <a:ext cx="10526680" cy="923330"/>
+          </a:xfrm>
+          <a:prstGeom prst="rect">
+            <a:avLst/>
+          </a:prstGeom>
+        </p:spPr>
+        <p:txBody>
+          <a:bodyPr wrap="square">
+            <a:spAutoFit/>
+          </a:bodyPr>
+          <a:lstStyle/>
+          <a:p>
+            <a:r>
+              <a:rPr lang="en-US" altLang="zh-CN" dirty="0" err="1"/>
+              <a:t>Microservices</a:t>
+            </a:r>
+            <a:r>
+              <a:rPr lang="en-US" altLang="zh-CN" dirty="0"/>
+              <a:t>: An application revolution powered by the </a:t>
+            </a:r>
+            <a:r>
+              <a:rPr lang="en-US" altLang="zh-CN" dirty="0" smtClean="0"/>
+              <a:t>cloud</a:t>
+            </a:r>
+          </a:p>
+          <a:p>
+            <a:r>
+              <a:rPr lang="zh-CN" altLang="en-US" dirty="0" smtClean="0">
+                <a:hlinkClick r:id="rId3"/>
+              </a:rPr>
+              <a:t>https</a:t>
+            </a:r>
+            <a:r>
+              <a:rPr lang="zh-CN" altLang="en-US" dirty="0">
+                <a:hlinkClick r:id="rId3"/>
+              </a:rPr>
+              <a:t>://azure.microsoft.com/en-us/blog/microservices-an-application-revolution-powered-by-the-cloud</a:t>
+            </a:r>
+            <a:r>
+              <a:rPr lang="zh-CN" altLang="en-US" dirty="0" smtClean="0">
+                <a:hlinkClick r:id="rId3"/>
+              </a:rPr>
+              <a:t>/</a:t>
+            </a:r>
+            <a:endParaRPr lang="en-US" altLang="zh-CN" dirty="0" smtClean="0"/>
+          </a:p>
+          <a:p>
+            <a:endParaRPr lang="en-US" altLang="zh-CN" dirty="0" smtClean="0"/>
+          </a:p>
+        </p:txBody>
+      </p:sp>
     </p:spTree>
     <p:extLst>
       <p:ext uri="{BB962C8B-B14F-4D97-AF65-F5344CB8AC3E}">
-        <p14:creationId xmlns:p14="http://schemas.microsoft.com/office/powerpoint/2010/main" val="2381539771"/>
+        <p14:creationId xmlns:p14="http://schemas.microsoft.com/office/powerpoint/2010/main" val="4025153004"/>
       </p:ext>
     </p:extLst>
   </p:cSld>
@@ -4893,7 +5640,7 @@
       </p:grpSpPr>
       <p:pic>
         <p:nvPicPr>
-          <p:cNvPr id="2" name="图片 1"/>
+          <p:cNvPr id="3" name="图片 2"/>
           <p:cNvPicPr>
             <a:picLocks noChangeAspect="1"/>
           </p:cNvPicPr>
@@ -4907,65 +5654,97 @@
         </p:blipFill>
         <p:spPr>
           <a:xfrm>
-            <a:off x="3105568" y="1192954"/>
-            <a:ext cx="5571429" cy="3161905"/>
+            <a:off x="4060061" y="2183330"/>
+            <a:ext cx="3282433" cy="3270668"/>
           </a:xfrm>
           <a:prstGeom prst="rect">
             <a:avLst/>
           </a:prstGeom>
         </p:spPr>
       </p:pic>
-      <p:sp>
-        <p:nvSpPr>
-          <p:cNvPr id="7" name="矩形 6"/>
-          <p:cNvSpPr/>
+      <p:pic>
+        <p:nvPicPr>
+          <p:cNvPr id="5" name="图片 4"/>
+          <p:cNvPicPr>
+            <a:picLocks noChangeAspect="1"/>
+          </p:cNvPicPr>
           <p:nvPr/>
-        </p:nvSpPr>
-        <p:spPr>
-          <a:xfrm>
-            <a:off x="2988860" y="4609110"/>
-            <a:ext cx="7301552" cy="923330"/>
+        </p:nvPicPr>
+        <p:blipFill>
+          <a:blip r:embed="rId3"/>
+          <a:stretch>
+            <a:fillRect/>
+          </a:stretch>
+        </p:blipFill>
+        <p:spPr>
+          <a:xfrm>
+            <a:off x="272956" y="2183330"/>
+            <a:ext cx="2920621" cy="3180974"/>
           </a:xfrm>
           <a:prstGeom prst="rect">
             <a:avLst/>
           </a:prstGeom>
         </p:spPr>
-        <p:txBody>
-          <a:bodyPr wrap="square">
-            <a:spAutoFit/>
+      </p:pic>
+      <p:pic>
+        <p:nvPicPr>
+          <p:cNvPr id="4" name="图片 3"/>
+          <p:cNvPicPr>
+            <a:picLocks noChangeAspect="1"/>
+          </p:cNvPicPr>
+          <p:nvPr/>
+        </p:nvPicPr>
+        <p:blipFill>
+          <a:blip r:embed="rId4"/>
+          <a:stretch>
+            <a:fillRect/>
+          </a:stretch>
+        </p:blipFill>
+        <p:spPr>
+          <a:xfrm>
+            <a:off x="8038531" y="2293919"/>
+            <a:ext cx="3862318" cy="3160079"/>
+          </a:xfrm>
+          <a:prstGeom prst="rect">
+            <a:avLst/>
+          </a:prstGeom>
+        </p:spPr>
+      </p:pic>
+      <p:sp>
+        <p:nvSpPr>
+          <p:cNvPr id="6" name="标题 1"/>
+          <p:cNvSpPr>
+            <a:spLocks noGrp="1"/>
+          </p:cNvSpPr>
+          <p:nvPr>
+            <p:ph type="ctrTitle"/>
+          </p:nvPr>
+        </p:nvSpPr>
+        <p:spPr>
+          <a:xfrm>
+            <a:off x="309644" y="436727"/>
+            <a:ext cx="6664362" cy="698525"/>
+          </a:xfrm>
+        </p:spPr>
+        <p:txBody>
+          <a:bodyPr>
+            <a:normAutofit/>
           </a:bodyPr>
           <a:lstStyle/>
           <a:p>
-            <a:r>
-              <a:rPr lang="zh-CN" altLang="en-US" dirty="0" smtClean="0"/>
-              <a:t>发布时间</a:t>
-            </a:r>
-            <a:endParaRPr lang="en-US" altLang="zh-CN" dirty="0" smtClean="0"/>
-          </a:p>
-          <a:p>
-            <a:r>
-              <a:rPr lang="zh-CN" altLang="en-US" dirty="0" smtClean="0"/>
-              <a:t>可用性</a:t>
-            </a:r>
-            <a:endParaRPr lang="en-US" altLang="zh-CN" dirty="0" smtClean="0"/>
-          </a:p>
-          <a:p>
-            <a:r>
-              <a:rPr lang="zh-CN" altLang="en-US" dirty="0"/>
-              <a:t>可</a:t>
-            </a:r>
-            <a:r>
-              <a:rPr lang="zh-CN" altLang="en-US" dirty="0" smtClean="0"/>
-              <a:t>扩展性</a:t>
-            </a:r>
-            <a:endParaRPr lang="en-US" altLang="zh-CN" dirty="0"/>
+            <a:pPr algn="l"/>
+            <a:r>
+              <a:rPr lang="zh-CN" altLang="en-US" sz="4000" dirty="0" smtClean="0"/>
+              <a:t>微服务的进化</a:t>
+            </a:r>
+            <a:endParaRPr lang="zh-CN" altLang="en-US" sz="4000" dirty="0"/>
           </a:p>
         </p:txBody>
       </p:sp>
     </p:spTree>
     <p:extLst>
       <p:ext uri="{BB962C8B-B14F-4D97-AF65-F5344CB8AC3E}">
-        <p14:creationId xmlns:p14="http://schemas.microsoft.com/office/powerpoint/2010/main" val="3783813862"/>
+        <p14:creationId xmlns:p14="http://schemas.microsoft.com/office/powerpoint/2010/main" val="3027644958"/>
       </p:ext>
     </p:extLst>
   </p:cSld>

--- a/工作/Service Fabric/Service Fabric.pptx
+++ b/工作/Service Fabric/Service Fabric.pptx
@@ -17,17 +17,23 @@
     <p:sldId id="281" r:id="rId11"/>
     <p:sldId id="274" r:id="rId12"/>
     <p:sldId id="283" r:id="rId13"/>
-    <p:sldId id="277" r:id="rId14"/>
-    <p:sldId id="279" r:id="rId15"/>
-    <p:sldId id="264" r:id="rId16"/>
-    <p:sldId id="259" r:id="rId17"/>
-    <p:sldId id="257" r:id="rId18"/>
-    <p:sldId id="258" r:id="rId19"/>
-    <p:sldId id="260" r:id="rId20"/>
-    <p:sldId id="278" r:id="rId21"/>
-    <p:sldId id="261" r:id="rId22"/>
-    <p:sldId id="262" r:id="rId23"/>
-    <p:sldId id="276" r:id="rId24"/>
+    <p:sldId id="285" r:id="rId14"/>
+    <p:sldId id="258" r:id="rId15"/>
+    <p:sldId id="288" r:id="rId16"/>
+    <p:sldId id="287" r:id="rId17"/>
+    <p:sldId id="286" r:id="rId18"/>
+    <p:sldId id="278" r:id="rId19"/>
+    <p:sldId id="289" r:id="rId20"/>
+    <p:sldId id="290" r:id="rId21"/>
+    <p:sldId id="291" r:id="rId22"/>
+    <p:sldId id="292" r:id="rId23"/>
+    <p:sldId id="293" r:id="rId24"/>
+    <p:sldId id="279" r:id="rId25"/>
+    <p:sldId id="294" r:id="rId26"/>
+    <p:sldId id="260" r:id="rId27"/>
+    <p:sldId id="261" r:id="rId28"/>
+    <p:sldId id="262" r:id="rId29"/>
+    <p:sldId id="276" r:id="rId30"/>
   </p:sldIdLst>
   <p:sldSz cx="12192000" cy="6858000"/>
   <p:notesSz cx="6858000" cy="9144000"/>
@@ -265,7 +271,7 @@
           <a:p>
             <a:fld id="{29CCACAC-AFA6-490F-AB2E-95864F3C3404}" type="datetimeFigureOut">
               <a:rPr lang="zh-CN" altLang="en-US" smtClean="0"/>
-              <a:t>2017/11/4 Saturday</a:t>
+              <a:t>2017/11/6 Monday</a:t>
             </a:fld>
             <a:endParaRPr lang="zh-CN" altLang="en-US"/>
           </a:p>
@@ -435,7 +441,7 @@
           <a:p>
             <a:fld id="{29CCACAC-AFA6-490F-AB2E-95864F3C3404}" type="datetimeFigureOut">
               <a:rPr lang="zh-CN" altLang="en-US" smtClean="0"/>
-              <a:t>2017/11/4 Saturday</a:t>
+              <a:t>2017/11/6 Monday</a:t>
             </a:fld>
             <a:endParaRPr lang="zh-CN" altLang="en-US"/>
           </a:p>
@@ -615,7 +621,7 @@
           <a:p>
             <a:fld id="{29CCACAC-AFA6-490F-AB2E-95864F3C3404}" type="datetimeFigureOut">
               <a:rPr lang="zh-CN" altLang="en-US" smtClean="0"/>
-              <a:t>2017/11/4 Saturday</a:t>
+              <a:t>2017/11/6 Monday</a:t>
             </a:fld>
             <a:endParaRPr lang="zh-CN" altLang="en-US"/>
           </a:p>
@@ -785,7 +791,7 @@
           <a:p>
             <a:fld id="{29CCACAC-AFA6-490F-AB2E-95864F3C3404}" type="datetimeFigureOut">
               <a:rPr lang="zh-CN" altLang="en-US" smtClean="0"/>
-              <a:t>2017/11/4 Saturday</a:t>
+              <a:t>2017/11/6 Monday</a:t>
             </a:fld>
             <a:endParaRPr lang="zh-CN" altLang="en-US"/>
           </a:p>
@@ -1031,7 +1037,7 @@
           <a:p>
             <a:fld id="{29CCACAC-AFA6-490F-AB2E-95864F3C3404}" type="datetimeFigureOut">
               <a:rPr lang="zh-CN" altLang="en-US" smtClean="0"/>
-              <a:t>2017/11/4 Saturday</a:t>
+              <a:t>2017/11/6 Monday</a:t>
             </a:fld>
             <a:endParaRPr lang="zh-CN" altLang="en-US"/>
           </a:p>
@@ -1263,7 +1269,7 @@
           <a:p>
             <a:fld id="{29CCACAC-AFA6-490F-AB2E-95864F3C3404}" type="datetimeFigureOut">
               <a:rPr lang="zh-CN" altLang="en-US" smtClean="0"/>
-              <a:t>2017/11/4 Saturday</a:t>
+              <a:t>2017/11/6 Monday</a:t>
             </a:fld>
             <a:endParaRPr lang="zh-CN" altLang="en-US"/>
           </a:p>
@@ -1630,7 +1636,7 @@
           <a:p>
             <a:fld id="{29CCACAC-AFA6-490F-AB2E-95864F3C3404}" type="datetimeFigureOut">
               <a:rPr lang="zh-CN" altLang="en-US" smtClean="0"/>
-              <a:t>2017/11/4 Saturday</a:t>
+              <a:t>2017/11/6 Monday</a:t>
             </a:fld>
             <a:endParaRPr lang="zh-CN" altLang="en-US"/>
           </a:p>
@@ -1748,7 +1754,7 @@
           <a:p>
             <a:fld id="{29CCACAC-AFA6-490F-AB2E-95864F3C3404}" type="datetimeFigureOut">
               <a:rPr lang="zh-CN" altLang="en-US" smtClean="0"/>
-              <a:t>2017/11/4 Saturday</a:t>
+              <a:t>2017/11/6 Monday</a:t>
             </a:fld>
             <a:endParaRPr lang="zh-CN" altLang="en-US"/>
           </a:p>
@@ -1843,7 +1849,7 @@
           <a:p>
             <a:fld id="{29CCACAC-AFA6-490F-AB2E-95864F3C3404}" type="datetimeFigureOut">
               <a:rPr lang="zh-CN" altLang="en-US" smtClean="0"/>
-              <a:t>2017/11/4 Saturday</a:t>
+              <a:t>2017/11/6 Monday</a:t>
             </a:fld>
             <a:endParaRPr lang="zh-CN" altLang="en-US"/>
           </a:p>
@@ -2120,7 +2126,7 @@
           <a:p>
             <a:fld id="{29CCACAC-AFA6-490F-AB2E-95864F3C3404}" type="datetimeFigureOut">
               <a:rPr lang="zh-CN" altLang="en-US" smtClean="0"/>
-              <a:t>2017/11/4 Saturday</a:t>
+              <a:t>2017/11/6 Monday</a:t>
             </a:fld>
             <a:endParaRPr lang="zh-CN" altLang="en-US"/>
           </a:p>
@@ -2373,7 +2379,7 @@
           <a:p>
             <a:fld id="{29CCACAC-AFA6-490F-AB2E-95864F3C3404}" type="datetimeFigureOut">
               <a:rPr lang="zh-CN" altLang="en-US" smtClean="0"/>
-              <a:t>2017/11/4 Saturday</a:t>
+              <a:t>2017/11/6 Monday</a:t>
             </a:fld>
             <a:endParaRPr lang="zh-CN" altLang="en-US"/>
           </a:p>
@@ -2586,7 +2592,7 @@
           <a:p>
             <a:fld id="{29CCACAC-AFA6-490F-AB2E-95864F3C3404}" type="datetimeFigureOut">
               <a:rPr lang="zh-CN" altLang="en-US" smtClean="0"/>
-              <a:t>2017/11/4 Saturday</a:t>
+              <a:t>2017/11/6 Monday</a:t>
             </a:fld>
             <a:endParaRPr lang="zh-CN" altLang="en-US"/>
           </a:p>
@@ -3360,7 +3366,7 @@
         </p:blipFill>
         <p:spPr bwMode="auto">
           <a:xfrm>
-            <a:off x="1746913" y="1303868"/>
+            <a:off x="1719618" y="1399402"/>
             <a:ext cx="8822899" cy="4521262"/>
           </a:xfrm>
           <a:prstGeom prst="rect">
@@ -3410,14 +3416,14 @@
       </p:grpSpPr>
       <p:sp>
         <p:nvSpPr>
-          <p:cNvPr id="9" name="矩形 8"/>
+          <p:cNvPr id="3" name="矩形 2"/>
           <p:cNvSpPr/>
           <p:nvPr/>
         </p:nvSpPr>
         <p:spPr>
           <a:xfrm>
-            <a:off x="1459112" y="719499"/>
-            <a:ext cx="9349913" cy="5078313"/>
+            <a:off x="1219200" y="824636"/>
+            <a:ext cx="10217624" cy="3477875"/>
           </a:xfrm>
           <a:prstGeom prst="rect">
             <a:avLst/>
@@ -3430,238 +3436,17 @@
           <a:lstStyle/>
           <a:p>
             <a:r>
-              <a:rPr lang="en-US" altLang="zh-CN" dirty="0" smtClean="0"/>
-              <a:t>Azure service fabric is an application platform </a:t>
-            </a:r>
-            <a:r>
-              <a:rPr lang="en-US" altLang="zh-CN" dirty="0"/>
-              <a:t>that simplifies building</a:t>
-            </a:r>
-            <a:r>
-              <a:rPr lang="en-US" altLang="zh-CN" dirty="0" smtClean="0"/>
-              <a:t>, </a:t>
-            </a:r>
-            <a:r>
-              <a:rPr lang="en-US" altLang="zh-CN" dirty="0"/>
-              <a:t>deploying micro </a:t>
-            </a:r>
-            <a:r>
-              <a:rPr lang="en-US" altLang="zh-CN" dirty="0" smtClean="0"/>
-              <a:t>service base applications,  to provide organization with scalable, </a:t>
-            </a:r>
-            <a:r>
-              <a:rPr lang="en-US" altLang="zh-CN" dirty="0"/>
-              <a:t>agile</a:t>
-            </a:r>
-            <a:r>
-              <a:rPr lang="en-US" altLang="zh-CN" dirty="0" smtClean="0"/>
-              <a:t> and reliable applications</a:t>
-            </a:r>
-            <a:r>
-              <a:rPr lang="en-US" altLang="zh-CN" dirty="0"/>
-              <a:t>. </a:t>
-            </a:r>
-            <a:r>
-              <a:rPr lang="en-US" altLang="zh-CN" dirty="0" smtClean="0"/>
-              <a:t>Whether they are running Azure, </a:t>
-            </a:r>
-            <a:r>
-              <a:rPr lang="en-US" altLang="zh-CN" dirty="0"/>
-              <a:t>On-Premises</a:t>
-            </a:r>
-            <a:r>
-              <a:rPr lang="en-US" altLang="zh-CN" dirty="0" smtClean="0"/>
-              <a:t>, or in </a:t>
-            </a:r>
-            <a:r>
-              <a:rPr lang="en-US" altLang="zh-CN" dirty="0"/>
-              <a:t>Other </a:t>
-            </a:r>
-            <a:r>
-              <a:rPr lang="en-US" altLang="zh-CN" dirty="0" smtClean="0"/>
-              <a:t>clouds, and developers get focus on code and delivery business </a:t>
-            </a:r>
-            <a:r>
-              <a:rPr lang="en-US" altLang="zh-CN" dirty="0" err="1" smtClean="0"/>
-              <a:t>faiyer</a:t>
-            </a:r>
-            <a:r>
-              <a:rPr lang="en-US" altLang="zh-CN" dirty="0" smtClean="0"/>
-              <a:t>. Which means customer get new features faster.</a:t>
-            </a:r>
-          </a:p>
-          <a:p>
-            <a:r>
-              <a:rPr lang="en-US" altLang="zh-CN" dirty="0" smtClean="0"/>
-              <a:t>Azure service fabric protect applications against failures by </a:t>
-            </a:r>
-            <a:r>
-              <a:rPr lang="en-US" altLang="zh-CN" dirty="0" err="1" smtClean="0"/>
-              <a:t>modering</a:t>
-            </a:r>
-            <a:r>
-              <a:rPr lang="en-US" altLang="zh-CN" dirty="0" smtClean="0"/>
-              <a:t> cluster and automatically </a:t>
-            </a:r>
-            <a:r>
-              <a:rPr lang="en-US" altLang="zh-CN" dirty="0" err="1" smtClean="0"/>
-              <a:t>aiting</a:t>
-            </a:r>
-            <a:r>
-              <a:rPr lang="en-US" altLang="zh-CN" dirty="0" smtClean="0"/>
-              <a:t> to </a:t>
-            </a:r>
-            <a:r>
-              <a:rPr lang="en-US" altLang="zh-CN" dirty="0" err="1" smtClean="0"/>
-              <a:t>minegit</a:t>
-            </a:r>
-            <a:r>
-              <a:rPr lang="en-US" altLang="zh-CN" dirty="0" smtClean="0"/>
-              <a:t> issues. </a:t>
-            </a:r>
-          </a:p>
-          <a:p>
-            <a:r>
-              <a:rPr lang="en-US" altLang="zh-CN" dirty="0"/>
-              <a:t>Azure service </a:t>
-            </a:r>
-            <a:r>
-              <a:rPr lang="en-US" altLang="zh-CN" dirty="0" smtClean="0"/>
-              <a:t>fabric provide </a:t>
-            </a:r>
-            <a:r>
-              <a:rPr lang="en-US" altLang="zh-CN" dirty="0" err="1" smtClean="0"/>
-              <a:t>buting</a:t>
-            </a:r>
-            <a:r>
-              <a:rPr lang="en-US" altLang="zh-CN" dirty="0" smtClean="0"/>
-              <a:t> program models </a:t>
-            </a:r>
-            <a:r>
-              <a:rPr lang="en-US" altLang="zh-CN" dirty="0"/>
-              <a:t>to simplify developing </a:t>
-            </a:r>
-            <a:r>
-              <a:rPr lang="en-US" altLang="zh-CN" dirty="0" smtClean="0"/>
-              <a:t>micro services. </a:t>
-            </a:r>
-          </a:p>
-          <a:p>
-            <a:r>
-              <a:rPr lang="en-US" altLang="zh-CN" dirty="0" smtClean="0"/>
-              <a:t>Not only that, </a:t>
-            </a:r>
-            <a:r>
-              <a:rPr lang="en-US" altLang="zh-CN" dirty="0" err="1" smtClean="0"/>
-              <a:t>ilet’s</a:t>
-            </a:r>
-            <a:r>
-              <a:rPr lang="en-US" altLang="zh-CN" dirty="0" smtClean="0"/>
-              <a:t> you run any application code. </a:t>
-            </a:r>
-            <a:r>
-              <a:rPr lang="en-US" altLang="zh-CN" dirty="0"/>
-              <a:t>In </a:t>
-            </a:r>
-            <a:r>
-              <a:rPr lang="en-US" altLang="zh-CN" dirty="0" smtClean="0"/>
-              <a:t>additional </a:t>
-            </a:r>
-            <a:r>
-              <a:rPr lang="en-US" altLang="zh-CN" dirty="0"/>
-              <a:t>to </a:t>
-            </a:r>
-            <a:r>
-              <a:rPr lang="en-US" altLang="zh-CN" dirty="0" smtClean="0"/>
-              <a:t>support traditional stateless micro services</a:t>
-            </a:r>
-            <a:r>
-              <a:rPr lang="en-US" altLang="zh-CN" dirty="0"/>
-              <a:t>, Azure service </a:t>
-            </a:r>
-            <a:r>
-              <a:rPr lang="en-US" altLang="zh-CN" dirty="0" smtClean="0"/>
-              <a:t>fabric support </a:t>
-            </a:r>
-            <a:r>
-              <a:rPr lang="en-US" altLang="zh-CN" dirty="0" err="1" smtClean="0"/>
-              <a:t>stateful</a:t>
-            </a:r>
-            <a:r>
-              <a:rPr lang="en-US" altLang="zh-CN" dirty="0" smtClean="0"/>
-              <a:t> micro service, core locating compute and data to reduce </a:t>
-            </a:r>
-            <a:r>
-              <a:rPr lang="en-US" altLang="zh-CN" dirty="0" err="1" smtClean="0"/>
-              <a:t>lll</a:t>
-            </a:r>
-            <a:r>
-              <a:rPr lang="en-US" altLang="zh-CN" dirty="0" smtClean="0"/>
-              <a:t> and hands performance will providing </a:t>
-            </a:r>
-            <a:r>
-              <a:rPr lang="en-US" altLang="zh-CN" dirty="0"/>
-              <a:t>reliability through replication and persistence. </a:t>
-            </a:r>
-            <a:endParaRPr lang="en-US" altLang="zh-CN" dirty="0" smtClean="0"/>
-          </a:p>
-          <a:p>
-            <a:r>
-              <a:rPr lang="en-US" altLang="zh-CN" dirty="0" smtClean="0"/>
-              <a:t>Data partitions in service will long with dynamic resource </a:t>
-            </a:r>
-            <a:r>
-              <a:rPr lang="en-US" altLang="zh-CN" dirty="0"/>
-              <a:t>balancing</a:t>
-            </a:r>
-            <a:r>
-              <a:rPr lang="en-US" altLang="zh-CN" dirty="0" smtClean="0"/>
-              <a:t> make scaling on the demand routing. </a:t>
-            </a:r>
-          </a:p>
-          <a:p>
-            <a:r>
-              <a:rPr lang="en-US" altLang="zh-CN" dirty="0" smtClean="0"/>
-              <a:t>Rolling updates is able zero application down time. And health check fail, service fabric automatically rolls back application to previous version. </a:t>
-            </a:r>
-          </a:p>
-          <a:p>
-            <a:r>
-              <a:rPr lang="en-US" altLang="zh-CN" dirty="0" smtClean="0"/>
-              <a:t>Azure service fabric was born from xx years to experience me critical cloud services. And today</a:t>
-            </a:r>
-            <a:r>
-              <a:rPr lang="en-US" altLang="zh-CN" dirty="0"/>
-              <a:t>, </a:t>
-            </a:r>
-            <a:r>
-              <a:rPr lang="en-US" altLang="zh-CN" dirty="0" smtClean="0"/>
-              <a:t>hundreds of organizations are releasing same benefits of micro service approach. </a:t>
-            </a:r>
-          </a:p>
-          <a:p>
-            <a:r>
-              <a:rPr lang="en-US" altLang="zh-CN" dirty="0" smtClean="0"/>
-              <a:t>Not only that, </a:t>
-            </a:r>
-            <a:r>
-              <a:rPr lang="en-US" altLang="zh-CN" dirty="0"/>
-              <a:t>but </a:t>
-            </a:r>
-            <a:r>
-              <a:rPr lang="en-US" altLang="zh-CN" dirty="0" smtClean="0"/>
-              <a:t>several key Microsoft products run on Azure service fabric.</a:t>
-            </a:r>
-          </a:p>
-          <a:p>
-            <a:endParaRPr lang="en-US" altLang="zh-CN" dirty="0"/>
+              <a:rPr lang="en-US" altLang="zh-CN" sz="4400" dirty="0"/>
+              <a:t>Azure service fabric is an application platform that simplifies building, deploying micro service base applications,  to provide organization with scalable, agile and reliable applications. </a:t>
+            </a:r>
+            <a:endParaRPr lang="zh-CN" altLang="en-US" sz="4400" dirty="0"/>
           </a:p>
         </p:txBody>
       </p:sp>
     </p:spTree>
     <p:extLst>
       <p:ext uri="{BB962C8B-B14F-4D97-AF65-F5344CB8AC3E}">
-        <p14:creationId xmlns:p14="http://schemas.microsoft.com/office/powerpoint/2010/main" val="24725887"/>
+        <p14:creationId xmlns:p14="http://schemas.microsoft.com/office/powerpoint/2010/main" val="2191984821"/>
       </p:ext>
     </p:extLst>
   </p:cSld>
@@ -3690,139 +3475,31 @@
       </p:grpSpPr>
       <p:sp>
         <p:nvSpPr>
-          <p:cNvPr id="9" name="矩形 8"/>
-          <p:cNvSpPr/>
-          <p:nvPr/>
-        </p:nvSpPr>
-        <p:spPr>
-          <a:xfrm>
-            <a:off x="1459112" y="719499"/>
-            <a:ext cx="9349913" cy="3970318"/>
-          </a:xfrm>
-          <a:prstGeom prst="rect">
-            <a:avLst/>
-          </a:prstGeom>
-        </p:spPr>
-        <p:txBody>
-          <a:bodyPr wrap="square">
-            <a:spAutoFit/>
-          </a:bodyPr>
+          <p:cNvPr id="2" name="标题 1"/>
+          <p:cNvSpPr>
+            <a:spLocks noGrp="1"/>
+          </p:cNvSpPr>
+          <p:nvPr>
+            <p:ph type="ctrTitle"/>
+          </p:nvPr>
+        </p:nvSpPr>
+        <p:spPr/>
+        <p:txBody>
+          <a:bodyPr/>
           <a:lstStyle/>
           <a:p>
             <a:r>
               <a:rPr lang="en-US" altLang="zh-CN" dirty="0" smtClean="0"/>
-              <a:t>Service fabric support from main develop tools and program models. Improve developers productivity. This can be use built stateless service. The traditional way. </a:t>
-            </a:r>
-          </a:p>
-          <a:p>
-            <a:r>
-              <a:rPr lang="en-US" altLang="zh-CN" dirty="0" smtClean="0"/>
-              <a:t>Where </a:t>
-            </a:r>
-            <a:r>
-              <a:rPr lang="en-US" altLang="zh-CN" dirty="0" err="1" smtClean="0"/>
-              <a:t>nows</a:t>
-            </a:r>
-            <a:r>
-              <a:rPr lang="en-US" altLang="zh-CN" dirty="0" smtClean="0"/>
-              <a:t> </a:t>
-            </a:r>
-            <a:r>
-              <a:rPr lang="en-US" altLang="zh-CN" dirty="0" err="1" smtClean="0"/>
-              <a:t>stateful</a:t>
-            </a:r>
-            <a:r>
-              <a:rPr lang="en-US" altLang="zh-CN" dirty="0" smtClean="0"/>
-              <a:t> micro service, will compute and data collocated to </a:t>
-            </a:r>
-            <a:r>
-              <a:rPr lang="en-US" altLang="zh-CN" dirty="0"/>
-              <a:t>further </a:t>
-            </a:r>
-            <a:r>
-              <a:rPr lang="en-US" altLang="zh-CN" dirty="0" smtClean="0"/>
-              <a:t>decrease app complexity. </a:t>
-            </a:r>
-          </a:p>
-          <a:p>
-            <a:r>
-              <a:rPr lang="en-US" altLang="zh-CN" dirty="0" smtClean="0"/>
-              <a:t>Azure service fabric also provide powerful management </a:t>
-            </a:r>
-            <a:r>
-              <a:rPr lang="en-US" altLang="zh-CN" dirty="0" err="1" smtClean="0"/>
-              <a:t>capleblety</a:t>
-            </a:r>
-            <a:r>
-              <a:rPr lang="en-US" altLang="zh-CN" dirty="0" smtClean="0"/>
-              <a:t>, include stage management, application lifecycle management with zero downtime upgrades. Easy service discover, </a:t>
-            </a:r>
-            <a:r>
-              <a:rPr lang="en-US" altLang="zh-CN" dirty="0"/>
-              <a:t>and details </a:t>
-            </a:r>
-            <a:r>
-              <a:rPr lang="en-US" altLang="zh-CN" dirty="0" smtClean="0"/>
-              <a:t>diagnosis and </a:t>
-            </a:r>
-            <a:r>
-              <a:rPr lang="en-US" altLang="zh-CN" dirty="0" err="1" smtClean="0"/>
-              <a:t>manzheri</a:t>
-            </a:r>
-            <a:r>
-              <a:rPr lang="en-US" altLang="zh-CN" dirty="0" smtClean="0"/>
-              <a:t>. </a:t>
-            </a:r>
-          </a:p>
-          <a:p>
-            <a:r>
-              <a:rPr lang="en-US" altLang="zh-CN" dirty="0" smtClean="0"/>
-              <a:t>In addition, with support for Linux, developer can use tools they know to build and deploy service fabric application on Linux.</a:t>
-            </a:r>
-          </a:p>
-          <a:p>
-            <a:r>
-              <a:rPr lang="en-US" altLang="zh-CN" dirty="0" smtClean="0"/>
-              <a:t>Azure service fabric is design to meet needs of many industries. </a:t>
-            </a:r>
-            <a:r>
-              <a:rPr lang="en-US" altLang="zh-CN" dirty="0"/>
-              <a:t>Include manufacturing, </a:t>
-            </a:r>
-            <a:r>
-              <a:rPr lang="en-US" altLang="zh-CN" dirty="0" smtClean="0"/>
-              <a:t>financial service, gaming, IOT or any application benefits from </a:t>
-            </a:r>
-            <a:r>
-              <a:rPr lang="en-US" altLang="zh-CN" dirty="0" err="1" smtClean="0"/>
-              <a:t>scalblelity</a:t>
-            </a:r>
-            <a:r>
-              <a:rPr lang="en-US" altLang="zh-CN" dirty="0" smtClean="0"/>
-              <a:t> and x.</a:t>
-            </a:r>
-          </a:p>
-          <a:p>
-            <a:r>
-              <a:rPr lang="en-US" altLang="zh-CN" dirty="0" smtClean="0"/>
-              <a:t>Azure service fabric simplify building and deploying micro service base applications in Azure, On-Premises, in other Clouds and is available on Windows and Linux as well. With Azure service fabric, organization can deliver customer more features faster. To drive better </a:t>
-            </a:r>
-            <a:r>
-              <a:rPr lang="en-US" altLang="zh-CN" dirty="0"/>
-              <a:t>business </a:t>
-            </a:r>
-            <a:r>
-              <a:rPr lang="en-US" altLang="zh-CN" dirty="0" smtClean="0"/>
-              <a:t>resolves.</a:t>
-            </a:r>
-            <a:endParaRPr lang="en-US" altLang="zh-CN" dirty="0"/>
+              <a:t>Why Service Fabric</a:t>
+            </a:r>
+            <a:endParaRPr lang="zh-CN" altLang="en-US" dirty="0"/>
           </a:p>
         </p:txBody>
       </p:sp>
     </p:spTree>
     <p:extLst>
       <p:ext uri="{BB962C8B-B14F-4D97-AF65-F5344CB8AC3E}">
-        <p14:creationId xmlns:p14="http://schemas.microsoft.com/office/powerpoint/2010/main" val="1379808496"/>
+        <p14:creationId xmlns:p14="http://schemas.microsoft.com/office/powerpoint/2010/main" val="1234996207"/>
       </p:ext>
     </p:extLst>
   </p:cSld>
@@ -3851,35 +3528,149 @@
       </p:grpSpPr>
       <p:sp>
         <p:nvSpPr>
-          <p:cNvPr id="2" name="标题 1"/>
-          <p:cNvSpPr>
-            <a:spLocks noGrp="1"/>
-          </p:cNvSpPr>
-          <p:nvPr>
-            <p:ph type="ctrTitle"/>
-          </p:nvPr>
-        </p:nvSpPr>
-        <p:spPr/>
-        <p:txBody>
-          <a:bodyPr/>
-          <a:lstStyle/>
-          <a:p>
-            <a:r>
-              <a:rPr lang="en-US" altLang="zh-CN" dirty="0" smtClean="0"/>
-              <a:t>Service Fabric</a:t>
-            </a:r>
-            <a:r>
-              <a:rPr lang="zh-CN" altLang="en-US" dirty="0" smtClean="0"/>
-              <a:t>的诞生</a:t>
-            </a:r>
-            <a:endParaRPr lang="zh-CN" altLang="en-US" dirty="0"/>
+          <p:cNvPr id="9" name="矩形 8"/>
+          <p:cNvSpPr/>
+          <p:nvPr/>
+        </p:nvSpPr>
+        <p:spPr>
+          <a:xfrm>
+            <a:off x="1552473" y="1658534"/>
+            <a:ext cx="9349913" cy="2308324"/>
+          </a:xfrm>
+          <a:prstGeom prst="rect">
+            <a:avLst/>
+          </a:prstGeom>
+        </p:spPr>
+        <p:txBody>
+          <a:bodyPr wrap="square">
+            <a:spAutoFit/>
+          </a:bodyPr>
+          <a:lstStyle/>
+          <a:p>
+            <a:r>
+              <a:rPr lang="en-US" altLang="zh-CN" sz="3600" dirty="0"/>
+              <a:t>Whether they are running Azure, </a:t>
+            </a:r>
+            <a:r>
+              <a:rPr lang="en-US" altLang="zh-CN" sz="3600" dirty="0" smtClean="0"/>
+              <a:t>On-Premises, </a:t>
+            </a:r>
+            <a:r>
+              <a:rPr lang="en-US" altLang="zh-CN" sz="3600" dirty="0"/>
+              <a:t>or in Other clouds, and developers get focus on code and delivery business layer. Which means customer get new features faster.</a:t>
+            </a:r>
+          </a:p>
+        </p:txBody>
+      </p:sp>
+      <p:pic>
+        <p:nvPicPr>
+          <p:cNvPr id="2" name="图片 1"/>
+          <p:cNvPicPr>
+            <a:picLocks noChangeAspect="1"/>
+          </p:cNvPicPr>
+          <p:nvPr/>
+        </p:nvPicPr>
+        <p:blipFill>
+          <a:blip r:embed="rId2"/>
+          <a:stretch>
+            <a:fillRect/>
+          </a:stretch>
+        </p:blipFill>
+        <p:spPr>
+          <a:xfrm>
+            <a:off x="940363" y="4449848"/>
+            <a:ext cx="2960268" cy="2071062"/>
+          </a:xfrm>
+          <a:prstGeom prst="rect">
+            <a:avLst/>
+          </a:prstGeom>
+        </p:spPr>
+      </p:pic>
+      <p:pic>
+        <p:nvPicPr>
+          <p:cNvPr id="3" name="图片 2"/>
+          <p:cNvPicPr>
+            <a:picLocks noChangeAspect="1"/>
+          </p:cNvPicPr>
+          <p:nvPr/>
+        </p:nvPicPr>
+        <p:blipFill>
+          <a:blip r:embed="rId3"/>
+          <a:stretch>
+            <a:fillRect/>
+          </a:stretch>
+        </p:blipFill>
+        <p:spPr>
+          <a:xfrm>
+            <a:off x="4730225" y="4449848"/>
+            <a:ext cx="2994411" cy="2071062"/>
+          </a:xfrm>
+          <a:prstGeom prst="rect">
+            <a:avLst/>
+          </a:prstGeom>
+        </p:spPr>
+      </p:pic>
+      <p:pic>
+        <p:nvPicPr>
+          <p:cNvPr id="4" name="图片 3"/>
+          <p:cNvPicPr>
+            <a:picLocks noChangeAspect="1"/>
+          </p:cNvPicPr>
+          <p:nvPr/>
+        </p:nvPicPr>
+        <p:blipFill>
+          <a:blip r:embed="rId4"/>
+          <a:stretch>
+            <a:fillRect/>
+          </a:stretch>
+        </p:blipFill>
+        <p:spPr>
+          <a:xfrm>
+            <a:off x="8581244" y="4449848"/>
+            <a:ext cx="2705460" cy="2067492"/>
+          </a:xfrm>
+          <a:prstGeom prst="rect">
+            <a:avLst/>
+          </a:prstGeom>
+        </p:spPr>
+      </p:pic>
+      <p:sp>
+        <p:nvSpPr>
+          <p:cNvPr id="6" name="矩形 5"/>
+          <p:cNvSpPr/>
+          <p:nvPr/>
+        </p:nvSpPr>
+        <p:spPr>
+          <a:xfrm>
+            <a:off x="1254396" y="752615"/>
+            <a:ext cx="9349913" cy="769441"/>
+          </a:xfrm>
+          <a:prstGeom prst="rect">
+            <a:avLst/>
+          </a:prstGeom>
+        </p:spPr>
+        <p:txBody>
+          <a:bodyPr wrap="square">
+            <a:spAutoFit/>
+          </a:bodyPr>
+          <a:lstStyle/>
+          <a:p>
+            <a:r>
+              <a:rPr lang="en-US" altLang="zh-CN" sz="4400" dirty="0" smtClean="0"/>
+              <a:t>1.</a:t>
+            </a:r>
+            <a:r>
+              <a:rPr lang="zh-CN" altLang="en-US" sz="4400" dirty="0" smtClean="0"/>
+              <a:t>多平台</a:t>
+            </a:r>
+            <a:endParaRPr lang="en-US" altLang="zh-CN" sz="4400" dirty="0"/>
           </a:p>
         </p:txBody>
       </p:sp>
     </p:spTree>
     <p:extLst>
       <p:ext uri="{BB962C8B-B14F-4D97-AF65-F5344CB8AC3E}">
-        <p14:creationId xmlns:p14="http://schemas.microsoft.com/office/powerpoint/2010/main" val="1046753233"/>
+        <p14:creationId xmlns:p14="http://schemas.microsoft.com/office/powerpoint/2010/main" val="3787911374"/>
       </p:ext>
     </p:extLst>
   </p:cSld>
@@ -3908,14 +3699,14 @@
       </p:grpSpPr>
       <p:sp>
         <p:nvSpPr>
-          <p:cNvPr id="4" name="矩形 3"/>
+          <p:cNvPr id="6" name="矩形 5"/>
           <p:cNvSpPr/>
           <p:nvPr/>
         </p:nvSpPr>
         <p:spPr>
           <a:xfrm>
-            <a:off x="1310185" y="2458320"/>
-            <a:ext cx="9717206" cy="1569660"/>
+            <a:off x="1254396" y="752615"/>
+            <a:ext cx="9349913" cy="769441"/>
           </a:xfrm>
           <a:prstGeom prst="rect">
             <a:avLst/>
@@ -3928,33 +3719,93 @@
           <a:lstStyle/>
           <a:p>
             <a:r>
-              <a:rPr lang="en-US" altLang="zh-CN" sz="2400" b="0" i="0" dirty="0" smtClean="0">
-                <a:solidFill>
-                  <a:srgbClr val="222222"/>
-                </a:solidFill>
-                <a:effectLst/>
-                <a:latin typeface="segoe-ui_normal"/>
-              </a:rPr>
-              <a:t>Azure Service Fabric </a:t>
-            </a:r>
-            <a:r>
-              <a:rPr lang="zh-CN" altLang="en-US" sz="2400" b="0" i="0" dirty="0" smtClean="0">
-                <a:solidFill>
-                  <a:srgbClr val="222222"/>
-                </a:solidFill>
-                <a:effectLst/>
-                <a:latin typeface="segoe-ui_normal"/>
-              </a:rPr>
-              <a:t>是一款分布式系统平台，可方便用户轻松打包、部署和管理可缩放的可靠微服务和容器。 开发人员和管理员不需解决复杂的基础结构问题，只需专注于实现苛刻的任务关键型工作负荷，即那些可缩放、可靠且易于管理的工作负荷。</a:t>
-            </a:r>
-            <a:endParaRPr lang="zh-CN" altLang="en-US" sz="2400" dirty="0"/>
+              <a:rPr lang="en-US" altLang="zh-CN" sz="4400" dirty="0" smtClean="0"/>
+              <a:t>2.xxx</a:t>
+            </a:r>
+            <a:endParaRPr lang="en-US" altLang="zh-CN" sz="4400" dirty="0"/>
+          </a:p>
+        </p:txBody>
+      </p:sp>
+      <p:pic>
+        <p:nvPicPr>
+          <p:cNvPr id="5" name="图片 4"/>
+          <p:cNvPicPr>
+            <a:picLocks noChangeAspect="1"/>
+          </p:cNvPicPr>
+          <p:nvPr/>
+        </p:nvPicPr>
+        <p:blipFill>
+          <a:blip r:embed="rId2"/>
+          <a:stretch>
+            <a:fillRect/>
+          </a:stretch>
+        </p:blipFill>
+        <p:spPr>
+          <a:xfrm>
+            <a:off x="2146557" y="2775413"/>
+            <a:ext cx="7161905" cy="3600000"/>
+          </a:xfrm>
+          <a:prstGeom prst="rect">
+            <a:avLst/>
+          </a:prstGeom>
+        </p:spPr>
+      </p:pic>
+      <p:sp>
+        <p:nvSpPr>
+          <p:cNvPr id="7" name="矩形 6"/>
+          <p:cNvSpPr/>
+          <p:nvPr/>
+        </p:nvSpPr>
+        <p:spPr>
+          <a:xfrm>
+            <a:off x="2338316" y="1825569"/>
+            <a:ext cx="6096000" cy="646331"/>
+          </a:xfrm>
+          <a:prstGeom prst="rect">
+            <a:avLst/>
+          </a:prstGeom>
+        </p:spPr>
+        <p:txBody>
+          <a:bodyPr>
+            <a:spAutoFit/>
+          </a:bodyPr>
+          <a:lstStyle/>
+          <a:p>
+            <a:r>
+              <a:rPr lang="en-US" altLang="zh-CN" dirty="0"/>
+              <a:t>Azure service fabric protects applications against failures by </a:t>
+            </a:r>
+            <a:r>
+              <a:rPr lang="en-US" altLang="zh-CN" dirty="0" err="1"/>
+              <a:t>modering</a:t>
+            </a:r>
+            <a:r>
+              <a:rPr lang="en-US" altLang="zh-CN" dirty="0"/>
+              <a:t> cluster and automatically </a:t>
+            </a:r>
+            <a:r>
+              <a:rPr lang="en-US" altLang="zh-CN" dirty="0" err="1"/>
+              <a:t>aiting</a:t>
+            </a:r>
+            <a:r>
+              <a:rPr lang="en-US" altLang="zh-CN" dirty="0"/>
+              <a:t> to </a:t>
+            </a:r>
+            <a:r>
+              <a:rPr lang="en-US" altLang="zh-CN" dirty="0" err="1"/>
+              <a:t>minegit</a:t>
+            </a:r>
+            <a:r>
+              <a:rPr lang="en-US" altLang="zh-CN" dirty="0"/>
+              <a:t> issues. </a:t>
+            </a:r>
           </a:p>
         </p:txBody>
       </p:sp>
     </p:spTree>
     <p:extLst>
       <p:ext uri="{BB962C8B-B14F-4D97-AF65-F5344CB8AC3E}">
-        <p14:creationId xmlns:p14="http://schemas.microsoft.com/office/powerpoint/2010/main" val="1027247822"/>
+        <p14:creationId xmlns:p14="http://schemas.microsoft.com/office/powerpoint/2010/main" val="2399604281"/>
       </p:ext>
     </p:extLst>
   </p:cSld>
@@ -3983,35 +3834,61 @@
       </p:grpSpPr>
       <p:sp>
         <p:nvSpPr>
-          <p:cNvPr id="2" name="标题 1"/>
-          <p:cNvSpPr>
-            <a:spLocks noGrp="1"/>
-          </p:cNvSpPr>
-          <p:nvPr>
-            <p:ph type="ctrTitle"/>
-          </p:nvPr>
-        </p:nvSpPr>
-        <p:spPr/>
-        <p:txBody>
-          <a:bodyPr/>
-          <a:lstStyle/>
-          <a:p>
-            <a:r>
-              <a:rPr lang="zh-CN" altLang="en-US" dirty="0"/>
-              <a:t>为什么要使用</a:t>
-            </a:r>
-            <a:r>
-              <a:rPr lang="en-US" altLang="zh-CN" dirty="0"/>
-              <a:t>Service Fabric</a:t>
-            </a:r>
-            <a:endParaRPr lang="zh-CN" altLang="en-US" dirty="0"/>
-          </a:p>
-        </p:txBody>
-      </p:sp>
+          <p:cNvPr id="3" name="矩形 2"/>
+          <p:cNvSpPr/>
+          <p:nvPr/>
+        </p:nvSpPr>
+        <p:spPr>
+          <a:xfrm>
+            <a:off x="1145213" y="397773"/>
+            <a:ext cx="9349913" cy="769441"/>
+          </a:xfrm>
+          <a:prstGeom prst="rect">
+            <a:avLst/>
+          </a:prstGeom>
+        </p:spPr>
+        <p:txBody>
+          <a:bodyPr wrap="square">
+            <a:spAutoFit/>
+          </a:bodyPr>
+          <a:lstStyle/>
+          <a:p>
+            <a:r>
+              <a:rPr lang="en-US" altLang="zh-CN" sz="4400" dirty="0" smtClean="0"/>
+              <a:t>3.models</a:t>
+            </a:r>
+            <a:endParaRPr lang="en-US" altLang="zh-CN" sz="4400" dirty="0"/>
+          </a:p>
+        </p:txBody>
+      </p:sp>
+      <p:pic>
+        <p:nvPicPr>
+          <p:cNvPr id="4" name="图片 3"/>
+          <p:cNvPicPr>
+            <a:picLocks noChangeAspect="1"/>
+          </p:cNvPicPr>
+          <p:nvPr/>
+        </p:nvPicPr>
+        <p:blipFill>
+          <a:blip r:embed="rId2"/>
+          <a:stretch>
+            <a:fillRect/>
+          </a:stretch>
+        </p:blipFill>
+        <p:spPr>
+          <a:xfrm>
+            <a:off x="1243890" y="1276396"/>
+            <a:ext cx="10259789" cy="5152899"/>
+          </a:xfrm>
+          <a:prstGeom prst="rect">
+            <a:avLst/>
+          </a:prstGeom>
+        </p:spPr>
+      </p:pic>
     </p:spTree>
     <p:extLst>
       <p:ext uri="{BB962C8B-B14F-4D97-AF65-F5344CB8AC3E}">
-        <p14:creationId xmlns:p14="http://schemas.microsoft.com/office/powerpoint/2010/main" val="3940251187"/>
+        <p14:creationId xmlns:p14="http://schemas.microsoft.com/office/powerpoint/2010/main" val="2928445390"/>
       </p:ext>
     </p:extLst>
   </p:cSld>
@@ -4040,26 +3917,66 @@
       </p:grpSpPr>
       <p:sp>
         <p:nvSpPr>
-          <p:cNvPr id="2" name="标题 1"/>
-          <p:cNvSpPr>
-            <a:spLocks noGrp="1"/>
-          </p:cNvSpPr>
-          <p:nvPr>
-            <p:ph type="ctrTitle"/>
-          </p:nvPr>
-        </p:nvSpPr>
-        <p:spPr/>
-        <p:txBody>
-          <a:bodyPr/>
+          <p:cNvPr id="2" name="矩形 1"/>
+          <p:cNvSpPr/>
+          <p:nvPr/>
+        </p:nvSpPr>
+        <p:spPr>
+          <a:xfrm>
+            <a:off x="382137" y="723331"/>
+            <a:ext cx="11573302" cy="1225309"/>
+          </a:xfrm>
+          <a:prstGeom prst="rect">
+            <a:avLst/>
+          </a:prstGeom>
+        </p:spPr>
+        <p:txBody>
+          <a:bodyPr wrap="square">
+            <a:spAutoFit/>
+          </a:bodyPr>
           <a:lstStyle/>
           <a:p>
             <a:r>
               <a:rPr lang="en-US" altLang="zh-CN" dirty="0"/>
-              <a:t>Service Fabric </a:t>
-            </a:r>
-            <a:r>
-              <a:rPr lang="zh-CN" altLang="en-US" dirty="0"/>
-              <a:t>的优缺点</a:t>
+              <a:t>Azure service fabric provide </a:t>
+            </a:r>
+            <a:r>
+              <a:rPr lang="en-US" altLang="zh-CN" dirty="0" err="1"/>
+              <a:t>buting</a:t>
+            </a:r>
+            <a:r>
+              <a:rPr lang="en-US" altLang="zh-CN" dirty="0"/>
+              <a:t> program models to simplify developing micro services. </a:t>
+            </a:r>
+          </a:p>
+          <a:p>
+            <a:r>
+              <a:rPr lang="en-US" altLang="zh-CN" dirty="0"/>
+              <a:t>Not only that, </a:t>
+            </a:r>
+            <a:r>
+              <a:rPr lang="en-US" altLang="zh-CN" dirty="0" err="1"/>
+              <a:t>ilet’s</a:t>
+            </a:r>
+            <a:r>
+              <a:rPr lang="en-US" altLang="zh-CN" dirty="0"/>
+              <a:t> you run any application code. In additional to support traditional stateless micro services, Azure service fabric support </a:t>
+            </a:r>
+            <a:r>
+              <a:rPr lang="en-US" altLang="zh-CN" dirty="0" err="1"/>
+              <a:t>stateful</a:t>
+            </a:r>
+            <a:r>
+              <a:rPr lang="en-US" altLang="zh-CN" dirty="0"/>
+              <a:t> micro service, core locating compute and data to reduce </a:t>
+            </a:r>
+            <a:r>
+              <a:rPr lang="en-US" altLang="zh-CN" dirty="0" err="1"/>
+              <a:t>lll</a:t>
+            </a:r>
+            <a:r>
+              <a:rPr lang="en-US" altLang="zh-CN" dirty="0"/>
+              <a:t> and hands performance will providing reliability through replication and persistence. </a:t>
             </a:r>
           </a:p>
         </p:txBody>
@@ -4067,7 +3984,7 @@
     </p:spTree>
     <p:extLst>
       <p:ext uri="{BB962C8B-B14F-4D97-AF65-F5344CB8AC3E}">
-        <p14:creationId xmlns:p14="http://schemas.microsoft.com/office/powerpoint/2010/main" val="1234996207"/>
+        <p14:creationId xmlns:p14="http://schemas.microsoft.com/office/powerpoint/2010/main" val="1090233005"/>
       </p:ext>
     </p:extLst>
   </p:cSld>
@@ -4096,35 +4013,121 @@
       </p:grpSpPr>
       <p:sp>
         <p:nvSpPr>
-          <p:cNvPr id="2" name="标题 1"/>
-          <p:cNvSpPr>
-            <a:spLocks noGrp="1"/>
-          </p:cNvSpPr>
-          <p:nvPr>
-            <p:ph type="ctrTitle"/>
-          </p:nvPr>
-        </p:nvSpPr>
-        <p:spPr/>
-        <p:txBody>
-          <a:bodyPr/>
-          <a:lstStyle/>
-          <a:p>
+          <p:cNvPr id="9" name="矩形 8"/>
+          <p:cNvSpPr/>
+          <p:nvPr/>
+        </p:nvSpPr>
+        <p:spPr>
+          <a:xfrm>
+            <a:off x="1145213" y="1347296"/>
+            <a:ext cx="9349913" cy="2308324"/>
+          </a:xfrm>
+          <a:prstGeom prst="rect">
+            <a:avLst/>
+          </a:prstGeom>
+        </p:spPr>
+        <p:txBody>
+          <a:bodyPr wrap="square">
+            <a:spAutoFit/>
+          </a:bodyPr>
+          <a:lstStyle/>
+          <a:p>
+            <a:r>
+              <a:rPr lang="en-US" altLang="zh-CN" dirty="0" smtClean="0"/>
+              <a:t>Data </a:t>
+            </a:r>
+            <a:r>
+              <a:rPr lang="en-US" altLang="zh-CN" dirty="0" smtClean="0"/>
+              <a:t>partitions in service will long with dynamic resource </a:t>
+            </a:r>
             <a:r>
               <a:rPr lang="en-US" altLang="zh-CN" dirty="0"/>
-              <a:t>Service Fabric </a:t>
-            </a:r>
-            <a:r>
-              <a:rPr lang="zh-CN" altLang="en-US" dirty="0" smtClean="0"/>
-              <a:t>服务</a:t>
-            </a:r>
-            <a:endParaRPr lang="zh-CN" altLang="en-US" dirty="0"/>
+              <a:t>balancing</a:t>
+            </a:r>
+            <a:r>
+              <a:rPr lang="en-US" altLang="zh-CN" dirty="0" smtClean="0"/>
+              <a:t> make scaling on the demand routing. </a:t>
+            </a:r>
+          </a:p>
+          <a:p>
+            <a:r>
+              <a:rPr lang="en-US" altLang="zh-CN" dirty="0" smtClean="0"/>
+              <a:t>Rolling updates is able zero application down time. And health check fail, service fabric automatically rolls back application to previous version. </a:t>
+            </a:r>
+          </a:p>
+          <a:p>
+            <a:r>
+              <a:rPr lang="en-US" altLang="zh-CN" dirty="0" smtClean="0"/>
+              <a:t>Azure service fabric was born from xx years to experience me critical cloud services. And today</a:t>
+            </a:r>
+            <a:r>
+              <a:rPr lang="en-US" altLang="zh-CN" dirty="0"/>
+              <a:t>, </a:t>
+            </a:r>
+            <a:r>
+              <a:rPr lang="en-US" altLang="zh-CN" dirty="0" smtClean="0"/>
+              <a:t>hundreds of organizations are releasing same benefits of micro service approach. </a:t>
+            </a:r>
+          </a:p>
+          <a:p>
+            <a:r>
+              <a:rPr lang="en-US" altLang="zh-CN" dirty="0" smtClean="0"/>
+              <a:t>Not only that, </a:t>
+            </a:r>
+            <a:r>
+              <a:rPr lang="en-US" altLang="zh-CN" dirty="0"/>
+              <a:t>but </a:t>
+            </a:r>
+            <a:r>
+              <a:rPr lang="en-US" altLang="zh-CN" dirty="0" smtClean="0"/>
+              <a:t>several key Microsoft products run on Azure service fabric.</a:t>
+            </a:r>
+          </a:p>
+          <a:p>
+            <a:endParaRPr lang="en-US" altLang="zh-CN" dirty="0"/>
+          </a:p>
+        </p:txBody>
+      </p:sp>
+      <p:sp>
+        <p:nvSpPr>
+          <p:cNvPr id="3" name="矩形 2"/>
+          <p:cNvSpPr/>
+          <p:nvPr/>
+        </p:nvSpPr>
+        <p:spPr>
+          <a:xfrm>
+            <a:off x="1145213" y="397773"/>
+            <a:ext cx="9349913" cy="769441"/>
+          </a:xfrm>
+          <a:prstGeom prst="rect">
+            <a:avLst/>
+          </a:prstGeom>
+        </p:spPr>
+        <p:txBody>
+          <a:bodyPr wrap="square">
+            <a:spAutoFit/>
+          </a:bodyPr>
+          <a:lstStyle/>
+          <a:p>
+            <a:r>
+              <a:rPr lang="en-US" altLang="zh-CN" sz="4400" dirty="0"/>
+              <a:t>4</a:t>
+            </a:r>
+            <a:r>
+              <a:rPr lang="en-US" altLang="zh-CN" sz="4400" dirty="0" smtClean="0"/>
+              <a:t>.</a:t>
+            </a:r>
+            <a:r>
+              <a:rPr lang="en-US" altLang="zh-CN" sz="4400" dirty="0"/>
+              <a:t> Data partitions</a:t>
+            </a:r>
           </a:p>
         </p:txBody>
       </p:sp>
     </p:spTree>
     <p:extLst>
       <p:ext uri="{BB962C8B-B14F-4D97-AF65-F5344CB8AC3E}">
-        <p14:creationId xmlns:p14="http://schemas.microsoft.com/office/powerpoint/2010/main" val="4174732321"/>
+        <p14:creationId xmlns:p14="http://schemas.microsoft.com/office/powerpoint/2010/main" val="3382381176"/>
       </p:ext>
     </p:extLst>
   </p:cSld>
@@ -4222,34 +4225,102 @@
           <a:chExt cx="0" cy="0"/>
         </a:xfrm>
       </p:grpSpPr>
-      <p:pic>
-        <p:nvPicPr>
-          <p:cNvPr id="4" name="图片 3"/>
-          <p:cNvPicPr>
-            <a:picLocks noChangeAspect="1"/>
-          </p:cNvPicPr>
+      <p:sp>
+        <p:nvSpPr>
+          <p:cNvPr id="9" name="矩形 8"/>
+          <p:cNvSpPr/>
           <p:nvPr/>
-        </p:nvPicPr>
-        <p:blipFill>
-          <a:blip r:embed="rId2"/>
-          <a:stretch>
-            <a:fillRect/>
-          </a:stretch>
-        </p:blipFill>
-        <p:spPr>
-          <a:xfrm>
-            <a:off x="1025525" y="846162"/>
-            <a:ext cx="10259789" cy="5152899"/>
+        </p:nvSpPr>
+        <p:spPr>
+          <a:xfrm>
+            <a:off x="1145213" y="1347296"/>
+            <a:ext cx="9349913" cy="1754326"/>
           </a:xfrm>
           <a:prstGeom prst="rect">
             <a:avLst/>
           </a:prstGeom>
         </p:spPr>
-      </p:pic>
+        <p:txBody>
+          <a:bodyPr wrap="square">
+            <a:spAutoFit/>
+          </a:bodyPr>
+          <a:lstStyle/>
+          <a:p>
+            <a:r>
+              <a:rPr lang="en-US" altLang="zh-CN" dirty="0" smtClean="0"/>
+              <a:t>Rolling </a:t>
+            </a:r>
+            <a:r>
+              <a:rPr lang="en-US" altLang="zh-CN" dirty="0" smtClean="0"/>
+              <a:t>updates is able zero application down time. And health check fail, service fabric automatically rolls back application to previous version. </a:t>
+            </a:r>
+          </a:p>
+          <a:p>
+            <a:r>
+              <a:rPr lang="en-US" altLang="zh-CN" dirty="0" smtClean="0"/>
+              <a:t>Azure service fabric was born from xx years to experience me critical cloud services. And today</a:t>
+            </a:r>
+            <a:r>
+              <a:rPr lang="en-US" altLang="zh-CN" dirty="0"/>
+              <a:t>, </a:t>
+            </a:r>
+            <a:r>
+              <a:rPr lang="en-US" altLang="zh-CN" dirty="0" smtClean="0"/>
+              <a:t>hundreds of organizations are releasing same benefits of micro service approach. </a:t>
+            </a:r>
+          </a:p>
+          <a:p>
+            <a:r>
+              <a:rPr lang="en-US" altLang="zh-CN" dirty="0" smtClean="0"/>
+              <a:t>Not only that, </a:t>
+            </a:r>
+            <a:r>
+              <a:rPr lang="en-US" altLang="zh-CN" dirty="0"/>
+              <a:t>but </a:t>
+            </a:r>
+            <a:r>
+              <a:rPr lang="en-US" altLang="zh-CN" dirty="0" smtClean="0"/>
+              <a:t>several key Microsoft products run on Azure service fabric.</a:t>
+            </a:r>
+          </a:p>
+          <a:p>
+            <a:endParaRPr lang="en-US" altLang="zh-CN" dirty="0"/>
+          </a:p>
+        </p:txBody>
+      </p:sp>
+      <p:sp>
+        <p:nvSpPr>
+          <p:cNvPr id="3" name="矩形 2"/>
+          <p:cNvSpPr/>
+          <p:nvPr/>
+        </p:nvSpPr>
+        <p:spPr>
+          <a:xfrm>
+            <a:off x="1145213" y="397773"/>
+            <a:ext cx="9349913" cy="769441"/>
+          </a:xfrm>
+          <a:prstGeom prst="rect">
+            <a:avLst/>
+          </a:prstGeom>
+        </p:spPr>
+        <p:txBody>
+          <a:bodyPr wrap="square">
+            <a:spAutoFit/>
+          </a:bodyPr>
+          <a:lstStyle/>
+          <a:p>
+            <a:r>
+              <a:rPr lang="en-US" altLang="zh-CN" sz="4400" dirty="0" smtClean="0"/>
+              <a:t>5. Upgrade</a:t>
+            </a:r>
+            <a:endParaRPr lang="en-US" altLang="zh-CN" sz="4400" dirty="0"/>
+          </a:p>
+        </p:txBody>
+      </p:sp>
     </p:spTree>
     <p:extLst>
       <p:ext uri="{BB962C8B-B14F-4D97-AF65-F5344CB8AC3E}">
-        <p14:creationId xmlns:p14="http://schemas.microsoft.com/office/powerpoint/2010/main" val="1090233005"/>
+        <p14:creationId xmlns:p14="http://schemas.microsoft.com/office/powerpoint/2010/main" val="3575573500"/>
       </p:ext>
     </p:extLst>
   </p:cSld>
@@ -4278,34 +4349,109 @@
       </p:grpSpPr>
       <p:sp>
         <p:nvSpPr>
-          <p:cNvPr id="2" name="标题 1"/>
-          <p:cNvSpPr>
-            <a:spLocks noGrp="1"/>
-          </p:cNvSpPr>
-          <p:nvPr>
-            <p:ph type="ctrTitle"/>
-          </p:nvPr>
-        </p:nvSpPr>
-        <p:spPr/>
-        <p:txBody>
-          <a:bodyPr/>
-          <a:lstStyle/>
-          <a:p>
+          <p:cNvPr id="9" name="矩形 8"/>
+          <p:cNvSpPr/>
+          <p:nvPr/>
+        </p:nvSpPr>
+        <p:spPr>
+          <a:xfrm>
+            <a:off x="1145213" y="1347296"/>
+            <a:ext cx="9349913" cy="646331"/>
+          </a:xfrm>
+          <a:prstGeom prst="rect">
+            <a:avLst/>
+          </a:prstGeom>
+        </p:spPr>
+        <p:txBody>
+          <a:bodyPr wrap="square">
+            <a:spAutoFit/>
+          </a:bodyPr>
+          <a:lstStyle/>
+          <a:p>
+            <a:r>
+              <a:rPr lang="en-US" altLang="zh-CN" dirty="0" smtClean="0"/>
+              <a:t>Azure </a:t>
+            </a:r>
+            <a:r>
+              <a:rPr lang="en-US" altLang="zh-CN" dirty="0" smtClean="0"/>
+              <a:t>service fabric was born from </a:t>
+            </a:r>
+            <a:r>
+              <a:rPr lang="en-US" altLang="zh-CN" dirty="0" smtClean="0"/>
+              <a:t>our</a:t>
+            </a:r>
+            <a:r>
+              <a:rPr lang="en-US" altLang="zh-CN" dirty="0" smtClean="0"/>
+              <a:t> </a:t>
+            </a:r>
+            <a:r>
+              <a:rPr lang="en-US" altLang="zh-CN" dirty="0" smtClean="0"/>
+              <a:t>years to </a:t>
+            </a:r>
             <a:r>
               <a:rPr lang="en-US" altLang="zh-CN" dirty="0"/>
-              <a:t>Service Fabric </a:t>
-            </a:r>
-            <a:r>
-              <a:rPr lang="zh-CN" altLang="en-US" dirty="0"/>
-              <a:t>术语</a:t>
-            </a:r>
+              <a:t>experience delivering </a:t>
+            </a:r>
+            <a:r>
+              <a:rPr lang="en-US" altLang="zh-CN" dirty="0" err="1" smtClean="0"/>
+              <a:t>metion</a:t>
+            </a:r>
+            <a:r>
+              <a:rPr lang="en-US" altLang="zh-CN" dirty="0" smtClean="0"/>
+              <a:t> </a:t>
+            </a:r>
+            <a:r>
+              <a:rPr lang="en-US" altLang="zh-CN" dirty="0" smtClean="0"/>
+              <a:t>critical cloud services. And today</a:t>
+            </a:r>
+            <a:r>
+              <a:rPr lang="en-US" altLang="zh-CN" dirty="0"/>
+              <a:t>, </a:t>
+            </a:r>
+            <a:r>
+              <a:rPr lang="en-US" altLang="zh-CN" dirty="0" smtClean="0"/>
+              <a:t>hundreds of organizations are releasing same benefits of micro service approach. </a:t>
+            </a:r>
+          </a:p>
+        </p:txBody>
+      </p:sp>
+      <p:sp>
+        <p:nvSpPr>
+          <p:cNvPr id="3" name="矩形 2"/>
+          <p:cNvSpPr/>
+          <p:nvPr/>
+        </p:nvSpPr>
+        <p:spPr>
+          <a:xfrm>
+            <a:off x="1145213" y="397773"/>
+            <a:ext cx="9349913" cy="769441"/>
+          </a:xfrm>
+          <a:prstGeom prst="rect">
+            <a:avLst/>
+          </a:prstGeom>
+        </p:spPr>
+        <p:txBody>
+          <a:bodyPr wrap="square">
+            <a:spAutoFit/>
+          </a:bodyPr>
+          <a:lstStyle/>
+          <a:p>
+            <a:r>
+              <a:rPr lang="en-US" altLang="zh-CN" sz="4400" dirty="0"/>
+              <a:t>6</a:t>
+            </a:r>
+            <a:r>
+              <a:rPr lang="en-US" altLang="zh-CN" sz="4400" dirty="0" smtClean="0"/>
+              <a:t>. Born</a:t>
+            </a:r>
+            <a:endParaRPr lang="en-US" altLang="zh-CN" sz="4400" dirty="0"/>
           </a:p>
         </p:txBody>
       </p:sp>
     </p:spTree>
     <p:extLst>
       <p:ext uri="{BB962C8B-B14F-4D97-AF65-F5344CB8AC3E}">
-        <p14:creationId xmlns:p14="http://schemas.microsoft.com/office/powerpoint/2010/main" val="1875345327"/>
+        <p14:creationId xmlns:p14="http://schemas.microsoft.com/office/powerpoint/2010/main" val="1493889055"/>
       </p:ext>
     </p:extLst>
   </p:cSld>
@@ -4334,6 +4480,609 @@
       </p:grpSpPr>
       <p:sp>
         <p:nvSpPr>
+          <p:cNvPr id="9" name="矩形 8"/>
+          <p:cNvSpPr/>
+          <p:nvPr/>
+        </p:nvSpPr>
+        <p:spPr>
+          <a:xfrm>
+            <a:off x="1145213" y="1347296"/>
+            <a:ext cx="9349913" cy="1754326"/>
+          </a:xfrm>
+          <a:prstGeom prst="rect">
+            <a:avLst/>
+          </a:prstGeom>
+        </p:spPr>
+        <p:txBody>
+          <a:bodyPr wrap="square">
+            <a:spAutoFit/>
+          </a:bodyPr>
+          <a:lstStyle/>
+          <a:p>
+            <a:r>
+              <a:rPr lang="en-US" altLang="zh-CN" dirty="0"/>
+              <a:t>Not only that, but several </a:t>
+            </a:r>
+            <a:r>
+              <a:rPr lang="en-US" altLang="zh-CN" dirty="0">
+                <a:solidFill>
+                  <a:srgbClr val="FF0000"/>
+                </a:solidFill>
+              </a:rPr>
+              <a:t>key Microsoft products </a:t>
+            </a:r>
+            <a:r>
+              <a:rPr lang="en-US" altLang="zh-CN" dirty="0"/>
+              <a:t>run on Azure service fabric</a:t>
+            </a:r>
+            <a:r>
+              <a:rPr lang="en-US" altLang="zh-CN" dirty="0" smtClean="0"/>
+              <a:t>.</a:t>
+            </a:r>
+          </a:p>
+          <a:p>
+            <a:r>
+              <a:rPr lang="en-US" altLang="zh-CN" dirty="0"/>
+              <a:t>Service fabric support from main develop tools and program models. Improve developers productivity. This can be use built stateless service. The traditional way. </a:t>
+            </a:r>
+          </a:p>
+          <a:p>
+            <a:r>
+              <a:rPr lang="en-US" altLang="zh-CN" dirty="0"/>
+              <a:t>Where </a:t>
+            </a:r>
+            <a:r>
+              <a:rPr lang="en-US" altLang="zh-CN" dirty="0" err="1"/>
+              <a:t>nows</a:t>
+            </a:r>
+            <a:r>
+              <a:rPr lang="en-US" altLang="zh-CN" dirty="0"/>
+              <a:t> </a:t>
+            </a:r>
+            <a:r>
+              <a:rPr lang="en-US" altLang="zh-CN" dirty="0" err="1"/>
+              <a:t>stateful</a:t>
+            </a:r>
+            <a:r>
+              <a:rPr lang="en-US" altLang="zh-CN" dirty="0"/>
+              <a:t> micro service, will compute and data collocated to further decrease app complexity. </a:t>
+            </a:r>
+          </a:p>
+          <a:p>
+            <a:endParaRPr lang="en-US" altLang="zh-CN" dirty="0"/>
+          </a:p>
+        </p:txBody>
+      </p:sp>
+      <p:sp>
+        <p:nvSpPr>
+          <p:cNvPr id="3" name="矩形 2"/>
+          <p:cNvSpPr/>
+          <p:nvPr/>
+        </p:nvSpPr>
+        <p:spPr>
+          <a:xfrm>
+            <a:off x="1145213" y="397773"/>
+            <a:ext cx="9349913" cy="769441"/>
+          </a:xfrm>
+          <a:prstGeom prst="rect">
+            <a:avLst/>
+          </a:prstGeom>
+        </p:spPr>
+        <p:txBody>
+          <a:bodyPr wrap="square">
+            <a:spAutoFit/>
+          </a:bodyPr>
+          <a:lstStyle/>
+          <a:p>
+            <a:r>
+              <a:rPr lang="en-US" altLang="zh-CN" sz="4400" dirty="0" smtClean="0"/>
+              <a:t>7. Tools</a:t>
+            </a:r>
+          </a:p>
+        </p:txBody>
+      </p:sp>
+    </p:spTree>
+    <p:extLst>
+      <p:ext uri="{BB962C8B-B14F-4D97-AF65-F5344CB8AC3E}">
+        <p14:creationId xmlns:p14="http://schemas.microsoft.com/office/powerpoint/2010/main" val="4149791120"/>
+      </p:ext>
+    </p:extLst>
+  </p:cSld>
+  <p:clrMapOvr>
+    <a:masterClrMapping/>
+  </p:clrMapOvr>
+</p:sld>
+</file>
+
+<file path=ppt/slides/slide23.xml><?xml version="1.0" encoding="utf-8"?>
+<p:sld xmlns:a="http://schemas.openxmlformats.org/drawingml/2006/main" xmlns:r="http://schemas.openxmlformats.org/officeDocument/2006/relationships" xmlns:p="http://schemas.openxmlformats.org/presentationml/2006/main">
+  <p:cSld>
+    <p:spTree>
+      <p:nvGrpSpPr>
+        <p:cNvPr id="1" name=""/>
+        <p:cNvGrpSpPr/>
+        <p:nvPr/>
+      </p:nvGrpSpPr>
+      <p:grpSpPr>
+        <a:xfrm>
+          <a:off x="0" y="0"/>
+          <a:ext cx="0" cy="0"/>
+          <a:chOff x="0" y="0"/>
+          <a:chExt cx="0" cy="0"/>
+        </a:xfrm>
+      </p:grpSpPr>
+      <p:sp>
+        <p:nvSpPr>
+          <p:cNvPr id="9" name="矩形 8"/>
+          <p:cNvSpPr/>
+          <p:nvPr/>
+        </p:nvSpPr>
+        <p:spPr>
+          <a:xfrm>
+            <a:off x="1145213" y="1347296"/>
+            <a:ext cx="9349913" cy="923330"/>
+          </a:xfrm>
+          <a:prstGeom prst="rect">
+            <a:avLst/>
+          </a:prstGeom>
+        </p:spPr>
+        <p:txBody>
+          <a:bodyPr wrap="square">
+            <a:spAutoFit/>
+          </a:bodyPr>
+          <a:lstStyle/>
+          <a:p>
+            <a:r>
+              <a:rPr lang="en-US" altLang="zh-CN" dirty="0"/>
+              <a:t>Azure service fabric also provide powerful management capability, include stage management, application lifecycle management with zero downtime upgrades. Easy service discovery, and details diagnosis and </a:t>
+            </a:r>
+            <a:r>
+              <a:rPr lang="en-US" altLang="zh-CN" dirty="0" err="1"/>
+              <a:t>manzheri</a:t>
+            </a:r>
+            <a:r>
+              <a:rPr lang="en-US" altLang="zh-CN" dirty="0"/>
+              <a:t>. </a:t>
+            </a:r>
+          </a:p>
+        </p:txBody>
+      </p:sp>
+      <p:sp>
+        <p:nvSpPr>
+          <p:cNvPr id="3" name="矩形 2"/>
+          <p:cNvSpPr/>
+          <p:nvPr/>
+        </p:nvSpPr>
+        <p:spPr>
+          <a:xfrm>
+            <a:off x="1145213" y="397773"/>
+            <a:ext cx="9349913" cy="769441"/>
+          </a:xfrm>
+          <a:prstGeom prst="rect">
+            <a:avLst/>
+          </a:prstGeom>
+        </p:spPr>
+        <p:txBody>
+          <a:bodyPr wrap="square">
+            <a:spAutoFit/>
+          </a:bodyPr>
+          <a:lstStyle/>
+          <a:p>
+            <a:r>
+              <a:rPr lang="en-US" altLang="zh-CN" sz="4400" dirty="0" smtClean="0"/>
+              <a:t>8. Powerful </a:t>
+            </a:r>
+            <a:r>
+              <a:rPr lang="en-US" altLang="zh-CN" sz="4400" dirty="0"/>
+              <a:t>management</a:t>
+            </a:r>
+            <a:endParaRPr lang="en-US" altLang="zh-CN" sz="4400" dirty="0" smtClean="0"/>
+          </a:p>
+        </p:txBody>
+      </p:sp>
+    </p:spTree>
+    <p:extLst>
+      <p:ext uri="{BB962C8B-B14F-4D97-AF65-F5344CB8AC3E}">
+        <p14:creationId xmlns:p14="http://schemas.microsoft.com/office/powerpoint/2010/main" val="1246704354"/>
+      </p:ext>
+    </p:extLst>
+  </p:cSld>
+  <p:clrMapOvr>
+    <a:masterClrMapping/>
+  </p:clrMapOvr>
+</p:sld>
+</file>
+
+<file path=ppt/slides/slide24.xml><?xml version="1.0" encoding="utf-8"?>
+<p:sld xmlns:a="http://schemas.openxmlformats.org/drawingml/2006/main" xmlns:r="http://schemas.openxmlformats.org/officeDocument/2006/relationships" xmlns:p="http://schemas.openxmlformats.org/presentationml/2006/main">
+  <p:cSld>
+    <p:spTree>
+      <p:nvGrpSpPr>
+        <p:cNvPr id="1" name=""/>
+        <p:cNvGrpSpPr/>
+        <p:nvPr/>
+      </p:nvGrpSpPr>
+      <p:grpSpPr>
+        <a:xfrm>
+          <a:off x="0" y="0"/>
+          <a:ext cx="0" cy="0"/>
+          <a:chOff x="0" y="0"/>
+          <a:chExt cx="0" cy="0"/>
+        </a:xfrm>
+      </p:grpSpPr>
+      <p:sp>
+        <p:nvSpPr>
+          <p:cNvPr id="9" name="矩形 8"/>
+          <p:cNvSpPr/>
+          <p:nvPr/>
+        </p:nvSpPr>
+        <p:spPr>
+          <a:xfrm>
+            <a:off x="1145213" y="1242607"/>
+            <a:ext cx="9349913" cy="2031325"/>
+          </a:xfrm>
+          <a:prstGeom prst="rect">
+            <a:avLst/>
+          </a:prstGeom>
+        </p:spPr>
+        <p:txBody>
+          <a:bodyPr wrap="square">
+            <a:spAutoFit/>
+          </a:bodyPr>
+          <a:lstStyle/>
+          <a:p>
+            <a:r>
+              <a:rPr lang="en-US" altLang="zh-CN" dirty="0" smtClean="0"/>
+              <a:t>In </a:t>
+            </a:r>
+            <a:r>
+              <a:rPr lang="en-US" altLang="zh-CN" dirty="0" smtClean="0"/>
+              <a:t>addition, with support for Linux, developer can use tools they know to build and deploy service fabric application on Linux.</a:t>
+            </a:r>
+          </a:p>
+          <a:p>
+            <a:r>
+              <a:rPr lang="en-US" altLang="zh-CN" dirty="0" smtClean="0"/>
+              <a:t>Azure service fabric is design to meet needs of many industries. </a:t>
+            </a:r>
+            <a:r>
+              <a:rPr lang="en-US" altLang="zh-CN" dirty="0"/>
+              <a:t>Include manufacturing, </a:t>
+            </a:r>
+            <a:r>
+              <a:rPr lang="en-US" altLang="zh-CN" dirty="0" smtClean="0"/>
+              <a:t>financial service, gaming, IOT or any application benefits from </a:t>
+            </a:r>
+            <a:r>
+              <a:rPr lang="en-US" altLang="zh-CN" dirty="0" err="1" smtClean="0"/>
+              <a:t>scalblelity</a:t>
+            </a:r>
+            <a:r>
+              <a:rPr lang="en-US" altLang="zh-CN" dirty="0" smtClean="0"/>
+              <a:t> and x.</a:t>
+            </a:r>
+          </a:p>
+          <a:p>
+            <a:r>
+              <a:rPr lang="en-US" altLang="zh-CN" dirty="0" smtClean="0"/>
+              <a:t>Azure service fabric simplify building and deploying micro service base applications in Azure, On-Premises, in other Clouds and is available on Windows and Linux as well. With Azure service fabric, organization can deliver customer more features faster. To drive better </a:t>
+            </a:r>
+            <a:r>
+              <a:rPr lang="en-US" altLang="zh-CN" dirty="0"/>
+              <a:t>business </a:t>
+            </a:r>
+            <a:r>
+              <a:rPr lang="en-US" altLang="zh-CN" dirty="0" smtClean="0"/>
+              <a:t>resolves.</a:t>
+            </a:r>
+            <a:endParaRPr lang="en-US" altLang="zh-CN" dirty="0"/>
+          </a:p>
+        </p:txBody>
+      </p:sp>
+      <p:sp>
+        <p:nvSpPr>
+          <p:cNvPr id="3" name="矩形 2"/>
+          <p:cNvSpPr/>
+          <p:nvPr/>
+        </p:nvSpPr>
+        <p:spPr>
+          <a:xfrm>
+            <a:off x="1145213" y="397773"/>
+            <a:ext cx="9349913" cy="769441"/>
+          </a:xfrm>
+          <a:prstGeom prst="rect">
+            <a:avLst/>
+          </a:prstGeom>
+        </p:spPr>
+        <p:txBody>
+          <a:bodyPr wrap="square">
+            <a:spAutoFit/>
+          </a:bodyPr>
+          <a:lstStyle/>
+          <a:p>
+            <a:r>
+              <a:rPr lang="en-US" altLang="zh-CN" sz="4400" dirty="0" smtClean="0"/>
+              <a:t>9. </a:t>
+            </a:r>
+            <a:r>
+              <a:rPr lang="en-US" altLang="zh-CN" sz="4400" dirty="0"/>
+              <a:t>Linux</a:t>
+            </a:r>
+            <a:endParaRPr lang="en-US" altLang="zh-CN" sz="4400" dirty="0" smtClean="0"/>
+          </a:p>
+        </p:txBody>
+      </p:sp>
+    </p:spTree>
+    <p:extLst>
+      <p:ext uri="{BB962C8B-B14F-4D97-AF65-F5344CB8AC3E}">
+        <p14:creationId xmlns:p14="http://schemas.microsoft.com/office/powerpoint/2010/main" val="1379808496"/>
+      </p:ext>
+    </p:extLst>
+  </p:cSld>
+  <p:clrMapOvr>
+    <a:masterClrMapping/>
+  </p:clrMapOvr>
+</p:sld>
+</file>
+
+<file path=ppt/slides/slide25.xml><?xml version="1.0" encoding="utf-8"?>
+<p:sld xmlns:a="http://schemas.openxmlformats.org/drawingml/2006/main" xmlns:r="http://schemas.openxmlformats.org/officeDocument/2006/relationships" xmlns:p="http://schemas.openxmlformats.org/presentationml/2006/main">
+  <p:cSld>
+    <p:spTree>
+      <p:nvGrpSpPr>
+        <p:cNvPr id="1" name=""/>
+        <p:cNvGrpSpPr/>
+        <p:nvPr/>
+      </p:nvGrpSpPr>
+      <p:grpSpPr>
+        <a:xfrm>
+          <a:off x="0" y="0"/>
+          <a:ext cx="0" cy="0"/>
+          <a:chOff x="0" y="0"/>
+          <a:chExt cx="0" cy="0"/>
+        </a:xfrm>
+      </p:grpSpPr>
+      <p:sp>
+        <p:nvSpPr>
+          <p:cNvPr id="9" name="矩形 8"/>
+          <p:cNvSpPr/>
+          <p:nvPr/>
+        </p:nvSpPr>
+        <p:spPr>
+          <a:xfrm>
+            <a:off x="1145213" y="1242607"/>
+            <a:ext cx="9349913" cy="1477328"/>
+          </a:xfrm>
+          <a:prstGeom prst="rect">
+            <a:avLst/>
+          </a:prstGeom>
+        </p:spPr>
+        <p:txBody>
+          <a:bodyPr wrap="square">
+            <a:spAutoFit/>
+          </a:bodyPr>
+          <a:lstStyle/>
+          <a:p>
+            <a:r>
+              <a:rPr lang="en-US" altLang="zh-CN" dirty="0" smtClean="0"/>
+              <a:t>Azure </a:t>
+            </a:r>
+            <a:r>
+              <a:rPr lang="en-US" altLang="zh-CN" dirty="0" smtClean="0"/>
+              <a:t>service fabric is design to meet needs of many industries. </a:t>
+            </a:r>
+            <a:r>
+              <a:rPr lang="en-US" altLang="zh-CN" dirty="0"/>
+              <a:t>Include manufacturing, </a:t>
+            </a:r>
+            <a:r>
+              <a:rPr lang="en-US" altLang="zh-CN" dirty="0" smtClean="0"/>
+              <a:t>financial service, gaming, IOT or any application benefits from </a:t>
+            </a:r>
+            <a:r>
+              <a:rPr lang="en-US" altLang="zh-CN" dirty="0"/>
+              <a:t>scalability and </a:t>
+            </a:r>
+            <a:r>
+              <a:rPr lang="en-US" altLang="zh-CN" dirty="0" err="1" smtClean="0"/>
+              <a:t>relaeci</a:t>
+            </a:r>
+            <a:r>
+              <a:rPr lang="en-US" altLang="zh-CN" dirty="0" smtClean="0"/>
+              <a:t>.</a:t>
+            </a:r>
+            <a:endParaRPr lang="en-US" altLang="zh-CN" dirty="0" smtClean="0"/>
+          </a:p>
+          <a:p>
+            <a:r>
+              <a:rPr lang="en-US" altLang="zh-CN" dirty="0" smtClean="0"/>
+              <a:t>Azure service fabric simplify building and deploying micro service base applications in Azure, On-Premises, in other Clouds and is available on Windows and Linux as well. With Azure service fabric, organization can deliver customer more features faster. To drive better </a:t>
+            </a:r>
+            <a:r>
+              <a:rPr lang="en-US" altLang="zh-CN" dirty="0"/>
+              <a:t>business </a:t>
+            </a:r>
+            <a:r>
+              <a:rPr lang="en-US" altLang="zh-CN" dirty="0" smtClean="0"/>
+              <a:t>resolves.</a:t>
+            </a:r>
+            <a:endParaRPr lang="en-US" altLang="zh-CN" dirty="0"/>
+          </a:p>
+        </p:txBody>
+      </p:sp>
+      <p:sp>
+        <p:nvSpPr>
+          <p:cNvPr id="3" name="矩形 2"/>
+          <p:cNvSpPr/>
+          <p:nvPr/>
+        </p:nvSpPr>
+        <p:spPr>
+          <a:xfrm>
+            <a:off x="1145213" y="397773"/>
+            <a:ext cx="9349913" cy="769441"/>
+          </a:xfrm>
+          <a:prstGeom prst="rect">
+            <a:avLst/>
+          </a:prstGeom>
+        </p:spPr>
+        <p:txBody>
+          <a:bodyPr wrap="square">
+            <a:spAutoFit/>
+          </a:bodyPr>
+          <a:lstStyle/>
+          <a:p>
+            <a:r>
+              <a:rPr lang="en-US" altLang="zh-CN" sz="4400" dirty="0" smtClean="0"/>
+              <a:t>10. Industries</a:t>
+            </a:r>
+          </a:p>
+        </p:txBody>
+      </p:sp>
+    </p:spTree>
+    <p:extLst>
+      <p:ext uri="{BB962C8B-B14F-4D97-AF65-F5344CB8AC3E}">
+        <p14:creationId xmlns:p14="http://schemas.microsoft.com/office/powerpoint/2010/main" val="3554265959"/>
+      </p:ext>
+    </p:extLst>
+  </p:cSld>
+  <p:clrMapOvr>
+    <a:masterClrMapping/>
+  </p:clrMapOvr>
+</p:sld>
+</file>
+
+<file path=ppt/slides/slide26.xml><?xml version="1.0" encoding="utf-8"?>
+<p:sld xmlns:a="http://schemas.openxmlformats.org/drawingml/2006/main" xmlns:r="http://schemas.openxmlformats.org/officeDocument/2006/relationships" xmlns:p="http://schemas.openxmlformats.org/presentationml/2006/main">
+  <p:cSld>
+    <p:spTree>
+      <p:nvGrpSpPr>
+        <p:cNvPr id="1" name=""/>
+        <p:cNvGrpSpPr/>
+        <p:nvPr/>
+      </p:nvGrpSpPr>
+      <p:grpSpPr>
+        <a:xfrm>
+          <a:off x="0" y="0"/>
+          <a:ext cx="0" cy="0"/>
+          <a:chOff x="0" y="0"/>
+          <a:chExt cx="0" cy="0"/>
+        </a:xfrm>
+      </p:grpSpPr>
+      <p:sp>
+        <p:nvSpPr>
+          <p:cNvPr id="2" name="标题 1"/>
+          <p:cNvSpPr>
+            <a:spLocks noGrp="1"/>
+          </p:cNvSpPr>
+          <p:nvPr>
+            <p:ph type="ctrTitle"/>
+          </p:nvPr>
+        </p:nvSpPr>
+        <p:spPr/>
+        <p:txBody>
+          <a:bodyPr/>
+          <a:lstStyle/>
+          <a:p>
+            <a:r>
+              <a:rPr lang="en-US" altLang="zh-CN" dirty="0"/>
+              <a:t>Service Fabric </a:t>
+            </a:r>
+            <a:r>
+              <a:rPr lang="zh-CN" altLang="en-US" dirty="0" smtClean="0"/>
+              <a:t>服务</a:t>
+            </a:r>
+            <a:endParaRPr lang="zh-CN" altLang="en-US" dirty="0"/>
+          </a:p>
+        </p:txBody>
+      </p:sp>
+    </p:spTree>
+    <p:extLst>
+      <p:ext uri="{BB962C8B-B14F-4D97-AF65-F5344CB8AC3E}">
+        <p14:creationId xmlns:p14="http://schemas.microsoft.com/office/powerpoint/2010/main" val="4174732321"/>
+      </p:ext>
+    </p:extLst>
+  </p:cSld>
+  <p:clrMapOvr>
+    <a:masterClrMapping/>
+  </p:clrMapOvr>
+</p:sld>
+</file>
+
+<file path=ppt/slides/slide27.xml><?xml version="1.0" encoding="utf-8"?>
+<p:sld xmlns:a="http://schemas.openxmlformats.org/drawingml/2006/main" xmlns:r="http://schemas.openxmlformats.org/officeDocument/2006/relationships" xmlns:p="http://schemas.openxmlformats.org/presentationml/2006/main">
+  <p:cSld>
+    <p:spTree>
+      <p:nvGrpSpPr>
+        <p:cNvPr id="1" name=""/>
+        <p:cNvGrpSpPr/>
+        <p:nvPr/>
+      </p:nvGrpSpPr>
+      <p:grpSpPr>
+        <a:xfrm>
+          <a:off x="0" y="0"/>
+          <a:ext cx="0" cy="0"/>
+          <a:chOff x="0" y="0"/>
+          <a:chExt cx="0" cy="0"/>
+        </a:xfrm>
+      </p:grpSpPr>
+      <p:sp>
+        <p:nvSpPr>
+          <p:cNvPr id="2" name="标题 1"/>
+          <p:cNvSpPr>
+            <a:spLocks noGrp="1"/>
+          </p:cNvSpPr>
+          <p:nvPr>
+            <p:ph type="ctrTitle"/>
+          </p:nvPr>
+        </p:nvSpPr>
+        <p:spPr/>
+        <p:txBody>
+          <a:bodyPr/>
+          <a:lstStyle/>
+          <a:p>
+            <a:r>
+              <a:rPr lang="en-US" altLang="zh-CN" dirty="0"/>
+              <a:t>Service Fabric </a:t>
+            </a:r>
+            <a:r>
+              <a:rPr lang="zh-CN" altLang="en-US" dirty="0"/>
+              <a:t>术语</a:t>
+            </a:r>
+          </a:p>
+        </p:txBody>
+      </p:sp>
+    </p:spTree>
+    <p:extLst>
+      <p:ext uri="{BB962C8B-B14F-4D97-AF65-F5344CB8AC3E}">
+        <p14:creationId xmlns:p14="http://schemas.microsoft.com/office/powerpoint/2010/main" val="1875345327"/>
+      </p:ext>
+    </p:extLst>
+  </p:cSld>
+  <p:clrMapOvr>
+    <a:masterClrMapping/>
+  </p:clrMapOvr>
+</p:sld>
+</file>
+
+<file path=ppt/slides/slide28.xml><?xml version="1.0" encoding="utf-8"?>
+<p:sld xmlns:a="http://schemas.openxmlformats.org/drawingml/2006/main" xmlns:r="http://schemas.openxmlformats.org/officeDocument/2006/relationships" xmlns:p="http://schemas.openxmlformats.org/presentationml/2006/main">
+  <p:cSld>
+    <p:spTree>
+      <p:nvGrpSpPr>
+        <p:cNvPr id="1" name=""/>
+        <p:cNvGrpSpPr/>
+        <p:nvPr/>
+      </p:nvGrpSpPr>
+      <p:grpSpPr>
+        <a:xfrm>
+          <a:off x="0" y="0"/>
+          <a:ext cx="0" cy="0"/>
+          <a:chOff x="0" y="0"/>
+          <a:chExt cx="0" cy="0"/>
+        </a:xfrm>
+      </p:grpSpPr>
+      <p:sp>
+        <p:nvSpPr>
           <p:cNvPr id="4" name="矩形 3"/>
           <p:cNvSpPr/>
           <p:nvPr/>
@@ -4422,7 +5171,7 @@
 </p:sld>
 </file>
 
-<file path=ppt/slides/slide23.xml><?xml version="1.0" encoding="utf-8"?>
+<file path=ppt/slides/slide29.xml><?xml version="1.0" encoding="utf-8"?>
 <p:sld xmlns:a="http://schemas.openxmlformats.org/drawingml/2006/main" xmlns:r="http://schemas.openxmlformats.org/officeDocument/2006/relationships" xmlns:p="http://schemas.openxmlformats.org/presentationml/2006/main">
   <p:cSld>
     <p:spTree>
@@ -5679,7 +6428,7 @@
         <p:spPr>
           <a:xfrm>
             <a:off x="272956" y="2183330"/>
-            <a:ext cx="2920621" cy="3180974"/>
+            <a:ext cx="3002974" cy="3270668"/>
           </a:xfrm>
           <a:prstGeom prst="rect">
             <a:avLst/>
@@ -5702,8 +6451,8 @@
         </p:blipFill>
         <p:spPr>
           <a:xfrm>
-            <a:off x="8038531" y="2293919"/>
-            <a:ext cx="3862318" cy="3160079"/>
+            <a:off x="7938446" y="2212031"/>
+            <a:ext cx="3962403" cy="3241967"/>
           </a:xfrm>
           <a:prstGeom prst="rect">
             <a:avLst/>

--- a/工作/Service Fabric/Service Fabric.pptx
+++ b/工作/Service Fabric/Service Fabric.pptx
@@ -13,27 +13,31 @@
     <p:sldId id="269" r:id="rId7"/>
     <p:sldId id="270" r:id="rId8"/>
     <p:sldId id="282" r:id="rId9"/>
-    <p:sldId id="272" r:id="rId10"/>
-    <p:sldId id="281" r:id="rId11"/>
-    <p:sldId id="274" r:id="rId12"/>
-    <p:sldId id="283" r:id="rId13"/>
-    <p:sldId id="285" r:id="rId14"/>
-    <p:sldId id="258" r:id="rId15"/>
-    <p:sldId id="288" r:id="rId16"/>
-    <p:sldId id="287" r:id="rId17"/>
-    <p:sldId id="286" r:id="rId18"/>
-    <p:sldId id="278" r:id="rId19"/>
-    <p:sldId id="289" r:id="rId20"/>
-    <p:sldId id="290" r:id="rId21"/>
-    <p:sldId id="291" r:id="rId22"/>
-    <p:sldId id="292" r:id="rId23"/>
-    <p:sldId id="293" r:id="rId24"/>
-    <p:sldId id="279" r:id="rId25"/>
-    <p:sldId id="294" r:id="rId26"/>
-    <p:sldId id="260" r:id="rId27"/>
-    <p:sldId id="261" r:id="rId28"/>
-    <p:sldId id="262" r:id="rId29"/>
-    <p:sldId id="276" r:id="rId30"/>
+    <p:sldId id="295" r:id="rId10"/>
+    <p:sldId id="272" r:id="rId11"/>
+    <p:sldId id="281" r:id="rId12"/>
+    <p:sldId id="274" r:id="rId13"/>
+    <p:sldId id="283" r:id="rId14"/>
+    <p:sldId id="285" r:id="rId15"/>
+    <p:sldId id="258" r:id="rId16"/>
+    <p:sldId id="288" r:id="rId17"/>
+    <p:sldId id="287" r:id="rId18"/>
+    <p:sldId id="286" r:id="rId19"/>
+    <p:sldId id="278" r:id="rId20"/>
+    <p:sldId id="289" r:id="rId21"/>
+    <p:sldId id="290" r:id="rId22"/>
+    <p:sldId id="291" r:id="rId23"/>
+    <p:sldId id="292" r:id="rId24"/>
+    <p:sldId id="293" r:id="rId25"/>
+    <p:sldId id="279" r:id="rId26"/>
+    <p:sldId id="294" r:id="rId27"/>
+    <p:sldId id="260" r:id="rId28"/>
+    <p:sldId id="296" r:id="rId29"/>
+    <p:sldId id="297" r:id="rId30"/>
+    <p:sldId id="298" r:id="rId31"/>
+    <p:sldId id="261" r:id="rId32"/>
+    <p:sldId id="262" r:id="rId33"/>
+    <p:sldId id="276" r:id="rId34"/>
   </p:sldIdLst>
   <p:sldSz cx="12192000" cy="6858000"/>
   <p:notesSz cx="6858000" cy="9144000"/>
@@ -271,7 +275,7 @@
           <a:p>
             <a:fld id="{29CCACAC-AFA6-490F-AB2E-95864F3C3404}" type="datetimeFigureOut">
               <a:rPr lang="zh-CN" altLang="en-US" smtClean="0"/>
-              <a:t>2017/11/6 Monday</a:t>
+              <a:t>2017/11/7 Tuesday</a:t>
             </a:fld>
             <a:endParaRPr lang="zh-CN" altLang="en-US"/>
           </a:p>
@@ -441,7 +445,7 @@
           <a:p>
             <a:fld id="{29CCACAC-AFA6-490F-AB2E-95864F3C3404}" type="datetimeFigureOut">
               <a:rPr lang="zh-CN" altLang="en-US" smtClean="0"/>
-              <a:t>2017/11/6 Monday</a:t>
+              <a:t>2017/11/7 Tuesday</a:t>
             </a:fld>
             <a:endParaRPr lang="zh-CN" altLang="en-US"/>
           </a:p>
@@ -621,7 +625,7 @@
           <a:p>
             <a:fld id="{29CCACAC-AFA6-490F-AB2E-95864F3C3404}" type="datetimeFigureOut">
               <a:rPr lang="zh-CN" altLang="en-US" smtClean="0"/>
-              <a:t>2017/11/6 Monday</a:t>
+              <a:t>2017/11/7 Tuesday</a:t>
             </a:fld>
             <a:endParaRPr lang="zh-CN" altLang="en-US"/>
           </a:p>
@@ -791,7 +795,7 @@
           <a:p>
             <a:fld id="{29CCACAC-AFA6-490F-AB2E-95864F3C3404}" type="datetimeFigureOut">
               <a:rPr lang="zh-CN" altLang="en-US" smtClean="0"/>
-              <a:t>2017/11/6 Monday</a:t>
+              <a:t>2017/11/7 Tuesday</a:t>
             </a:fld>
             <a:endParaRPr lang="zh-CN" altLang="en-US"/>
           </a:p>
@@ -1037,7 +1041,7 @@
           <a:p>
             <a:fld id="{29CCACAC-AFA6-490F-AB2E-95864F3C3404}" type="datetimeFigureOut">
               <a:rPr lang="zh-CN" altLang="en-US" smtClean="0"/>
-              <a:t>2017/11/6 Monday</a:t>
+              <a:t>2017/11/7 Tuesday</a:t>
             </a:fld>
             <a:endParaRPr lang="zh-CN" altLang="en-US"/>
           </a:p>
@@ -1269,7 +1273,7 @@
           <a:p>
             <a:fld id="{29CCACAC-AFA6-490F-AB2E-95864F3C3404}" type="datetimeFigureOut">
               <a:rPr lang="zh-CN" altLang="en-US" smtClean="0"/>
-              <a:t>2017/11/6 Monday</a:t>
+              <a:t>2017/11/7 Tuesday</a:t>
             </a:fld>
             <a:endParaRPr lang="zh-CN" altLang="en-US"/>
           </a:p>
@@ -1636,7 +1640,7 @@
           <a:p>
             <a:fld id="{29CCACAC-AFA6-490F-AB2E-95864F3C3404}" type="datetimeFigureOut">
               <a:rPr lang="zh-CN" altLang="en-US" smtClean="0"/>
-              <a:t>2017/11/6 Monday</a:t>
+              <a:t>2017/11/7 Tuesday</a:t>
             </a:fld>
             <a:endParaRPr lang="zh-CN" altLang="en-US"/>
           </a:p>
@@ -1754,7 +1758,7 @@
           <a:p>
             <a:fld id="{29CCACAC-AFA6-490F-AB2E-95864F3C3404}" type="datetimeFigureOut">
               <a:rPr lang="zh-CN" altLang="en-US" smtClean="0"/>
-              <a:t>2017/11/6 Monday</a:t>
+              <a:t>2017/11/7 Tuesday</a:t>
             </a:fld>
             <a:endParaRPr lang="zh-CN" altLang="en-US"/>
           </a:p>
@@ -1849,7 +1853,7 @@
           <a:p>
             <a:fld id="{29CCACAC-AFA6-490F-AB2E-95864F3C3404}" type="datetimeFigureOut">
               <a:rPr lang="zh-CN" altLang="en-US" smtClean="0"/>
-              <a:t>2017/11/6 Monday</a:t>
+              <a:t>2017/11/7 Tuesday</a:t>
             </a:fld>
             <a:endParaRPr lang="zh-CN" altLang="en-US"/>
           </a:p>
@@ -2126,7 +2130,7 @@
           <a:p>
             <a:fld id="{29CCACAC-AFA6-490F-AB2E-95864F3C3404}" type="datetimeFigureOut">
               <a:rPr lang="zh-CN" altLang="en-US" smtClean="0"/>
-              <a:t>2017/11/6 Monday</a:t>
+              <a:t>2017/11/7 Tuesday</a:t>
             </a:fld>
             <a:endParaRPr lang="zh-CN" altLang="en-US"/>
           </a:p>
@@ -2379,7 +2383,7 @@
           <a:p>
             <a:fld id="{29CCACAC-AFA6-490F-AB2E-95864F3C3404}" type="datetimeFigureOut">
               <a:rPr lang="zh-CN" altLang="en-US" smtClean="0"/>
-              <a:t>2017/11/6 Monday</a:t>
+              <a:t>2017/11/7 Tuesday</a:t>
             </a:fld>
             <a:endParaRPr lang="zh-CN" altLang="en-US"/>
           </a:p>
@@ -2592,7 +2596,7 @@
           <a:p>
             <a:fld id="{29CCACAC-AFA6-490F-AB2E-95864F3C3404}" type="datetimeFigureOut">
               <a:rPr lang="zh-CN" altLang="en-US" smtClean="0"/>
-              <a:t>2017/11/6 Monday</a:t>
+              <a:t>2017/11/7 Tuesday</a:t>
             </a:fld>
             <a:endParaRPr lang="zh-CN" altLang="en-US"/>
           </a:p>
@@ -3056,6 +3060,139 @@
           <a:chExt cx="0" cy="0"/>
         </a:xfrm>
       </p:grpSpPr>
+      <p:pic>
+        <p:nvPicPr>
+          <p:cNvPr id="3" name="图片 2"/>
+          <p:cNvPicPr>
+            <a:picLocks noChangeAspect="1"/>
+          </p:cNvPicPr>
+          <p:nvPr/>
+        </p:nvPicPr>
+        <p:blipFill>
+          <a:blip r:embed="rId2"/>
+          <a:stretch>
+            <a:fillRect/>
+          </a:stretch>
+        </p:blipFill>
+        <p:spPr>
+          <a:xfrm>
+            <a:off x="4060061" y="2183330"/>
+            <a:ext cx="3282433" cy="3270668"/>
+          </a:xfrm>
+          <a:prstGeom prst="rect">
+            <a:avLst/>
+          </a:prstGeom>
+        </p:spPr>
+      </p:pic>
+      <p:pic>
+        <p:nvPicPr>
+          <p:cNvPr id="5" name="图片 4"/>
+          <p:cNvPicPr>
+            <a:picLocks noChangeAspect="1"/>
+          </p:cNvPicPr>
+          <p:nvPr/>
+        </p:nvPicPr>
+        <p:blipFill>
+          <a:blip r:embed="rId3"/>
+          <a:stretch>
+            <a:fillRect/>
+          </a:stretch>
+        </p:blipFill>
+        <p:spPr>
+          <a:xfrm>
+            <a:off x="272956" y="2183330"/>
+            <a:ext cx="3002974" cy="3270668"/>
+          </a:xfrm>
+          <a:prstGeom prst="rect">
+            <a:avLst/>
+          </a:prstGeom>
+        </p:spPr>
+      </p:pic>
+      <p:pic>
+        <p:nvPicPr>
+          <p:cNvPr id="4" name="图片 3"/>
+          <p:cNvPicPr>
+            <a:picLocks noChangeAspect="1"/>
+          </p:cNvPicPr>
+          <p:nvPr/>
+        </p:nvPicPr>
+        <p:blipFill>
+          <a:blip r:embed="rId4"/>
+          <a:stretch>
+            <a:fillRect/>
+          </a:stretch>
+        </p:blipFill>
+        <p:spPr>
+          <a:xfrm>
+            <a:off x="7938446" y="2212031"/>
+            <a:ext cx="3962403" cy="3241967"/>
+          </a:xfrm>
+          <a:prstGeom prst="rect">
+            <a:avLst/>
+          </a:prstGeom>
+        </p:spPr>
+      </p:pic>
+      <p:sp>
+        <p:nvSpPr>
+          <p:cNvPr id="6" name="标题 1"/>
+          <p:cNvSpPr>
+            <a:spLocks noGrp="1"/>
+          </p:cNvSpPr>
+          <p:nvPr>
+            <p:ph type="ctrTitle"/>
+          </p:nvPr>
+        </p:nvSpPr>
+        <p:spPr>
+          <a:xfrm>
+            <a:off x="309644" y="436727"/>
+            <a:ext cx="6664362" cy="698525"/>
+          </a:xfrm>
+        </p:spPr>
+        <p:txBody>
+          <a:bodyPr>
+            <a:normAutofit/>
+          </a:bodyPr>
+          <a:lstStyle/>
+          <a:p>
+            <a:pPr algn="l"/>
+            <a:r>
+              <a:rPr lang="zh-CN" altLang="en-US" sz="4000" dirty="0" smtClean="0"/>
+              <a:t>微服务的进化</a:t>
+            </a:r>
+            <a:endParaRPr lang="zh-CN" altLang="en-US" sz="4000" dirty="0"/>
+          </a:p>
+        </p:txBody>
+      </p:sp>
+    </p:spTree>
+    <p:extLst>
+      <p:ext uri="{BB962C8B-B14F-4D97-AF65-F5344CB8AC3E}">
+        <p14:creationId xmlns:p14="http://schemas.microsoft.com/office/powerpoint/2010/main" val="3027644958"/>
+      </p:ext>
+    </p:extLst>
+  </p:cSld>
+  <p:clrMapOvr>
+    <a:masterClrMapping/>
+  </p:clrMapOvr>
+</p:sld>
+</file>
+
+<file path=ppt/slides/slide11.xml><?xml version="1.0" encoding="utf-8"?>
+<p:sld xmlns:a="http://schemas.openxmlformats.org/drawingml/2006/main" xmlns:r="http://schemas.openxmlformats.org/officeDocument/2006/relationships" xmlns:p="http://schemas.openxmlformats.org/presentationml/2006/main">
+  <p:cSld>
+    <p:spTree>
+      <p:nvGrpSpPr>
+        <p:cNvPr id="1" name=""/>
+        <p:cNvGrpSpPr/>
+        <p:nvPr/>
+      </p:nvGrpSpPr>
+      <p:grpSpPr>
+        <a:xfrm>
+          <a:off x="0" y="0"/>
+          <a:ext cx="0" cy="0"/>
+          <a:chOff x="0" y="0"/>
+          <a:chExt cx="0" cy="0"/>
+        </a:xfrm>
+      </p:grpSpPr>
       <p:sp>
         <p:nvSpPr>
           <p:cNvPr id="6" name="矩形 5"/>
@@ -3212,7 +3349,7 @@
 </p:sld>
 </file>
 
-<file path=ppt/slides/slide11.xml><?xml version="1.0" encoding="utf-8"?>
+<file path=ppt/slides/slide12.xml><?xml version="1.0" encoding="utf-8"?>
 <p:sld xmlns:a="http://schemas.openxmlformats.org/drawingml/2006/main" xmlns:r="http://schemas.openxmlformats.org/officeDocument/2006/relationships" xmlns:p="http://schemas.openxmlformats.org/presentationml/2006/main">
   <p:cSld>
     <p:spTree>
@@ -3295,7 +3432,7 @@
 </p:sld>
 </file>
 
-<file path=ppt/slides/slide12.xml><?xml version="1.0" encoding="utf-8"?>
+<file path=ppt/slides/slide13.xml><?xml version="1.0" encoding="utf-8"?>
 <p:sld xmlns:a="http://schemas.openxmlformats.org/drawingml/2006/main" xmlns:r="http://schemas.openxmlformats.org/officeDocument/2006/relationships" xmlns:p="http://schemas.openxmlformats.org/presentationml/2006/main">
   <p:cSld>
     <p:spTree>
@@ -3388,65 +3525,6 @@
     <p:extLst>
       <p:ext uri="{BB962C8B-B14F-4D97-AF65-F5344CB8AC3E}">
         <p14:creationId xmlns:p14="http://schemas.microsoft.com/office/powerpoint/2010/main" val="3274232644"/>
-      </p:ext>
-    </p:extLst>
-  </p:cSld>
-  <p:clrMapOvr>
-    <a:masterClrMapping/>
-  </p:clrMapOvr>
-</p:sld>
-</file>
-
-<file path=ppt/slides/slide13.xml><?xml version="1.0" encoding="utf-8"?>
-<p:sld xmlns:a="http://schemas.openxmlformats.org/drawingml/2006/main" xmlns:r="http://schemas.openxmlformats.org/officeDocument/2006/relationships" xmlns:p="http://schemas.openxmlformats.org/presentationml/2006/main">
-  <p:cSld>
-    <p:spTree>
-      <p:nvGrpSpPr>
-        <p:cNvPr id="1" name=""/>
-        <p:cNvGrpSpPr/>
-        <p:nvPr/>
-      </p:nvGrpSpPr>
-      <p:grpSpPr>
-        <a:xfrm>
-          <a:off x="0" y="0"/>
-          <a:ext cx="0" cy="0"/>
-          <a:chOff x="0" y="0"/>
-          <a:chExt cx="0" cy="0"/>
-        </a:xfrm>
-      </p:grpSpPr>
-      <p:sp>
-        <p:nvSpPr>
-          <p:cNvPr id="3" name="矩形 2"/>
-          <p:cNvSpPr/>
-          <p:nvPr/>
-        </p:nvSpPr>
-        <p:spPr>
-          <a:xfrm>
-            <a:off x="1219200" y="824636"/>
-            <a:ext cx="10217624" cy="3477875"/>
-          </a:xfrm>
-          <a:prstGeom prst="rect">
-            <a:avLst/>
-          </a:prstGeom>
-        </p:spPr>
-        <p:txBody>
-          <a:bodyPr wrap="square">
-            <a:spAutoFit/>
-          </a:bodyPr>
-          <a:lstStyle/>
-          <a:p>
-            <a:r>
-              <a:rPr lang="en-US" altLang="zh-CN" sz="4400" dirty="0"/>
-              <a:t>Azure service fabric is an application platform that simplifies building, deploying micro service base applications,  to provide organization with scalable, agile and reliable applications. </a:t>
-            </a:r>
-            <a:endParaRPr lang="zh-CN" altLang="en-US" sz="4400" dirty="0"/>
-          </a:p>
-        </p:txBody>
-      </p:sp>
-    </p:spTree>
-    <p:extLst>
-      <p:ext uri="{BB962C8B-B14F-4D97-AF65-F5344CB8AC3E}">
-        <p14:creationId xmlns:p14="http://schemas.microsoft.com/office/powerpoint/2010/main" val="2191984821"/>
       </p:ext>
     </p:extLst>
   </p:cSld>
@@ -3475,31 +3553,45 @@
       </p:grpSpPr>
       <p:sp>
         <p:nvSpPr>
-          <p:cNvPr id="2" name="标题 1"/>
-          <p:cNvSpPr>
-            <a:spLocks noGrp="1"/>
-          </p:cNvSpPr>
-          <p:nvPr>
-            <p:ph type="ctrTitle"/>
-          </p:nvPr>
-        </p:nvSpPr>
-        <p:spPr/>
-        <p:txBody>
-          <a:bodyPr/>
-          <a:lstStyle/>
-          <a:p>
-            <a:r>
-              <a:rPr lang="en-US" altLang="zh-CN" dirty="0" smtClean="0"/>
-              <a:t>Why Service Fabric</a:t>
-            </a:r>
-            <a:endParaRPr lang="zh-CN" altLang="en-US" dirty="0"/>
+          <p:cNvPr id="3" name="矩形 2"/>
+          <p:cNvSpPr/>
+          <p:nvPr/>
+        </p:nvSpPr>
+        <p:spPr>
+          <a:xfrm>
+            <a:off x="1219200" y="824636"/>
+            <a:ext cx="10217624" cy="3477875"/>
+          </a:xfrm>
+          <a:prstGeom prst="rect">
+            <a:avLst/>
+          </a:prstGeom>
+        </p:spPr>
+        <p:txBody>
+          <a:bodyPr wrap="square">
+            <a:spAutoFit/>
+          </a:bodyPr>
+          <a:lstStyle/>
+          <a:p>
+            <a:r>
+              <a:rPr lang="en-US" altLang="zh-CN" sz="4400" dirty="0"/>
+              <a:t>Azure service fabric is an </a:t>
+            </a:r>
+            <a:r>
+              <a:rPr lang="en-US" altLang="zh-CN" sz="4400" dirty="0" smtClean="0"/>
+              <a:t>application </a:t>
+            </a:r>
+            <a:r>
+              <a:rPr lang="en-US" altLang="zh-CN" sz="4400" dirty="0"/>
+              <a:t>platform that simplifies building, deploying micro service base applications,  to provide organization with scalable, agile and reliable applications. </a:t>
+            </a:r>
+            <a:endParaRPr lang="zh-CN" altLang="en-US" sz="4400" dirty="0"/>
           </a:p>
         </p:txBody>
       </p:sp>
     </p:spTree>
     <p:extLst>
       <p:ext uri="{BB962C8B-B14F-4D97-AF65-F5344CB8AC3E}">
-        <p14:creationId xmlns:p14="http://schemas.microsoft.com/office/powerpoint/2010/main" val="1234996207"/>
+        <p14:creationId xmlns:p14="http://schemas.microsoft.com/office/powerpoint/2010/main" val="2191984821"/>
       </p:ext>
     </p:extLst>
   </p:cSld>
@@ -3528,149 +3620,31 @@
       </p:grpSpPr>
       <p:sp>
         <p:nvSpPr>
-          <p:cNvPr id="9" name="矩形 8"/>
-          <p:cNvSpPr/>
-          <p:nvPr/>
-        </p:nvSpPr>
-        <p:spPr>
-          <a:xfrm>
-            <a:off x="1552473" y="1658534"/>
-            <a:ext cx="9349913" cy="2308324"/>
-          </a:xfrm>
-          <a:prstGeom prst="rect">
-            <a:avLst/>
-          </a:prstGeom>
-        </p:spPr>
-        <p:txBody>
-          <a:bodyPr wrap="square">
-            <a:spAutoFit/>
-          </a:bodyPr>
-          <a:lstStyle/>
-          <a:p>
-            <a:r>
-              <a:rPr lang="en-US" altLang="zh-CN" sz="3600" dirty="0"/>
-              <a:t>Whether they are running Azure, </a:t>
-            </a:r>
-            <a:r>
-              <a:rPr lang="en-US" altLang="zh-CN" sz="3600" dirty="0" smtClean="0"/>
-              <a:t>On-Premises, </a:t>
-            </a:r>
-            <a:r>
-              <a:rPr lang="en-US" altLang="zh-CN" sz="3600" dirty="0"/>
-              <a:t>or in Other clouds, and developers get focus on code and delivery business layer. Which means customer get new features faster.</a:t>
-            </a:r>
-          </a:p>
-        </p:txBody>
-      </p:sp>
-      <p:pic>
-        <p:nvPicPr>
-          <p:cNvPr id="2" name="图片 1"/>
-          <p:cNvPicPr>
-            <a:picLocks noChangeAspect="1"/>
-          </p:cNvPicPr>
-          <p:nvPr/>
-        </p:nvPicPr>
-        <p:blipFill>
-          <a:blip r:embed="rId2"/>
-          <a:stretch>
-            <a:fillRect/>
-          </a:stretch>
-        </p:blipFill>
-        <p:spPr>
-          <a:xfrm>
-            <a:off x="940363" y="4449848"/>
-            <a:ext cx="2960268" cy="2071062"/>
-          </a:xfrm>
-          <a:prstGeom prst="rect">
-            <a:avLst/>
-          </a:prstGeom>
-        </p:spPr>
-      </p:pic>
-      <p:pic>
-        <p:nvPicPr>
-          <p:cNvPr id="3" name="图片 2"/>
-          <p:cNvPicPr>
-            <a:picLocks noChangeAspect="1"/>
-          </p:cNvPicPr>
-          <p:nvPr/>
-        </p:nvPicPr>
-        <p:blipFill>
-          <a:blip r:embed="rId3"/>
-          <a:stretch>
-            <a:fillRect/>
-          </a:stretch>
-        </p:blipFill>
-        <p:spPr>
-          <a:xfrm>
-            <a:off x="4730225" y="4449848"/>
-            <a:ext cx="2994411" cy="2071062"/>
-          </a:xfrm>
-          <a:prstGeom prst="rect">
-            <a:avLst/>
-          </a:prstGeom>
-        </p:spPr>
-      </p:pic>
-      <p:pic>
-        <p:nvPicPr>
-          <p:cNvPr id="4" name="图片 3"/>
-          <p:cNvPicPr>
-            <a:picLocks noChangeAspect="1"/>
-          </p:cNvPicPr>
-          <p:nvPr/>
-        </p:nvPicPr>
-        <p:blipFill>
-          <a:blip r:embed="rId4"/>
-          <a:stretch>
-            <a:fillRect/>
-          </a:stretch>
-        </p:blipFill>
-        <p:spPr>
-          <a:xfrm>
-            <a:off x="8581244" y="4449848"/>
-            <a:ext cx="2705460" cy="2067492"/>
-          </a:xfrm>
-          <a:prstGeom prst="rect">
-            <a:avLst/>
-          </a:prstGeom>
-        </p:spPr>
-      </p:pic>
-      <p:sp>
-        <p:nvSpPr>
-          <p:cNvPr id="6" name="矩形 5"/>
-          <p:cNvSpPr/>
-          <p:nvPr/>
-        </p:nvSpPr>
-        <p:spPr>
-          <a:xfrm>
-            <a:off x="1254396" y="752615"/>
-            <a:ext cx="9349913" cy="769441"/>
-          </a:xfrm>
-          <a:prstGeom prst="rect">
-            <a:avLst/>
-          </a:prstGeom>
-        </p:spPr>
-        <p:txBody>
-          <a:bodyPr wrap="square">
-            <a:spAutoFit/>
-          </a:bodyPr>
-          <a:lstStyle/>
-          <a:p>
-            <a:r>
-              <a:rPr lang="en-US" altLang="zh-CN" sz="4400" dirty="0" smtClean="0"/>
-              <a:t>1.</a:t>
-            </a:r>
-            <a:r>
-              <a:rPr lang="zh-CN" altLang="en-US" sz="4400" dirty="0" smtClean="0"/>
-              <a:t>多平台</a:t>
-            </a:r>
-            <a:endParaRPr lang="en-US" altLang="zh-CN" sz="4400" dirty="0"/>
+          <p:cNvPr id="2" name="标题 1"/>
+          <p:cNvSpPr>
+            <a:spLocks noGrp="1"/>
+          </p:cNvSpPr>
+          <p:nvPr>
+            <p:ph type="ctrTitle"/>
+          </p:nvPr>
+        </p:nvSpPr>
+        <p:spPr/>
+        <p:txBody>
+          <a:bodyPr/>
+          <a:lstStyle/>
+          <a:p>
+            <a:r>
+              <a:rPr lang="en-US" altLang="zh-CN" dirty="0" smtClean="0"/>
+              <a:t>Why Service Fabric</a:t>
+            </a:r>
+            <a:endParaRPr lang="zh-CN" altLang="en-US" dirty="0"/>
           </a:p>
         </p:txBody>
       </p:sp>
     </p:spTree>
     <p:extLst>
       <p:ext uri="{BB962C8B-B14F-4D97-AF65-F5344CB8AC3E}">
-        <p14:creationId xmlns:p14="http://schemas.microsoft.com/office/powerpoint/2010/main" val="3787911374"/>
+        <p14:creationId xmlns:p14="http://schemas.microsoft.com/office/powerpoint/2010/main" val="1234996207"/>
       </p:ext>
     </p:extLst>
   </p:cSld>
@@ -3699,14 +3673,14 @@
       </p:grpSpPr>
       <p:sp>
         <p:nvSpPr>
-          <p:cNvPr id="6" name="矩形 5"/>
+          <p:cNvPr id="9" name="矩形 8"/>
           <p:cNvSpPr/>
           <p:nvPr/>
         </p:nvSpPr>
         <p:spPr>
           <a:xfrm>
-            <a:off x="1254396" y="752615"/>
-            <a:ext cx="9349913" cy="769441"/>
+            <a:off x="1552473" y="1658534"/>
+            <a:ext cx="9349913" cy="2308324"/>
           </a:xfrm>
           <a:prstGeom prst="rect">
             <a:avLst/>
@@ -3719,16 +3693,23 @@
           <a:lstStyle/>
           <a:p>
             <a:r>
-              <a:rPr lang="en-US" altLang="zh-CN" sz="4400" dirty="0" smtClean="0"/>
-              <a:t>2.xxx</a:t>
-            </a:r>
-            <a:endParaRPr lang="en-US" altLang="zh-CN" sz="4400" dirty="0"/>
+              <a:rPr lang="en-US" altLang="zh-CN" sz="3600" dirty="0"/>
+              <a:t>Whether they are running Azure, </a:t>
+            </a:r>
+            <a:r>
+              <a:rPr lang="en-US" altLang="zh-CN" sz="3600" dirty="0" smtClean="0"/>
+              <a:t>On-Premises, </a:t>
+            </a:r>
+            <a:r>
+              <a:rPr lang="en-US" altLang="zh-CN" sz="3600" dirty="0"/>
+              <a:t>or in Other clouds, and developers get focus on code and delivery business layer. Which means customer get new features faster.</a:t>
+            </a:r>
           </a:p>
         </p:txBody>
       </p:sp>
       <p:pic>
         <p:nvPicPr>
-          <p:cNvPr id="5" name="图片 4"/>
+          <p:cNvPr id="2" name="图片 1"/>
           <p:cNvPicPr>
             <a:picLocks noChangeAspect="1"/>
           </p:cNvPicPr>
@@ -3742,70 +3723,99 @@
         </p:blipFill>
         <p:spPr>
           <a:xfrm>
-            <a:off x="2146557" y="2775413"/>
-            <a:ext cx="7161905" cy="3600000"/>
+            <a:off x="940363" y="4449848"/>
+            <a:ext cx="2960268" cy="2071062"/>
           </a:xfrm>
           <a:prstGeom prst="rect">
             <a:avLst/>
           </a:prstGeom>
         </p:spPr>
       </p:pic>
-      <p:sp>
-        <p:nvSpPr>
-          <p:cNvPr id="7" name="矩形 6"/>
-          <p:cNvSpPr/>
+      <p:pic>
+        <p:nvPicPr>
+          <p:cNvPr id="3" name="图片 2"/>
+          <p:cNvPicPr>
+            <a:picLocks noChangeAspect="1"/>
+          </p:cNvPicPr>
           <p:nvPr/>
-        </p:nvSpPr>
-        <p:spPr>
-          <a:xfrm>
-            <a:off x="2338316" y="1825569"/>
-            <a:ext cx="6096000" cy="646331"/>
+        </p:nvPicPr>
+        <p:blipFill>
+          <a:blip r:embed="rId3"/>
+          <a:stretch>
+            <a:fillRect/>
+          </a:stretch>
+        </p:blipFill>
+        <p:spPr>
+          <a:xfrm>
+            <a:off x="4730225" y="4449848"/>
+            <a:ext cx="2994411" cy="2071062"/>
           </a:xfrm>
           <a:prstGeom prst="rect">
             <a:avLst/>
           </a:prstGeom>
         </p:spPr>
-        <p:txBody>
-          <a:bodyPr>
+      </p:pic>
+      <p:pic>
+        <p:nvPicPr>
+          <p:cNvPr id="4" name="图片 3"/>
+          <p:cNvPicPr>
+            <a:picLocks noChangeAspect="1"/>
+          </p:cNvPicPr>
+          <p:nvPr/>
+        </p:nvPicPr>
+        <p:blipFill>
+          <a:blip r:embed="rId4"/>
+          <a:stretch>
+            <a:fillRect/>
+          </a:stretch>
+        </p:blipFill>
+        <p:spPr>
+          <a:xfrm>
+            <a:off x="8581244" y="4449848"/>
+            <a:ext cx="2705460" cy="2067492"/>
+          </a:xfrm>
+          <a:prstGeom prst="rect">
+            <a:avLst/>
+          </a:prstGeom>
+        </p:spPr>
+      </p:pic>
+      <p:sp>
+        <p:nvSpPr>
+          <p:cNvPr id="6" name="矩形 5"/>
+          <p:cNvSpPr/>
+          <p:nvPr/>
+        </p:nvSpPr>
+        <p:spPr>
+          <a:xfrm>
+            <a:off x="1254396" y="752615"/>
+            <a:ext cx="9349913" cy="769441"/>
+          </a:xfrm>
+          <a:prstGeom prst="rect">
+            <a:avLst/>
+          </a:prstGeom>
+        </p:spPr>
+        <p:txBody>
+          <a:bodyPr wrap="square">
             <a:spAutoFit/>
           </a:bodyPr>
           <a:lstStyle/>
           <a:p>
             <a:r>
-              <a:rPr lang="en-US" altLang="zh-CN" dirty="0"/>
-              <a:t>Azure service fabric protects applications against failures by </a:t>
-            </a:r>
-            <a:r>
-              <a:rPr lang="en-US" altLang="zh-CN" dirty="0" err="1"/>
-              <a:t>modering</a:t>
-            </a:r>
-            <a:r>
-              <a:rPr lang="en-US" altLang="zh-CN" dirty="0"/>
-              <a:t> cluster and automatically </a:t>
-            </a:r>
-            <a:r>
-              <a:rPr lang="en-US" altLang="zh-CN" dirty="0" err="1"/>
-              <a:t>aiting</a:t>
-            </a:r>
-            <a:r>
-              <a:rPr lang="en-US" altLang="zh-CN" dirty="0"/>
-              <a:t> to </a:t>
-            </a:r>
-            <a:r>
-              <a:rPr lang="en-US" altLang="zh-CN" dirty="0" err="1"/>
-              <a:t>minegit</a:t>
-            </a:r>
-            <a:r>
-              <a:rPr lang="en-US" altLang="zh-CN" dirty="0"/>
-              <a:t> issues. </a:t>
-            </a:r>
+              <a:rPr lang="en-US" altLang="zh-CN" sz="4400" dirty="0" smtClean="0"/>
+              <a:t>1.</a:t>
+            </a:r>
+            <a:r>
+              <a:rPr lang="zh-CN" altLang="en-US" sz="4400" dirty="0" smtClean="0"/>
+              <a:t>多平台</a:t>
+            </a:r>
+            <a:endParaRPr lang="en-US" altLang="zh-CN" sz="4400" dirty="0"/>
           </a:p>
         </p:txBody>
       </p:sp>
     </p:spTree>
     <p:extLst>
       <p:ext uri="{BB962C8B-B14F-4D97-AF65-F5344CB8AC3E}">
-        <p14:creationId xmlns:p14="http://schemas.microsoft.com/office/powerpoint/2010/main" val="2399604281"/>
+        <p14:creationId xmlns:p14="http://schemas.microsoft.com/office/powerpoint/2010/main" val="3787911374"/>
       </p:ext>
     </p:extLst>
   </p:cSld>
@@ -3834,13 +3844,13 @@
       </p:grpSpPr>
       <p:sp>
         <p:nvSpPr>
-          <p:cNvPr id="3" name="矩形 2"/>
+          <p:cNvPr id="6" name="矩形 5"/>
           <p:cNvSpPr/>
           <p:nvPr/>
         </p:nvSpPr>
         <p:spPr>
           <a:xfrm>
-            <a:off x="1145213" y="397773"/>
+            <a:off x="1254396" y="752615"/>
             <a:ext cx="9349913" cy="769441"/>
           </a:xfrm>
           <a:prstGeom prst="rect">
@@ -3855,7 +3865,7 @@
           <a:p>
             <a:r>
               <a:rPr lang="en-US" altLang="zh-CN" sz="4400" dirty="0" smtClean="0"/>
-              <a:t>3.models</a:t>
+              <a:t>2.xxx</a:t>
             </a:r>
             <a:endParaRPr lang="en-US" altLang="zh-CN" sz="4400" dirty="0"/>
           </a:p>
@@ -3863,7 +3873,7 @@
       </p:sp>
       <p:pic>
         <p:nvPicPr>
-          <p:cNvPr id="4" name="图片 3"/>
+          <p:cNvPr id="5" name="图片 4"/>
           <p:cNvPicPr>
             <a:picLocks noChangeAspect="1"/>
           </p:cNvPicPr>
@@ -3877,18 +3887,70 @@
         </p:blipFill>
         <p:spPr>
           <a:xfrm>
-            <a:off x="1243890" y="1276396"/>
-            <a:ext cx="10259789" cy="5152899"/>
+            <a:off x="2146557" y="2775413"/>
+            <a:ext cx="7161905" cy="3600000"/>
           </a:xfrm>
           <a:prstGeom prst="rect">
             <a:avLst/>
           </a:prstGeom>
         </p:spPr>
       </p:pic>
+      <p:sp>
+        <p:nvSpPr>
+          <p:cNvPr id="7" name="矩形 6"/>
+          <p:cNvSpPr/>
+          <p:nvPr/>
+        </p:nvSpPr>
+        <p:spPr>
+          <a:xfrm>
+            <a:off x="2338316" y="1825569"/>
+            <a:ext cx="6096000" cy="646331"/>
+          </a:xfrm>
+          <a:prstGeom prst="rect">
+            <a:avLst/>
+          </a:prstGeom>
+        </p:spPr>
+        <p:txBody>
+          <a:bodyPr>
+            <a:spAutoFit/>
+          </a:bodyPr>
+          <a:lstStyle/>
+          <a:p>
+            <a:r>
+              <a:rPr lang="en-US" altLang="zh-CN" dirty="0"/>
+              <a:t>Azure service fabric protects applications against failures by </a:t>
+            </a:r>
+            <a:r>
+              <a:rPr lang="en-US" altLang="zh-CN" dirty="0" err="1"/>
+              <a:t>modering</a:t>
+            </a:r>
+            <a:r>
+              <a:rPr lang="en-US" altLang="zh-CN" dirty="0"/>
+              <a:t> cluster and automatically </a:t>
+            </a:r>
+            <a:r>
+              <a:rPr lang="en-US" altLang="zh-CN" dirty="0" err="1"/>
+              <a:t>aiting</a:t>
+            </a:r>
+            <a:r>
+              <a:rPr lang="en-US" altLang="zh-CN" dirty="0"/>
+              <a:t> to </a:t>
+            </a:r>
+            <a:r>
+              <a:rPr lang="en-US" altLang="zh-CN" dirty="0" err="1"/>
+              <a:t>minegit</a:t>
+            </a:r>
+            <a:r>
+              <a:rPr lang="en-US" altLang="zh-CN" dirty="0"/>
+              <a:t> issues. </a:t>
+            </a:r>
+          </a:p>
+        </p:txBody>
+      </p:sp>
     </p:spTree>
     <p:extLst>
       <p:ext uri="{BB962C8B-B14F-4D97-AF65-F5344CB8AC3E}">
-        <p14:creationId xmlns:p14="http://schemas.microsoft.com/office/powerpoint/2010/main" val="2928445390"/>
+        <p14:creationId xmlns:p14="http://schemas.microsoft.com/office/powerpoint/2010/main" val="2399604281"/>
       </p:ext>
     </p:extLst>
   </p:cSld>
@@ -3917,14 +3979,14 @@
       </p:grpSpPr>
       <p:sp>
         <p:nvSpPr>
-          <p:cNvPr id="2" name="矩形 1"/>
+          <p:cNvPr id="3" name="矩形 2"/>
           <p:cNvSpPr/>
           <p:nvPr/>
         </p:nvSpPr>
         <p:spPr>
           <a:xfrm>
-            <a:off x="382137" y="723331"/>
-            <a:ext cx="11573302" cy="1225309"/>
+            <a:off x="1145213" y="397773"/>
+            <a:ext cx="9349913" cy="769441"/>
           </a:xfrm>
           <a:prstGeom prst="rect">
             <a:avLst/>
@@ -3937,54 +3999,41 @@
           <a:lstStyle/>
           <a:p>
             <a:r>
-              <a:rPr lang="en-US" altLang="zh-CN" dirty="0"/>
-              <a:t>Azure service fabric provide </a:t>
-            </a:r>
-            <a:r>
-              <a:rPr lang="en-US" altLang="zh-CN" dirty="0" err="1"/>
-              <a:t>buting</a:t>
-            </a:r>
-            <a:r>
-              <a:rPr lang="en-US" altLang="zh-CN" dirty="0"/>
-              <a:t> program models to simplify developing micro services. </a:t>
-            </a:r>
-          </a:p>
-          <a:p>
-            <a:r>
-              <a:rPr lang="en-US" altLang="zh-CN" dirty="0"/>
-              <a:t>Not only that, </a:t>
-            </a:r>
-            <a:r>
-              <a:rPr lang="en-US" altLang="zh-CN" dirty="0" err="1"/>
-              <a:t>ilet’s</a:t>
-            </a:r>
-            <a:r>
-              <a:rPr lang="en-US" altLang="zh-CN" dirty="0"/>
-              <a:t> you run any application code. In additional to support traditional stateless micro services, Azure service fabric support </a:t>
-            </a:r>
-            <a:r>
-              <a:rPr lang="en-US" altLang="zh-CN" dirty="0" err="1"/>
-              <a:t>stateful</a:t>
-            </a:r>
-            <a:r>
-              <a:rPr lang="en-US" altLang="zh-CN" dirty="0"/>
-              <a:t> micro service, core locating compute and data to reduce </a:t>
-            </a:r>
-            <a:r>
-              <a:rPr lang="en-US" altLang="zh-CN" dirty="0" err="1"/>
-              <a:t>lll</a:t>
-            </a:r>
-            <a:r>
-              <a:rPr lang="en-US" altLang="zh-CN" dirty="0"/>
-              <a:t> and hands performance will providing reliability through replication and persistence. </a:t>
-            </a:r>
-          </a:p>
-        </p:txBody>
-      </p:sp>
+              <a:rPr lang="en-US" altLang="zh-CN" sz="4400" dirty="0" smtClean="0"/>
+              <a:t>3.models</a:t>
+            </a:r>
+            <a:endParaRPr lang="en-US" altLang="zh-CN" sz="4400" dirty="0"/>
+          </a:p>
+        </p:txBody>
+      </p:sp>
+      <p:pic>
+        <p:nvPicPr>
+          <p:cNvPr id="4" name="图片 3"/>
+          <p:cNvPicPr>
+            <a:picLocks noChangeAspect="1"/>
+          </p:cNvPicPr>
+          <p:nvPr/>
+        </p:nvPicPr>
+        <p:blipFill>
+          <a:blip r:embed="rId2"/>
+          <a:stretch>
+            <a:fillRect/>
+          </a:stretch>
+        </p:blipFill>
+        <p:spPr>
+          <a:xfrm>
+            <a:off x="1243890" y="1276396"/>
+            <a:ext cx="10259789" cy="5152899"/>
+          </a:xfrm>
+          <a:prstGeom prst="rect">
+            <a:avLst/>
+          </a:prstGeom>
+        </p:spPr>
+      </p:pic>
     </p:spTree>
     <p:extLst>
       <p:ext uri="{BB962C8B-B14F-4D97-AF65-F5344CB8AC3E}">
-        <p14:creationId xmlns:p14="http://schemas.microsoft.com/office/powerpoint/2010/main" val="1090233005"/>
+        <p14:creationId xmlns:p14="http://schemas.microsoft.com/office/powerpoint/2010/main" val="2928445390"/>
       </p:ext>
     </p:extLst>
   </p:cSld>
@@ -4013,14 +4062,14 @@
       </p:grpSpPr>
       <p:sp>
         <p:nvSpPr>
-          <p:cNvPr id="9" name="矩形 8"/>
+          <p:cNvPr id="2" name="矩形 1"/>
           <p:cNvSpPr/>
           <p:nvPr/>
         </p:nvSpPr>
         <p:spPr>
           <a:xfrm>
-            <a:off x="1145213" y="1347296"/>
-            <a:ext cx="9349913" cy="2308324"/>
+            <a:off x="382137" y="723331"/>
+            <a:ext cx="11573302" cy="1225309"/>
           </a:xfrm>
           <a:prstGeom prst="rect">
             <a:avLst/>
@@ -4033,93 +4082,46 @@
           <a:lstStyle/>
           <a:p>
             <a:r>
+              <a:rPr lang="en-US" altLang="zh-CN" dirty="0"/>
+              <a:t>Azure service fabric provide </a:t>
+            </a:r>
+            <a:r>
               <a:rPr lang="en-US" altLang="zh-CN" dirty="0" smtClean="0"/>
-              <a:t>Data </a:t>
-            </a:r>
-            <a:r>
-              <a:rPr lang="en-US" altLang="zh-CN" dirty="0" smtClean="0"/>
-              <a:t>partitions in service will long with dynamic resource </a:t>
+              <a:t>built-in </a:t>
             </a:r>
             <a:r>
               <a:rPr lang="en-US" altLang="zh-CN" dirty="0"/>
-              <a:t>balancing</a:t>
-            </a:r>
-            <a:r>
-              <a:rPr lang="en-US" altLang="zh-CN" dirty="0" smtClean="0"/>
-              <a:t> make scaling on the demand routing. </a:t>
-            </a:r>
-          </a:p>
-          <a:p>
-            <a:r>
-              <a:rPr lang="en-US" altLang="zh-CN" dirty="0" smtClean="0"/>
-              <a:t>Rolling updates is able zero application down time. And health check fail, service fabric automatically rolls back application to previous version. </a:t>
-            </a:r>
-          </a:p>
-          <a:p>
-            <a:r>
-              <a:rPr lang="en-US" altLang="zh-CN" dirty="0" smtClean="0"/>
-              <a:t>Azure service fabric was born from xx years to experience me critical cloud services. And today</a:t>
-            </a:r>
+              <a:t>program models to simplify developing micro services. </a:t>
+            </a:r>
+          </a:p>
+          <a:p>
             <a:r>
               <a:rPr lang="en-US" altLang="zh-CN" dirty="0"/>
-              <a:t>, </a:t>
-            </a:r>
-            <a:r>
-              <a:rPr lang="en-US" altLang="zh-CN" dirty="0" smtClean="0"/>
-              <a:t>hundreds of organizations are releasing same benefits of micro service approach. </a:t>
-            </a:r>
-          </a:p>
-          <a:p>
-            <a:r>
-              <a:rPr lang="en-US" altLang="zh-CN" dirty="0" smtClean="0"/>
               <a:t>Not only that, </a:t>
             </a:r>
             <a:r>
+              <a:rPr lang="en-US" altLang="zh-CN" dirty="0" err="1"/>
+              <a:t>ilet’s</a:t>
+            </a:r>
+            <a:r>
               <a:rPr lang="en-US" altLang="zh-CN" dirty="0"/>
-              <a:t>but </a:t>
-            </a:r>
-            <a:r>
-              <a:rPr lang="en-US" altLang="zh-CN" dirty="0" smtClean="0"/>
-              <a:t>several key Microsoft products run on Azure service fabric.</a:t>
-            </a:r>
-          </a:p>
-          <a:p>
-            <a:endParaRPr lang="en-US" altLang="zh-CN" dirty="0"/>
-          </a:p>
-        </p:txBody>
-      </p:sp>
-      <p:sp>
-        <p:nvSpPr>
-          <p:cNvPr id="3" name="矩形 2"/>
-          <p:cNvSpPr/>
-          <p:nvPr/>
-        </p:nvSpPr>
-        <p:spPr>
-          <a:xfrm>
-            <a:off x="1145213" y="397773"/>
-            <a:ext cx="9349913" cy="769441"/>
-          </a:xfrm>
-          <a:prstGeom prst="rect">
-            <a:avLst/>
-          </a:prstGeom>
-        </p:spPr>
-        <p:txBody>
-          <a:bodyPr wrap="square">
-            <a:spAutoFit/>
-          </a:bodyPr>
-          <a:lstStyle/>
-          <a:p>
-            <a:r>
-              <a:rPr lang="en-US" altLang="zh-CN" sz="4400" dirty="0"/>
-              <a:t>4</a:t>
-            </a:r>
-            <a:r>
-              <a:rPr lang="en-US" altLang="zh-CN" sz="4400" dirty="0" smtClean="0"/>
-              <a:t>.</a:t>
-            </a:r>
-            <a:r>
-              <a:rPr lang="en-US" altLang="zh-CN" sz="4400" dirty="0"/>
-              <a:t> Data partitions</a:t>
+              <a:t> you run any application code. In additional to support traditional stateless micro services, Azure service fabric support </a:t>
+            </a:r>
+            <a:r>
+              <a:rPr lang="en-US" altLang="zh-CN" dirty="0" err="1"/>
+              <a:t>stateful</a:t>
+            </a:r>
+            <a:r>
+              <a:rPr lang="en-US" altLang="zh-CN" dirty="0"/>
+              <a:t> micro service, core locating compute and data to reduce </a:t>
+            </a:r>
+            <a:r>
+              <a:rPr lang="en-US" altLang="zh-CN" dirty="0" err="1"/>
+              <a:t>lll</a:t>
+            </a:r>
+            <a:r>
+              <a:rPr lang="en-US" altLang="zh-CN" dirty="0"/>
+              <a:t> and hands performance will providing reliability through replication and persistence. </a:t>
             </a:r>
           </a:p>
         </p:txBody>
@@ -4127,7 +4129,7 @@
     </p:spTree>
     <p:extLst>
       <p:ext uri="{BB962C8B-B14F-4D97-AF65-F5344CB8AC3E}">
-        <p14:creationId xmlns:p14="http://schemas.microsoft.com/office/powerpoint/2010/main" val="3382381176"/>
+        <p14:creationId xmlns:p14="http://schemas.microsoft.com/office/powerpoint/2010/main" val="1090233005"/>
       </p:ext>
     </p:extLst>
   </p:cSld>
@@ -4234,7 +4236,7 @@
         <p:spPr>
           <a:xfrm>
             <a:off x="1145213" y="1347296"/>
-            <a:ext cx="9349913" cy="1754326"/>
+            <a:ext cx="9349913" cy="2308324"/>
           </a:xfrm>
           <a:prstGeom prst="rect">
             <a:avLst/>
@@ -4248,11 +4250,21 @@
           <a:p>
             <a:r>
               <a:rPr lang="en-US" altLang="zh-CN" dirty="0" smtClean="0"/>
-              <a:t>Rolling </a:t>
+              <a:t>Data partitions in service will long with dynamic resource </a:t>
+            </a:r>
+            <a:r>
+              <a:rPr lang="en-US" altLang="zh-CN" dirty="0"/>
+              <a:t>balancing</a:t>
             </a:r>
             <a:r>
               <a:rPr lang="en-US" altLang="zh-CN" dirty="0" smtClean="0"/>
-              <a:t>updates is able zero application down time. And health check fail, service fabric automatically rolls back application to previous version. </a:t>
+              <a:t> make scaling on the demand routing. </a:t>
+            </a:r>
+          </a:p>
+          <a:p>
+            <a:r>
+              <a:rPr lang="en-US" altLang="zh-CN" dirty="0" smtClean="0"/>
+              <a:t>Rolling updates is able zero application down time. And health check fail, service fabric automatically rolls back application to previous version. </a:t>
             </a:r>
           </a:p>
           <a:p>
@@ -4310,17 +4322,24 @@
           <a:lstStyle/>
           <a:p>
             <a:r>
+              <a:rPr lang="en-US" altLang="zh-CN" sz="4400" dirty="0"/>
+              <a:t>4</a:t>
+            </a:r>
+            <a:r>
               <a:rPr lang="en-US" altLang="zh-CN" sz="4400" dirty="0" smtClean="0"/>
-              <a:t>5. Upgrade</a:t>
-            </a:r>
-            <a:endParaRPr lang="en-US" altLang="zh-CN" sz="4400" dirty="0"/>
+              <a:t>.</a:t>
+            </a:r>
+            <a:r>
+              <a:rPr lang="en-US" altLang="zh-CN" sz="4400" dirty="0"/>
+              <a:t> Data partitions</a:t>
+            </a:r>
           </a:p>
         </p:txBody>
       </p:sp>
     </p:spTree>
     <p:extLst>
       <p:ext uri="{BB962C8B-B14F-4D97-AF65-F5344CB8AC3E}">
-        <p14:creationId xmlns:p14="http://schemas.microsoft.com/office/powerpoint/2010/main" val="3575573500"/>
+        <p14:creationId xmlns:p14="http://schemas.microsoft.com/office/powerpoint/2010/main" val="3382381176"/>
       </p:ext>
     </p:extLst>
   </p:cSld>
@@ -4356,7 +4375,7 @@
         <p:spPr>
           <a:xfrm>
             <a:off x="1145213" y="1347296"/>
-            <a:ext cx="9349913" cy="646331"/>
+            <a:ext cx="9349913" cy="1754326"/>
           </a:xfrm>
           <a:prstGeom prst="rect">
             <a:avLst/>
@@ -4370,39 +4389,13 @@
           <a:p>
             <a:r>
               <a:rPr lang="en-US" altLang="zh-CN" dirty="0" smtClean="0"/>
-              <a:t>Azure </a:t>
-            </a:r>
+              <a:t>Rolling updates is able zero application down time. And health check fail, service fabric automatically rolls back application to previous version. </a:t>
+            </a:r>
+          </a:p>
+          <a:p>
             <a:r>
               <a:rPr lang="en-US" altLang="zh-CN" dirty="0" smtClean="0"/>
-              <a:t>service fabric was born from </a:t>
-            </a:r>
-            <a:r>
-              <a:rPr lang="en-US" altLang="zh-CN" dirty="0" smtClean="0"/>
-              <a:t>our</a:t>
-            </a:r>
-            <a:r>
-              <a:rPr lang="en-US" altLang="zh-CN" dirty="0" smtClean="0"/>
-              <a:t> </a:t>
-            </a:r>
-            <a:r>
-              <a:rPr lang="en-US" altLang="zh-CN" dirty="0" smtClean="0"/>
-              <a:t>years to </a:t>
-            </a:r>
-            <a:r>
-              <a:rPr lang="en-US" altLang="zh-CN" dirty="0"/>
-              <a:t>experience delivering </a:t>
-            </a:r>
-            <a:r>
-              <a:rPr lang="en-US" altLang="zh-CN" dirty="0" err="1" smtClean="0"/>
-              <a:t>metion</a:t>
-            </a:r>
-            <a:r>
-              <a:rPr lang="en-US" altLang="zh-CN" dirty="0" smtClean="0"/>
-              <a:t> </a:t>
-            </a:r>
-            <a:r>
-              <a:rPr lang="en-US" altLang="zh-CN" dirty="0" smtClean="0"/>
-              <a:t>critical cloud services. And today</a:t>
+              <a:t>Azure service fabric was born from xx years to experience me critical cloud services. And today</a:t>
             </a:r>
             <a:r>
               <a:rPr lang="en-US" altLang="zh-CN" dirty="0"/>
@@ -4412,6 +4405,23 @@
               <a:rPr lang="en-US" altLang="zh-CN" dirty="0" smtClean="0"/>
               <a:t>hundreds of organizations are releasing same benefits of micro service approach. </a:t>
             </a:r>
+          </a:p>
+          <a:p>
+            <a:r>
+              <a:rPr lang="en-US" altLang="zh-CN" dirty="0" smtClean="0"/>
+              <a:t>Not only that, </a:t>
+            </a:r>
+            <a:r>
+              <a:rPr lang="en-US" altLang="zh-CN" dirty="0"/>
+              <a:t>but </a:t>
+            </a:r>
+            <a:r>
+              <a:rPr lang="en-US" altLang="zh-CN" dirty="0" smtClean="0"/>
+              <a:t>several key Microsoft products run on Azure service fabric.</a:t>
+            </a:r>
+          </a:p>
+          <a:p>
+            <a:endParaRPr lang="en-US" altLang="zh-CN" dirty="0"/>
           </a:p>
         </p:txBody>
       </p:sp>
@@ -4437,12 +4447,8 @@
           <a:lstStyle/>
           <a:p>
             <a:r>
-              <a:rPr lang="en-US" altLang="zh-CN" sz="4400" dirty="0"/>
-              <a:t>6</a:t>
-            </a:r>
-            <a:r>
               <a:rPr lang="en-US" altLang="zh-CN" sz="4400" dirty="0" smtClean="0"/>
-              <a:t>. Born</a:t>
+              <a:t>5. Upgrade</a:t>
             </a:r>
             <a:endParaRPr lang="en-US" altLang="zh-CN" sz="4400" dirty="0"/>
           </a:p>
@@ -4451,7 +4457,7 @@
     </p:spTree>
     <p:extLst>
       <p:ext uri="{BB962C8B-B14F-4D97-AF65-F5344CB8AC3E}">
-        <p14:creationId xmlns:p14="http://schemas.microsoft.com/office/powerpoint/2010/main" val="1493889055"/>
+        <p14:creationId xmlns:p14="http://schemas.microsoft.com/office/powerpoint/2010/main" val="3575573500"/>
       </p:ext>
     </p:extLst>
   </p:cSld>
@@ -4487,7 +4493,7 @@
         <p:spPr>
           <a:xfrm>
             <a:off x="1145213" y="1347296"/>
-            <a:ext cx="9349913" cy="1754326"/>
+            <a:ext cx="9349913" cy="646331"/>
           </a:xfrm>
           <a:prstGeom prst="rect">
             <a:avLst/>
@@ -4500,56 +4506,29 @@
           <a:lstStyle/>
           <a:p>
             <a:r>
+              <a:rPr lang="en-US" altLang="zh-CN" dirty="0" smtClean="0"/>
+              <a:t>Azure service fabric was born from our years to </a:t>
+            </a:r>
+            <a:r>
               <a:rPr lang="en-US" altLang="zh-CN" dirty="0"/>
-              <a:t>Not only that, but several </a:t>
-            </a:r>
-            <a:r>
-              <a:rPr lang="en-US" altLang="zh-CN" dirty="0">
-                <a:solidFill>
-                  <a:srgbClr val="FF0000"/>
-                </a:solidFill>
-              </a:rPr>
-              <a:t>key Microsoft products </a:t>
+              <a:t>experience delivering </a:t>
+            </a:r>
+            <a:r>
+              <a:rPr lang="en-US" altLang="zh-CN" dirty="0" err="1" smtClean="0"/>
+              <a:t>metion</a:t>
+            </a:r>
+            <a:r>
+              <a:rPr lang="en-US" altLang="zh-CN" dirty="0" smtClean="0"/>
+              <a:t> critical cloud services. And today</a:t>
             </a:r>
             <a:r>
               <a:rPr lang="en-US" altLang="zh-CN" dirty="0"/>
-              <a:t>run on Azure service fabric</a:t>
+              <a:t>, </a:t>
             </a:r>
             <a:r>
               <a:rPr lang="en-US" altLang="zh-CN" dirty="0" smtClean="0"/>
-              <a:t>.</a:t>
-            </a:r>
-          </a:p>
-          <a:p>
-            <a:r>
-              <a:rPr lang="en-US" altLang="zh-CN" dirty="0"/>
-              <a:t>Service fabric support from main develop tools and program models. Improve developers productivity. This can be use built stateless service. The traditional way. </a:t>
-            </a:r>
-          </a:p>
-          <a:p>
-            <a:r>
-              <a:rPr lang="en-US" altLang="zh-CN" dirty="0"/>
-              <a:t>Where </a:t>
-            </a:r>
-            <a:r>
-              <a:rPr lang="en-US" altLang="zh-CN" dirty="0" err="1"/>
-              <a:t>nows</a:t>
-            </a:r>
-            <a:r>
-              <a:rPr lang="en-US" altLang="zh-CN" dirty="0"/>
-              <a:t> </a:t>
-            </a:r>
-            <a:r>
-              <a:rPr lang="en-US" altLang="zh-CN" dirty="0" err="1"/>
-              <a:t>stateful</a:t>
-            </a:r>
-            <a:r>
-              <a:rPr lang="en-US" altLang="zh-CN" dirty="0"/>
-              <a:t> micro service, will compute and data collocated to further decrease app complexity. </a:t>
-            </a:r>
-          </a:p>
-          <a:p>
-            <a:endParaRPr lang="en-US" altLang="zh-CN" dirty="0"/>
+              <a:t>hundreds of organizations are releasing same benefits of micro service approach. </a:t>
+            </a:r>
           </a:p>
         </p:txBody>
       </p:sp>
@@ -4575,16 +4554,21 @@
           <a:lstStyle/>
           <a:p>
             <a:r>
+              <a:rPr lang="en-US" altLang="zh-CN" sz="4400" dirty="0"/>
+              <a:t>6</a:t>
+            </a:r>
+            <a:r>
               <a:rPr lang="en-US" altLang="zh-CN" sz="4400" dirty="0" smtClean="0"/>
-              <a:t>7. Tools</a:t>
-            </a:r>
+              <a:t>. Born</a:t>
+            </a:r>
+            <a:endParaRPr lang="en-US" altLang="zh-CN" sz="4400" dirty="0"/>
           </a:p>
         </p:txBody>
       </p:sp>
     </p:spTree>
     <p:extLst>
       <p:ext uri="{BB962C8B-B14F-4D97-AF65-F5344CB8AC3E}">
-        <p14:creationId xmlns:p14="http://schemas.microsoft.com/office/powerpoint/2010/main" val="4149791120"/>
+        <p14:creationId xmlns:p14="http://schemas.microsoft.com/office/powerpoint/2010/main" val="1493889055"/>
       </p:ext>
     </p:extLst>
   </p:cSld>
@@ -4620,7 +4604,7 @@
         <p:spPr>
           <a:xfrm>
             <a:off x="1145213" y="1347296"/>
-            <a:ext cx="9349913" cy="923330"/>
+            <a:ext cx="9349913" cy="1754326"/>
           </a:xfrm>
           <a:prstGeom prst="rect">
             <a:avLst/>
@@ -4634,16 +4618,55 @@
           <a:p>
             <a:r>
               <a:rPr lang="en-US" altLang="zh-CN" dirty="0"/>
-              <a:t>Azure service fabric also provide powerful management capability, include stage management, application lifecycle management with zero downtime upgrades. Easy service discovery, and details diagnosis and </a:t>
+              <a:t>Not only that, but several </a:t>
+            </a:r>
+            <a:r>
+              <a:rPr lang="en-US" altLang="zh-CN" dirty="0">
+                <a:solidFill>
+                  <a:srgbClr val="FF0000"/>
+                </a:solidFill>
+              </a:rPr>
+              <a:t>key Microsoft products </a:t>
+            </a:r>
+            <a:r>
+              <a:rPr lang="en-US" altLang="zh-CN" dirty="0"/>
+              <a:t>run on Azure service fabric</a:t>
+            </a:r>
+            <a:r>
+              <a:rPr lang="en-US" altLang="zh-CN" dirty="0" smtClean="0"/>
+              <a:t>.</a:t>
+            </a:r>
+          </a:p>
+          <a:p>
+            <a:r>
+              <a:rPr lang="en-US" altLang="zh-CN" dirty="0"/>
+              <a:t>Service fabric support from main develop tools and program models. Improve developers productivity. This can be use built stateless service. The traditional way. </a:t>
+            </a:r>
+          </a:p>
+          <a:p>
+            <a:r>
+              <a:rPr lang="en-US" altLang="zh-CN" dirty="0"/>
+              <a:t>Where </a:t>
             </a:r>
             <a:r>
               <a:rPr lang="en-US" altLang="zh-CN" dirty="0" err="1"/>
-              <a:t>manzheri</a:t>
+              <a:t>nows</a:t>
             </a:r>
             <a:r>
               <a:rPr lang="en-US" altLang="zh-CN" dirty="0"/>
-              <a:t>. </a:t>
-            </a:r>
+              <a:t> </a:t>
+            </a:r>
+            <a:r>
+              <a:rPr lang="en-US" altLang="zh-CN" dirty="0" err="1"/>
+              <a:t>stateful</a:t>
+            </a:r>
+            <a:r>
+              <a:rPr lang="en-US" altLang="zh-CN" dirty="0"/>
+              <a:t> micro service, will compute and data collocated to further decrease app complexity. </a:t>
+            </a:r>
+          </a:p>
+          <a:p>
+            <a:endParaRPr lang="en-US" altLang="zh-CN" dirty="0"/>
           </a:p>
         </p:txBody>
       </p:sp>
@@ -4670,20 +4693,15 @@
           <a:p>
             <a:r>
               <a:rPr lang="en-US" altLang="zh-CN" sz="4400" dirty="0" smtClean="0"/>
-              <a:t>8. Powerful </a:t>
-            </a:r>
-            <a:r>
-              <a:rPr lang="en-US" altLang="zh-CN" sz="4400" dirty="0"/>
-              <a:t>management</a:t>
-            </a:r>
-            <a:endParaRPr lang="en-US" altLang="zh-CN" sz="4400" dirty="0" smtClean="0"/>
+              <a:t>7. Tools</a:t>
+            </a:r>
           </a:p>
         </p:txBody>
       </p:sp>
     </p:spTree>
     <p:extLst>
       <p:ext uri="{BB962C8B-B14F-4D97-AF65-F5344CB8AC3E}">
-        <p14:creationId xmlns:p14="http://schemas.microsoft.com/office/powerpoint/2010/main" val="1246704354"/>
+        <p14:creationId xmlns:p14="http://schemas.microsoft.com/office/powerpoint/2010/main" val="4149791120"/>
       </p:ext>
     </p:extLst>
   </p:cSld>
@@ -4718,8 +4736,8 @@
         </p:nvSpPr>
         <p:spPr>
           <a:xfrm>
-            <a:off x="1145213" y="1242607"/>
-            <a:ext cx="9349913" cy="2031325"/>
+            <a:off x="1145213" y="1347296"/>
+            <a:ext cx="9349913" cy="923330"/>
           </a:xfrm>
           <a:prstGeom prst="rect">
             <a:avLst/>
@@ -4732,50 +4750,17 @@
           <a:lstStyle/>
           <a:p>
             <a:r>
-              <a:rPr lang="en-US" altLang="zh-CN" dirty="0" smtClean="0"/>
-              <a:t>In </a:t>
-            </a:r>
-            <a:r>
-              <a:rPr lang="en-US" altLang="zh-CN" dirty="0" smtClean="0"/>
-              <a:t>addition, with support for Linux, developer can use tools they know to build and deploy service fabric application on Linux.</a:t>
-            </a:r>
-          </a:p>
-          <a:p>
-            <a:r>
-              <a:rPr lang="en-US" altLang="zh-CN" dirty="0" smtClean="0"/>
-              <a:t>Azure service fabric is design to meet needs of many industries. </a:t>
-            </a:r>
-            <a:r>
               <a:rPr lang="en-US" altLang="zh-CN" dirty="0"/>
-              <a:t>Include manufacturing, </a:t>
-            </a:r>
-            <a:r>
-              <a:rPr lang="en-US" altLang="zh-CN" dirty="0" smtClean="0"/>
-              <a:t>financial service, gaming, IOT or any application benefits from </a:t>
-            </a:r>
-            <a:r>
-              <a:rPr lang="en-US" altLang="zh-CN" dirty="0" err="1" smtClean="0"/>
-              <a:t>scalblelity</a:t>
-            </a:r>
-            <a:r>
-              <a:rPr lang="en-US" altLang="zh-CN" dirty="0" smtClean="0"/>
-              <a:t> and x.</a:t>
-            </a:r>
-          </a:p>
-          <a:p>
-            <a:r>
-              <a:rPr lang="en-US" altLang="zh-CN" dirty="0" smtClean="0"/>
-              <a:t>Azure service fabric simplify building and deploying micro service base applications in Azure, On-Premises, in other Clouds and is available on Windows and Linux as well. With Azure service fabric, organization can deliver customer more features faster. To drive better </a:t>
+              <a:t>Azure service fabric also provide powerful management capability, include stage management, application lifecycle management with zero downtime upgrades. Easy service discovery, and details diagnosis and </a:t>
+            </a:r>
+            <a:r>
+              <a:rPr lang="en-US" altLang="zh-CN" dirty="0" err="1"/>
+              <a:t>manzheri</a:t>
             </a:r>
             <a:r>
               <a:rPr lang="en-US" altLang="zh-CN" dirty="0"/>
-              <a:t>business </a:t>
-            </a:r>
-            <a:r>
-              <a:rPr lang="en-US" altLang="zh-CN" dirty="0" smtClean="0"/>
-              <a:t>resolves.</a:t>
-            </a:r>
-            <a:endParaRPr lang="en-US" altLang="zh-CN" dirty="0"/>
+              <a:t>. </a:t>
+            </a:r>
           </a:p>
         </p:txBody>
       </p:sp>
@@ -4802,11 +4787,11 @@
           <a:p>
             <a:r>
               <a:rPr lang="en-US" altLang="zh-CN" sz="4400" dirty="0" smtClean="0"/>
-              <a:t>9. </a:t>
+              <a:t>8. Powerful </a:t>
             </a:r>
             <a:r>
               <a:rPr lang="en-US" altLang="zh-CN" sz="4400" dirty="0"/>
-              <a:t>Linux</a:t>
+              <a:t>management</a:t>
             </a:r>
             <a:endParaRPr lang="en-US" altLang="zh-CN" sz="4400" dirty="0" smtClean="0"/>
           </a:p>
@@ -4815,7 +4800,7 @@
     </p:spTree>
     <p:extLst>
       <p:ext uri="{BB962C8B-B14F-4D97-AF65-F5344CB8AC3E}">
-        <p14:creationId xmlns:p14="http://schemas.microsoft.com/office/powerpoint/2010/main" val="1379808496"/>
+        <p14:creationId xmlns:p14="http://schemas.microsoft.com/office/powerpoint/2010/main" val="1246704354"/>
       </p:ext>
     </p:extLst>
   </p:cSld>
@@ -4851,7 +4836,7 @@
         <p:spPr>
           <a:xfrm>
             <a:off x="1145213" y="1242607"/>
-            <a:ext cx="9349913" cy="1477328"/>
+            <a:ext cx="9349913" cy="2031325"/>
           </a:xfrm>
           <a:prstGeom prst="rect">
             <a:avLst/>
@@ -4865,11 +4850,13 @@
           <a:p>
             <a:r>
               <a:rPr lang="en-US" altLang="zh-CN" dirty="0" smtClean="0"/>
-              <a:t>Azure </a:t>
-            </a:r>
+              <a:t>In addition, with support for Linux, developer can use tools they know to build and deploy service fabric application on Linux.</a:t>
+            </a:r>
+          </a:p>
+          <a:p>
             <a:r>
               <a:rPr lang="en-US" altLang="zh-CN" dirty="0" smtClean="0"/>
-              <a:t>service fabric is design to meet needs of many industries. </a:t>
+              <a:t>Azure service fabric is design to meet needs of many industries. </a:t>
             </a:r>
             <a:r>
               <a:rPr lang="en-US" altLang="zh-CN" dirty="0"/>
@@ -4880,18 +4867,13 @@
               <a:t>financial service, gaming, IOT or any application benefits from </a:t>
             </a:r>
             <a:r>
-              <a:rPr lang="en-US" altLang="zh-CN" dirty="0"/>
-              <a:t>scalability and </a:t>
-            </a:r>
-            <a:r>
               <a:rPr lang="en-US" altLang="zh-CN" dirty="0" err="1" smtClean="0"/>
-              <a:t>relaeci</a:t>
+              <a:t>scalblelity</a:t>
             </a:r>
             <a:r>
               <a:rPr lang="en-US" altLang="zh-CN" dirty="0" smtClean="0"/>
-              <a:t>.</a:t>
-            </a:r>
-            <a:endParaRPr lang="en-US" altLang="zh-CN" dirty="0" smtClean="0"/>
+              <a:t> and x.</a:t>
+            </a:r>
           </a:p>
           <a:p>
             <a:r>
@@ -4933,15 +4915,20 @@
           <a:p>
             <a:r>
               <a:rPr lang="en-US" altLang="zh-CN" sz="4400" dirty="0" smtClean="0"/>
-              <a:t>10. Industries</a:t>
-            </a:r>
+              <a:t>9. </a:t>
+            </a:r>
+            <a:r>
+              <a:rPr lang="en-US" altLang="zh-CN" sz="4400" dirty="0"/>
+              <a:t>Linux</a:t>
+            </a:r>
+            <a:endParaRPr lang="en-US" altLang="zh-CN" sz="4400" dirty="0" smtClean="0"/>
           </a:p>
         </p:txBody>
       </p:sp>
     </p:spTree>
     <p:extLst>
       <p:ext uri="{BB962C8B-B14F-4D97-AF65-F5344CB8AC3E}">
-        <p14:creationId xmlns:p14="http://schemas.microsoft.com/office/powerpoint/2010/main" val="3554265959"/>
+        <p14:creationId xmlns:p14="http://schemas.microsoft.com/office/powerpoint/2010/main" val="1379808496"/>
       </p:ext>
     </p:extLst>
   </p:cSld>
@@ -4970,35 +4957,99 @@
       </p:grpSpPr>
       <p:sp>
         <p:nvSpPr>
-          <p:cNvPr id="2" name="标题 1"/>
-          <p:cNvSpPr>
-            <a:spLocks noGrp="1"/>
-          </p:cNvSpPr>
-          <p:nvPr>
-            <p:ph type="ctrTitle"/>
-          </p:nvPr>
-        </p:nvSpPr>
-        <p:spPr/>
-        <p:txBody>
-          <a:bodyPr/>
-          <a:lstStyle/>
-          <a:p>
+          <p:cNvPr id="9" name="矩形 8"/>
+          <p:cNvSpPr/>
+          <p:nvPr/>
+        </p:nvSpPr>
+        <p:spPr>
+          <a:xfrm>
+            <a:off x="1145213" y="1242607"/>
+            <a:ext cx="9349913" cy="1477328"/>
+          </a:xfrm>
+          <a:prstGeom prst="rect">
+            <a:avLst/>
+          </a:prstGeom>
+        </p:spPr>
+        <p:txBody>
+          <a:bodyPr wrap="square">
+            <a:spAutoFit/>
+          </a:bodyPr>
+          <a:lstStyle/>
+          <a:p>
+            <a:r>
+              <a:rPr lang="en-US" altLang="zh-CN" dirty="0" smtClean="0"/>
+              <a:t>Azure service fabric is design to meet needs of many industries. </a:t>
+            </a:r>
             <a:r>
               <a:rPr lang="en-US" altLang="zh-CN" dirty="0"/>
-              <a:t>Service Fabric </a:t>
-            </a:r>
-            <a:r>
-              <a:rPr lang="zh-CN" altLang="en-US" dirty="0" smtClean="0"/>
-              <a:t>服务</a:t>
-            </a:r>
-            <a:endParaRPr lang="zh-CN" altLang="en-US" dirty="0"/>
+              <a:t>Include manufacturing, </a:t>
+            </a:r>
+            <a:r>
+              <a:rPr lang="en-US" altLang="zh-CN" dirty="0" smtClean="0"/>
+              <a:t>financial service, gaming, IOT or any application benefits from </a:t>
+            </a:r>
+            <a:r>
+              <a:rPr lang="en-US" altLang="zh-CN" dirty="0"/>
+              <a:t>scalability and </a:t>
+            </a:r>
+            <a:r>
+              <a:rPr lang="en-US" altLang="zh-CN" dirty="0" err="1" smtClean="0"/>
+              <a:t>relaeci</a:t>
+            </a:r>
+            <a:r>
+              <a:rPr lang="en-US" altLang="zh-CN" dirty="0" smtClean="0"/>
+              <a:t>.</a:t>
+            </a:r>
+          </a:p>
+          <a:p>
+            <a:r>
+              <a:rPr lang="en-US" altLang="zh-CN" dirty="0" smtClean="0"/>
+              <a:t>Azure service fabric simplify building and deploying micro service base applications in Azure, On-Premises, in other Clouds and is available on Windows and Linux as well. With Azure service fabric, organization can deliver customer more features faster. To drive better </a:t>
+            </a:r>
+            <a:r>
+              <a:rPr lang="en-US" altLang="zh-CN" dirty="0"/>
+              <a:t>business </a:t>
+            </a:r>
+            <a:r>
+              <a:rPr lang="en-US" altLang="zh-CN" dirty="0" smtClean="0"/>
+              <a:t>resolves.</a:t>
+            </a:r>
+            <a:endParaRPr lang="en-US" altLang="zh-CN" dirty="0"/>
+          </a:p>
+        </p:txBody>
+      </p:sp>
+      <p:sp>
+        <p:nvSpPr>
+          <p:cNvPr id="3" name="矩形 2"/>
+          <p:cNvSpPr/>
+          <p:nvPr/>
+        </p:nvSpPr>
+        <p:spPr>
+          <a:xfrm>
+            <a:off x="1145213" y="397773"/>
+            <a:ext cx="9349913" cy="769441"/>
+          </a:xfrm>
+          <a:prstGeom prst="rect">
+            <a:avLst/>
+          </a:prstGeom>
+        </p:spPr>
+        <p:txBody>
+          <a:bodyPr wrap="square">
+            <a:spAutoFit/>
+          </a:bodyPr>
+          <a:lstStyle/>
+          <a:p>
+            <a:r>
+              <a:rPr lang="en-US" altLang="zh-CN" sz="4400" dirty="0" smtClean="0"/>
+              <a:t>10. Industries</a:t>
+            </a:r>
           </a:p>
         </p:txBody>
       </p:sp>
     </p:spTree>
     <p:extLst>
       <p:ext uri="{BB962C8B-B14F-4D97-AF65-F5344CB8AC3E}">
-        <p14:creationId xmlns:p14="http://schemas.microsoft.com/office/powerpoint/2010/main" val="4174732321"/>
+        <p14:creationId xmlns:p14="http://schemas.microsoft.com/office/powerpoint/2010/main" val="3554265959"/>
       </p:ext>
     </p:extLst>
   </p:cSld>
@@ -5035,26 +5086,194 @@
             <p:ph type="ctrTitle"/>
           </p:nvPr>
         </p:nvSpPr>
-        <p:spPr/>
-        <p:txBody>
-          <a:bodyPr/>
+        <p:spPr>
+          <a:xfrm>
+            <a:off x="214647" y="1101864"/>
+            <a:ext cx="11663454" cy="965043"/>
+          </a:xfrm>
+        </p:spPr>
+        <p:txBody>
+          <a:bodyPr>
+            <a:normAutofit fontScale="90000"/>
+          </a:bodyPr>
           <a:lstStyle/>
           <a:p>
             <a:r>
               <a:rPr lang="en-US" altLang="zh-CN" dirty="0"/>
-              <a:t>Service Fabric </a:t>
-            </a:r>
-            <a:r>
-              <a:rPr lang="zh-CN" altLang="en-US" dirty="0"/>
-              <a:t>术语</a:t>
-            </a:r>
+              <a:t>Stateless and </a:t>
+            </a:r>
+            <a:r>
+              <a:rPr lang="en-US" altLang="zh-CN" dirty="0" err="1"/>
+              <a:t>stateful</a:t>
+            </a:r>
+            <a:r>
+              <a:rPr lang="en-US" altLang="zh-CN" dirty="0"/>
+              <a:t> </a:t>
+            </a:r>
+            <a:r>
+              <a:rPr lang="en-US" altLang="zh-CN" dirty="0" err="1"/>
+              <a:t>microservices</a:t>
+            </a:r>
+            <a:r>
+              <a:rPr lang="en-US" altLang="zh-CN" dirty="0"/>
+              <a:t> for Service Fabric</a:t>
+            </a:r>
+          </a:p>
+        </p:txBody>
+      </p:sp>
+      <p:sp>
+        <p:nvSpPr>
+          <p:cNvPr id="3" name="矩形 2"/>
+          <p:cNvSpPr/>
+          <p:nvPr/>
+        </p:nvSpPr>
+        <p:spPr>
+          <a:xfrm>
+            <a:off x="878005" y="2066907"/>
+            <a:ext cx="10517875" cy="923330"/>
+          </a:xfrm>
+          <a:prstGeom prst="rect">
+            <a:avLst/>
+          </a:prstGeom>
+        </p:spPr>
+        <p:txBody>
+          <a:bodyPr wrap="square">
+            <a:spAutoFit/>
+          </a:bodyPr>
+          <a:lstStyle/>
+          <a:p>
+            <a:r>
+              <a:rPr lang="en-US" altLang="zh-CN" dirty="0">
+                <a:solidFill>
+                  <a:srgbClr val="222222"/>
+                </a:solidFill>
+                <a:latin typeface="segoe-ui_normal"/>
+              </a:rPr>
+              <a:t>Stateless </a:t>
+            </a:r>
+            <a:r>
+              <a:rPr lang="en-US" altLang="zh-CN" dirty="0" err="1">
+                <a:solidFill>
+                  <a:srgbClr val="222222"/>
+                </a:solidFill>
+                <a:latin typeface="segoe-ui_normal"/>
+              </a:rPr>
+              <a:t>microservices</a:t>
+            </a:r>
+            <a:r>
+              <a:rPr lang="en-US" altLang="zh-CN" dirty="0">
+                <a:solidFill>
+                  <a:srgbClr val="222222"/>
+                </a:solidFill>
+                <a:latin typeface="segoe-ui_normal"/>
+              </a:rPr>
+              <a:t> (such as protocol gateways and web proxies) do not maintain a mutable state outside a request and its response from the service. Azure Cloud Services worker roles are an example of a stateless service. </a:t>
+            </a:r>
+            <a:endParaRPr lang="zh-CN" altLang="en-US" dirty="0"/>
+          </a:p>
+        </p:txBody>
+      </p:sp>
+      <p:sp>
+        <p:nvSpPr>
+          <p:cNvPr id="4" name="矩形 3"/>
+          <p:cNvSpPr/>
+          <p:nvPr/>
+        </p:nvSpPr>
+        <p:spPr>
+          <a:xfrm>
+            <a:off x="878004" y="2990237"/>
+            <a:ext cx="10122091" cy="1200329"/>
+          </a:xfrm>
+          <a:prstGeom prst="rect">
+            <a:avLst/>
+          </a:prstGeom>
+        </p:spPr>
+        <p:txBody>
+          <a:bodyPr wrap="square">
+            <a:spAutoFit/>
+          </a:bodyPr>
+          <a:lstStyle/>
+          <a:p>
+            <a:r>
+              <a:rPr lang="en-US" altLang="zh-CN" dirty="0" err="1">
+                <a:solidFill>
+                  <a:srgbClr val="222222"/>
+                </a:solidFill>
+                <a:latin typeface="segoe-ui_normal"/>
+              </a:rPr>
+              <a:t>Stateful</a:t>
+            </a:r>
+            <a:r>
+              <a:rPr lang="en-US" altLang="zh-CN" dirty="0">
+                <a:solidFill>
+                  <a:srgbClr val="222222"/>
+                </a:solidFill>
+                <a:latin typeface="segoe-ui_normal"/>
+              </a:rPr>
+              <a:t> </a:t>
+            </a:r>
+            <a:r>
+              <a:rPr lang="en-US" altLang="zh-CN" dirty="0" err="1">
+                <a:solidFill>
+                  <a:srgbClr val="222222"/>
+                </a:solidFill>
+                <a:latin typeface="segoe-ui_normal"/>
+              </a:rPr>
+              <a:t>microservices</a:t>
+            </a:r>
+            <a:r>
+              <a:rPr lang="en-US" altLang="zh-CN" dirty="0">
+                <a:solidFill>
+                  <a:srgbClr val="222222"/>
+                </a:solidFill>
+                <a:latin typeface="segoe-ui_normal"/>
+              </a:rPr>
+              <a:t> (such as user accounts, databases, devices, shopping carts, and queues) maintain a mutable, authoritative state beyond the request and its response. Today's Internet-scale applications consist of a combination of stateless and </a:t>
+            </a:r>
+            <a:r>
+              <a:rPr lang="en-US" altLang="zh-CN" dirty="0" err="1">
+                <a:solidFill>
+                  <a:srgbClr val="222222"/>
+                </a:solidFill>
+                <a:latin typeface="segoe-ui_normal"/>
+              </a:rPr>
+              <a:t>stateful</a:t>
+            </a:r>
+            <a:r>
+              <a:rPr lang="en-US" altLang="zh-CN" dirty="0">
+                <a:solidFill>
+                  <a:srgbClr val="222222"/>
+                </a:solidFill>
+                <a:latin typeface="segoe-ui_normal"/>
+              </a:rPr>
+              <a:t> </a:t>
+            </a:r>
+            <a:r>
+              <a:rPr lang="en-US" altLang="zh-CN" dirty="0" err="1">
+                <a:solidFill>
+                  <a:srgbClr val="222222"/>
+                </a:solidFill>
+                <a:latin typeface="segoe-ui_normal"/>
+              </a:rPr>
+              <a:t>microservices</a:t>
+            </a:r>
+            <a:r>
+              <a:rPr lang="en-US" altLang="zh-CN" dirty="0">
+                <a:solidFill>
+                  <a:srgbClr val="222222"/>
+                </a:solidFill>
+                <a:latin typeface="segoe-ui_normal"/>
+              </a:rPr>
+              <a:t>.</a:t>
+            </a:r>
+            <a:endParaRPr lang="zh-CN" altLang="en-US" dirty="0"/>
           </a:p>
         </p:txBody>
       </p:sp>
     </p:spTree>
     <p:extLst>
       <p:ext uri="{BB962C8B-B14F-4D97-AF65-F5344CB8AC3E}">
-        <p14:creationId xmlns:p14="http://schemas.microsoft.com/office/powerpoint/2010/main" val="1875345327"/>
+        <p14:creationId xmlns:p14="http://schemas.microsoft.com/office/powerpoint/2010/main" val="4174732321"/>
       </p:ext>
     </p:extLst>
   </p:cSld>
@@ -5083,85 +5302,123 @@
       </p:grpSpPr>
       <p:sp>
         <p:nvSpPr>
+          <p:cNvPr id="2" name="标题 1"/>
+          <p:cNvSpPr>
+            <a:spLocks noGrp="1"/>
+          </p:cNvSpPr>
+          <p:nvPr>
+            <p:ph type="ctrTitle"/>
+          </p:nvPr>
+        </p:nvSpPr>
+        <p:spPr>
+          <a:xfrm>
+            <a:off x="296534" y="787966"/>
+            <a:ext cx="11663454" cy="965043"/>
+          </a:xfrm>
+        </p:spPr>
+        <p:txBody>
+          <a:bodyPr>
+            <a:normAutofit/>
+          </a:bodyPr>
+          <a:lstStyle/>
+          <a:p>
+            <a:r>
+              <a:rPr lang="en-US" altLang="zh-CN" dirty="0"/>
+              <a:t>Application lifecycle management</a:t>
+            </a:r>
+          </a:p>
+        </p:txBody>
+      </p:sp>
+      <p:sp>
+        <p:nvSpPr>
+          <p:cNvPr id="3" name="矩形 2"/>
+          <p:cNvSpPr/>
+          <p:nvPr/>
+        </p:nvSpPr>
+        <p:spPr>
+          <a:xfrm>
+            <a:off x="885130" y="2002388"/>
+            <a:ext cx="3352200" cy="369332"/>
+          </a:xfrm>
+          <a:prstGeom prst="rect">
+            <a:avLst/>
+          </a:prstGeom>
+        </p:spPr>
+        <p:txBody>
+          <a:bodyPr wrap="none">
+            <a:spAutoFit/>
+          </a:bodyPr>
+          <a:lstStyle/>
+          <a:p>
+            <a:r>
+              <a:rPr lang="zh-CN" altLang="en-US" dirty="0">
+                <a:solidFill>
+                  <a:srgbClr val="454545"/>
+                </a:solidFill>
+                <a:latin typeface="宋体" panose="02010600030101010101" pitchFamily="2" charset="-122"/>
+              </a:rPr>
+              <a:t>持续集成和持续交付（</a:t>
+            </a:r>
+            <a:r>
+              <a:rPr lang="en-US" altLang="zh-CN" dirty="0">
+                <a:solidFill>
+                  <a:srgbClr val="454545"/>
+                </a:solidFill>
+                <a:latin typeface="Arial" panose="020B0604020202020204" pitchFamily="34" charset="0"/>
+              </a:rPr>
+              <a:t>CI/CD</a:t>
+            </a:r>
+            <a:r>
+              <a:rPr lang="zh-CN" altLang="en-US" dirty="0">
+                <a:solidFill>
+                  <a:srgbClr val="454545"/>
+                </a:solidFill>
+                <a:latin typeface="宋体" panose="02010600030101010101" pitchFamily="2" charset="-122"/>
+              </a:rPr>
+              <a:t>）</a:t>
+            </a:r>
+            <a:endParaRPr lang="zh-CN" altLang="en-US" dirty="0"/>
+          </a:p>
+        </p:txBody>
+      </p:sp>
+      <p:sp>
+        <p:nvSpPr>
           <p:cNvPr id="4" name="矩形 3"/>
           <p:cNvSpPr/>
           <p:nvPr/>
         </p:nvSpPr>
         <p:spPr>
           <a:xfrm>
-            <a:off x="1410268" y="563307"/>
-            <a:ext cx="6096000" cy="1569660"/>
+            <a:off x="885129" y="2621099"/>
+            <a:ext cx="10592637" cy="369332"/>
           </a:xfrm>
           <a:prstGeom prst="rect">
             <a:avLst/>
           </a:prstGeom>
         </p:spPr>
         <p:txBody>
-          <a:bodyPr>
+          <a:bodyPr wrap="square">
             <a:spAutoFit/>
           </a:bodyPr>
           <a:lstStyle/>
           <a:p>
             <a:r>
-              <a:rPr lang="zh-CN" altLang="en-US" sz="3200" b="1" i="0" dirty="0" smtClean="0">
+              <a:rPr lang="en-US" altLang="zh-CN" dirty="0">
                 <a:solidFill>
                   <a:srgbClr val="222222"/>
                 </a:solidFill>
-                <a:effectLst/>
-                <a:latin typeface="segoe-ui_bold"/>
+                <a:latin typeface="segoe-ui_normal"/>
               </a:rPr>
-              <a:t>群集</a:t>
-            </a:r>
-            <a:endParaRPr lang="en-US" altLang="zh-CN" sz="3200" dirty="0">
-              <a:solidFill>
-                <a:srgbClr val="222222"/>
-              </a:solidFill>
-              <a:latin typeface="segoe-ui_normal"/>
-            </a:endParaRPr>
-          </a:p>
-          <a:p>
-            <a:r>
-              <a:rPr lang="zh-CN" altLang="en-US" sz="3200" b="1" i="0" dirty="0" smtClean="0">
-                <a:solidFill>
-                  <a:srgbClr val="222222"/>
-                </a:solidFill>
-                <a:effectLst/>
-                <a:latin typeface="segoe-ui_bold"/>
-              </a:rPr>
-              <a:t>节点</a:t>
-            </a:r>
-            <a:endParaRPr lang="en-US" altLang="zh-CN" sz="3200" b="1" i="0" dirty="0" smtClean="0">
-              <a:solidFill>
-                <a:srgbClr val="222222"/>
-              </a:solidFill>
-              <a:effectLst/>
-              <a:latin typeface="segoe-ui_bold"/>
-            </a:endParaRPr>
-          </a:p>
-          <a:p>
-            <a:r>
-              <a:rPr lang="zh-CN" altLang="en-US" sz="3200" b="1" dirty="0">
-                <a:solidFill>
-                  <a:srgbClr val="222222"/>
-                </a:solidFill>
-                <a:latin typeface="segoe-ui_bold"/>
-              </a:rPr>
-              <a:t>分区</a:t>
-            </a:r>
-            <a:endParaRPr lang="zh-CN" altLang="en-US" sz="3200" b="0" i="0" dirty="0">
-              <a:solidFill>
-                <a:srgbClr val="222222"/>
-              </a:solidFill>
-              <a:effectLst/>
-              <a:latin typeface="segoe-ui_normal"/>
-            </a:endParaRPr>
+              <a:t>design, development, testing, deployment, upgrading, maintenance, and removal.</a:t>
+            </a:r>
+            <a:endParaRPr lang="zh-CN" altLang="en-US" dirty="0"/>
           </a:p>
         </p:txBody>
       </p:sp>
     </p:spTree>
     <p:extLst>
       <p:ext uri="{BB962C8B-B14F-4D97-AF65-F5344CB8AC3E}">
-        <p14:creationId xmlns:p14="http://schemas.microsoft.com/office/powerpoint/2010/main" val="1819682721"/>
+        <p14:creationId xmlns:p14="http://schemas.microsoft.com/office/powerpoint/2010/main" val="2397195547"/>
       </p:ext>
     </p:extLst>
   </p:cSld>
@@ -5200,23 +5457,20 @@
         </p:nvSpPr>
         <p:spPr>
           <a:xfrm>
-            <a:off x="1551295" y="1201002"/>
-            <a:ext cx="9144000" cy="1107957"/>
-          </a:xfrm>
-        </p:spPr>
-        <p:txBody>
-          <a:bodyPr/>
+            <a:off x="296534" y="787966"/>
+            <a:ext cx="11663454" cy="965043"/>
+          </a:xfrm>
+        </p:spPr>
+        <p:txBody>
+          <a:bodyPr>
+            <a:normAutofit fontScale="90000"/>
+          </a:bodyPr>
           <a:lstStyle/>
           <a:p>
             <a:r>
               <a:rPr lang="en-US" altLang="zh-CN" dirty="0"/>
-              <a:t>Service Fabric </a:t>
-            </a:r>
-            <a:r>
-              <a:rPr lang="zh-CN" altLang="en-US" dirty="0" smtClean="0"/>
-              <a:t>精通预告</a:t>
-            </a:r>
-            <a:endParaRPr lang="zh-CN" altLang="en-US" dirty="0"/>
+              <a:t>So you want to learn about Service Fabric?</a:t>
+            </a:r>
           </a:p>
         </p:txBody>
       </p:sp>
@@ -5228,68 +5482,30 @@
         </p:nvSpPr>
         <p:spPr>
           <a:xfrm>
-            <a:off x="2413881" y="2753015"/>
-            <a:ext cx="4735592" cy="369332"/>
+            <a:off x="296534" y="1753009"/>
+            <a:ext cx="11663454" cy="646331"/>
           </a:xfrm>
           <a:prstGeom prst="rect">
             <a:avLst/>
           </a:prstGeom>
         </p:spPr>
         <p:txBody>
-          <a:bodyPr wrap="none">
+          <a:bodyPr wrap="square">
             <a:spAutoFit/>
           </a:bodyPr>
           <a:lstStyle/>
           <a:p>
             <a:r>
-              <a:rPr lang="zh-CN" altLang="en-US" b="1" dirty="0" smtClean="0">
-                <a:solidFill>
-                  <a:srgbClr val="222222"/>
-                </a:solidFill>
-                <a:latin typeface="segoe-ui_bold"/>
-              </a:rPr>
-              <a:t>新中国</a:t>
-            </a:r>
-            <a:r>
-              <a:rPr lang="en-US" altLang="zh-CN" b="1" dirty="0" smtClean="0">
-                <a:solidFill>
-                  <a:srgbClr val="222222"/>
-                </a:solidFill>
-                <a:latin typeface="segoe-ui_bold"/>
-              </a:rPr>
-              <a:t>Service Fabric</a:t>
-            </a:r>
-            <a:r>
-              <a:rPr lang="zh-CN" altLang="en-US" b="1" dirty="0" smtClean="0">
-                <a:solidFill>
-                  <a:srgbClr val="222222"/>
-                </a:solidFill>
-                <a:latin typeface="segoe-ui_bold"/>
-              </a:rPr>
-              <a:t>的领军人物 </a:t>
-            </a:r>
-            <a:r>
-              <a:rPr lang="en-US" altLang="zh-CN" b="1" dirty="0" smtClean="0">
-                <a:solidFill>
-                  <a:srgbClr val="222222"/>
-                </a:solidFill>
-                <a:latin typeface="segoe-ui_bold"/>
-              </a:rPr>
-              <a:t>Sam Pang</a:t>
-            </a:r>
-            <a:endParaRPr lang="zh-CN" altLang="en-US" dirty="0">
-              <a:solidFill>
-                <a:srgbClr val="222222"/>
-              </a:solidFill>
-              <a:latin typeface="segoe-ui_normal"/>
-            </a:endParaRPr>
+              <a:rPr lang="zh-CN" altLang="en-US" dirty="0"/>
+              <a:t>https://mva.microsoft.com/en-US/training-courses/building-microservices-applications-on-azure-service-fabric-16747?l=tbuZM46yC_5206218965</a:t>
+            </a:r>
           </a:p>
         </p:txBody>
       </p:sp>
     </p:spTree>
     <p:extLst>
       <p:ext uri="{BB962C8B-B14F-4D97-AF65-F5344CB8AC3E}">
-        <p14:creationId xmlns:p14="http://schemas.microsoft.com/office/powerpoint/2010/main" val="3702795758"/>
+        <p14:creationId xmlns:p14="http://schemas.microsoft.com/office/powerpoint/2010/main" val="2149352238"/>
       </p:ext>
     </p:extLst>
   </p:cSld>
@@ -5522,6 +5738,356 @@
     <p:extLst>
       <p:ext uri="{BB962C8B-B14F-4D97-AF65-F5344CB8AC3E}">
         <p14:creationId xmlns:p14="http://schemas.microsoft.com/office/powerpoint/2010/main" val="1180933277"/>
+      </p:ext>
+    </p:extLst>
+  </p:cSld>
+  <p:clrMapOvr>
+    <a:masterClrMapping/>
+  </p:clrMapOvr>
+</p:sld>
+</file>
+
+<file path=ppt/slides/slide30.xml><?xml version="1.0" encoding="utf-8"?>
+<p:sld xmlns:a="http://schemas.openxmlformats.org/drawingml/2006/main" xmlns:r="http://schemas.openxmlformats.org/officeDocument/2006/relationships" xmlns:p="http://schemas.openxmlformats.org/presentationml/2006/main">
+  <p:cSld>
+    <p:spTree>
+      <p:nvGrpSpPr>
+        <p:cNvPr id="1" name=""/>
+        <p:cNvGrpSpPr/>
+        <p:nvPr/>
+      </p:nvGrpSpPr>
+      <p:grpSpPr>
+        <a:xfrm>
+          <a:off x="0" y="0"/>
+          <a:ext cx="0" cy="0"/>
+          <a:chOff x="0" y="0"/>
+          <a:chExt cx="0" cy="0"/>
+        </a:xfrm>
+      </p:grpSpPr>
+      <p:sp>
+        <p:nvSpPr>
+          <p:cNvPr id="2" name="标题 1"/>
+          <p:cNvSpPr>
+            <a:spLocks noGrp="1"/>
+          </p:cNvSpPr>
+          <p:nvPr>
+            <p:ph type="ctrTitle"/>
+          </p:nvPr>
+        </p:nvSpPr>
+        <p:spPr>
+          <a:xfrm>
+            <a:off x="296534" y="787966"/>
+            <a:ext cx="11663454" cy="965043"/>
+          </a:xfrm>
+        </p:spPr>
+        <p:txBody>
+          <a:bodyPr>
+            <a:normAutofit/>
+          </a:bodyPr>
+          <a:lstStyle/>
+          <a:p>
+            <a:r>
+              <a:rPr lang="en-US" altLang="zh-CN" dirty="0"/>
+              <a:t> built-in programming models </a:t>
+            </a:r>
+          </a:p>
+        </p:txBody>
+      </p:sp>
+    </p:spTree>
+    <p:extLst>
+      <p:ext uri="{BB962C8B-B14F-4D97-AF65-F5344CB8AC3E}">
+        <p14:creationId xmlns:p14="http://schemas.microsoft.com/office/powerpoint/2010/main" val="388788798"/>
+      </p:ext>
+    </p:extLst>
+  </p:cSld>
+  <p:clrMapOvr>
+    <a:masterClrMapping/>
+  </p:clrMapOvr>
+</p:sld>
+</file>
+
+<file path=ppt/slides/slide31.xml><?xml version="1.0" encoding="utf-8"?>
+<p:sld xmlns:a="http://schemas.openxmlformats.org/drawingml/2006/main" xmlns:r="http://schemas.openxmlformats.org/officeDocument/2006/relationships" xmlns:p="http://schemas.openxmlformats.org/presentationml/2006/main">
+  <p:cSld>
+    <p:spTree>
+      <p:nvGrpSpPr>
+        <p:cNvPr id="1" name=""/>
+        <p:cNvGrpSpPr/>
+        <p:nvPr/>
+      </p:nvGrpSpPr>
+      <p:grpSpPr>
+        <a:xfrm>
+          <a:off x="0" y="0"/>
+          <a:ext cx="0" cy="0"/>
+          <a:chOff x="0" y="0"/>
+          <a:chExt cx="0" cy="0"/>
+        </a:xfrm>
+      </p:grpSpPr>
+      <p:sp>
+        <p:nvSpPr>
+          <p:cNvPr id="2" name="标题 1"/>
+          <p:cNvSpPr>
+            <a:spLocks noGrp="1"/>
+          </p:cNvSpPr>
+          <p:nvPr>
+            <p:ph type="ctrTitle"/>
+          </p:nvPr>
+        </p:nvSpPr>
+        <p:spPr/>
+        <p:txBody>
+          <a:bodyPr/>
+          <a:lstStyle/>
+          <a:p>
+            <a:r>
+              <a:rPr lang="en-US" altLang="zh-CN" dirty="0"/>
+              <a:t>Service Fabric </a:t>
+            </a:r>
+            <a:r>
+              <a:rPr lang="zh-CN" altLang="en-US" dirty="0"/>
+              <a:t>术语</a:t>
+            </a:r>
+          </a:p>
+        </p:txBody>
+      </p:sp>
+    </p:spTree>
+    <p:extLst>
+      <p:ext uri="{BB962C8B-B14F-4D97-AF65-F5344CB8AC3E}">
+        <p14:creationId xmlns:p14="http://schemas.microsoft.com/office/powerpoint/2010/main" val="1875345327"/>
+      </p:ext>
+    </p:extLst>
+  </p:cSld>
+  <p:clrMapOvr>
+    <a:masterClrMapping/>
+  </p:clrMapOvr>
+</p:sld>
+</file>
+
+<file path=ppt/slides/slide32.xml><?xml version="1.0" encoding="utf-8"?>
+<p:sld xmlns:a="http://schemas.openxmlformats.org/drawingml/2006/main" xmlns:r="http://schemas.openxmlformats.org/officeDocument/2006/relationships" xmlns:p="http://schemas.openxmlformats.org/presentationml/2006/main">
+  <p:cSld>
+    <p:spTree>
+      <p:nvGrpSpPr>
+        <p:cNvPr id="1" name=""/>
+        <p:cNvGrpSpPr/>
+        <p:nvPr/>
+      </p:nvGrpSpPr>
+      <p:grpSpPr>
+        <a:xfrm>
+          <a:off x="0" y="0"/>
+          <a:ext cx="0" cy="0"/>
+          <a:chOff x="0" y="0"/>
+          <a:chExt cx="0" cy="0"/>
+        </a:xfrm>
+      </p:grpSpPr>
+      <p:sp>
+        <p:nvSpPr>
+          <p:cNvPr id="4" name="矩形 3"/>
+          <p:cNvSpPr/>
+          <p:nvPr/>
+        </p:nvSpPr>
+        <p:spPr>
+          <a:xfrm>
+            <a:off x="1410268" y="563307"/>
+            <a:ext cx="6096000" cy="1569660"/>
+          </a:xfrm>
+          <a:prstGeom prst="rect">
+            <a:avLst/>
+          </a:prstGeom>
+        </p:spPr>
+        <p:txBody>
+          <a:bodyPr>
+            <a:spAutoFit/>
+          </a:bodyPr>
+          <a:lstStyle/>
+          <a:p>
+            <a:r>
+              <a:rPr lang="zh-CN" altLang="en-US" sz="3200" b="1" i="0" dirty="0" smtClean="0">
+                <a:solidFill>
+                  <a:srgbClr val="222222"/>
+                </a:solidFill>
+                <a:effectLst/>
+                <a:latin typeface="segoe-ui_bold"/>
+              </a:rPr>
+              <a:t>群集</a:t>
+            </a:r>
+            <a:endParaRPr lang="en-US" altLang="zh-CN" sz="3200" dirty="0">
+              <a:solidFill>
+                <a:srgbClr val="222222"/>
+              </a:solidFill>
+              <a:latin typeface="segoe-ui_normal"/>
+            </a:endParaRPr>
+          </a:p>
+          <a:p>
+            <a:r>
+              <a:rPr lang="zh-CN" altLang="en-US" sz="3200" b="1" i="0" dirty="0" smtClean="0">
+                <a:solidFill>
+                  <a:srgbClr val="222222"/>
+                </a:solidFill>
+                <a:effectLst/>
+                <a:latin typeface="segoe-ui_bold"/>
+              </a:rPr>
+              <a:t>节点</a:t>
+            </a:r>
+            <a:endParaRPr lang="en-US" altLang="zh-CN" sz="3200" b="1" i="0" dirty="0" smtClean="0">
+              <a:solidFill>
+                <a:srgbClr val="222222"/>
+              </a:solidFill>
+              <a:effectLst/>
+              <a:latin typeface="segoe-ui_bold"/>
+            </a:endParaRPr>
+          </a:p>
+          <a:p>
+            <a:r>
+              <a:rPr lang="zh-CN" altLang="en-US" sz="3200" b="1" dirty="0">
+                <a:solidFill>
+                  <a:srgbClr val="222222"/>
+                </a:solidFill>
+                <a:latin typeface="segoe-ui_bold"/>
+              </a:rPr>
+              <a:t>分区</a:t>
+            </a:r>
+            <a:endParaRPr lang="zh-CN" altLang="en-US" sz="3200" b="0" i="0" dirty="0">
+              <a:solidFill>
+                <a:srgbClr val="222222"/>
+              </a:solidFill>
+              <a:effectLst/>
+              <a:latin typeface="segoe-ui_normal"/>
+            </a:endParaRPr>
+          </a:p>
+        </p:txBody>
+      </p:sp>
+    </p:spTree>
+    <p:extLst>
+      <p:ext uri="{BB962C8B-B14F-4D97-AF65-F5344CB8AC3E}">
+        <p14:creationId xmlns:p14="http://schemas.microsoft.com/office/powerpoint/2010/main" val="1819682721"/>
+      </p:ext>
+    </p:extLst>
+  </p:cSld>
+  <p:clrMapOvr>
+    <a:masterClrMapping/>
+  </p:clrMapOvr>
+</p:sld>
+</file>
+
+<file path=ppt/slides/slide33.xml><?xml version="1.0" encoding="utf-8"?>
+<p:sld xmlns:a="http://schemas.openxmlformats.org/drawingml/2006/main" xmlns:r="http://schemas.openxmlformats.org/officeDocument/2006/relationships" xmlns:p="http://schemas.openxmlformats.org/presentationml/2006/main">
+  <p:cSld>
+    <p:spTree>
+      <p:nvGrpSpPr>
+        <p:cNvPr id="1" name=""/>
+        <p:cNvGrpSpPr/>
+        <p:nvPr/>
+      </p:nvGrpSpPr>
+      <p:grpSpPr>
+        <a:xfrm>
+          <a:off x="0" y="0"/>
+          <a:ext cx="0" cy="0"/>
+          <a:chOff x="0" y="0"/>
+          <a:chExt cx="0" cy="0"/>
+        </a:xfrm>
+      </p:grpSpPr>
+      <p:sp>
+        <p:nvSpPr>
+          <p:cNvPr id="2" name="标题 1"/>
+          <p:cNvSpPr>
+            <a:spLocks noGrp="1"/>
+          </p:cNvSpPr>
+          <p:nvPr>
+            <p:ph type="ctrTitle"/>
+          </p:nvPr>
+        </p:nvSpPr>
+        <p:spPr>
+          <a:xfrm>
+            <a:off x="1551295" y="1201002"/>
+            <a:ext cx="9144000" cy="1107957"/>
+          </a:xfrm>
+        </p:spPr>
+        <p:txBody>
+          <a:bodyPr/>
+          <a:lstStyle/>
+          <a:p>
+            <a:r>
+              <a:rPr lang="en-US" altLang="zh-CN" dirty="0"/>
+              <a:t>Service Fabric </a:t>
+            </a:r>
+            <a:r>
+              <a:rPr lang="zh-CN" altLang="en-US" dirty="0" smtClean="0"/>
+              <a:t>精通预告</a:t>
+            </a:r>
+            <a:endParaRPr lang="zh-CN" altLang="en-US" dirty="0"/>
+          </a:p>
+        </p:txBody>
+      </p:sp>
+      <p:sp>
+        <p:nvSpPr>
+          <p:cNvPr id="3" name="矩形 2"/>
+          <p:cNvSpPr/>
+          <p:nvPr/>
+        </p:nvSpPr>
+        <p:spPr>
+          <a:xfrm>
+            <a:off x="2413881" y="2753015"/>
+            <a:ext cx="4735592" cy="369332"/>
+          </a:xfrm>
+          <a:prstGeom prst="rect">
+            <a:avLst/>
+          </a:prstGeom>
+        </p:spPr>
+        <p:txBody>
+          <a:bodyPr wrap="none">
+            <a:spAutoFit/>
+          </a:bodyPr>
+          <a:lstStyle/>
+          <a:p>
+            <a:r>
+              <a:rPr lang="zh-CN" altLang="en-US" b="1" dirty="0" smtClean="0">
+                <a:solidFill>
+                  <a:srgbClr val="222222"/>
+                </a:solidFill>
+                <a:latin typeface="segoe-ui_bold"/>
+              </a:rPr>
+              <a:t>新中国</a:t>
+            </a:r>
+            <a:r>
+              <a:rPr lang="en-US" altLang="zh-CN" b="1" dirty="0" smtClean="0">
+                <a:solidFill>
+                  <a:srgbClr val="222222"/>
+                </a:solidFill>
+                <a:latin typeface="segoe-ui_bold"/>
+              </a:rPr>
+              <a:t>Service Fabric</a:t>
+            </a:r>
+            <a:r>
+              <a:rPr lang="zh-CN" altLang="en-US" b="1" dirty="0" smtClean="0">
+                <a:solidFill>
+                  <a:srgbClr val="222222"/>
+                </a:solidFill>
+                <a:latin typeface="segoe-ui_bold"/>
+              </a:rPr>
+              <a:t>的领军人物 </a:t>
+            </a:r>
+            <a:r>
+              <a:rPr lang="en-US" altLang="zh-CN" b="1" dirty="0" smtClean="0">
+                <a:solidFill>
+                  <a:srgbClr val="222222"/>
+                </a:solidFill>
+                <a:latin typeface="segoe-ui_bold"/>
+              </a:rPr>
+              <a:t>Sam Pang</a:t>
+            </a:r>
+            <a:endParaRPr lang="zh-CN" altLang="en-US" dirty="0">
+              <a:solidFill>
+                <a:srgbClr val="222222"/>
+              </a:solidFill>
+              <a:latin typeface="segoe-ui_normal"/>
+            </a:endParaRPr>
+          </a:p>
+        </p:txBody>
+      </p:sp>
+    </p:spTree>
+    <p:extLst>
+      <p:ext uri="{BB962C8B-B14F-4D97-AF65-F5344CB8AC3E}">
+        <p14:creationId xmlns:p14="http://schemas.microsoft.com/office/powerpoint/2010/main" val="3702795758"/>
       </p:ext>
     </p:extLst>
   </p:cSld>
@@ -6387,113 +6953,111 @@
           <a:chExt cx="0" cy="0"/>
         </a:xfrm>
       </p:grpSpPr>
-      <p:pic>
-        <p:nvPicPr>
-          <p:cNvPr id="3" name="图片 2"/>
-          <p:cNvPicPr>
-            <a:picLocks noChangeAspect="1"/>
-          </p:cNvPicPr>
+      <p:sp>
+        <p:nvSpPr>
+          <p:cNvPr id="10" name="矩形 9"/>
+          <p:cNvSpPr/>
           <p:nvPr/>
-        </p:nvPicPr>
-        <p:blipFill>
-          <a:blip r:embed="rId2"/>
-          <a:stretch>
-            <a:fillRect/>
-          </a:stretch>
-        </p:blipFill>
-        <p:spPr>
-          <a:xfrm>
-            <a:off x="4060061" y="2183330"/>
-            <a:ext cx="3282433" cy="3270668"/>
+        </p:nvSpPr>
+        <p:spPr>
+          <a:xfrm>
+            <a:off x="1601338" y="2062539"/>
+            <a:ext cx="8907438" cy="923330"/>
           </a:xfrm>
           <a:prstGeom prst="rect">
             <a:avLst/>
           </a:prstGeom>
         </p:spPr>
-      </p:pic>
-      <p:pic>
-        <p:nvPicPr>
-          <p:cNvPr id="5" name="图片 4"/>
-          <p:cNvPicPr>
-            <a:picLocks noChangeAspect="1"/>
-          </p:cNvPicPr>
+        <p:txBody>
+          <a:bodyPr wrap="square">
+            <a:spAutoFit/>
+          </a:bodyPr>
+          <a:lstStyle/>
+          <a:p>
+            <a:r>
+              <a:rPr lang="en-US" altLang="zh-CN" b="1" i="1" dirty="0" err="1">
+                <a:solidFill>
+                  <a:srgbClr val="222222"/>
+                </a:solidFill>
+                <a:latin typeface="segoe-ui_bold"/>
+              </a:rPr>
+              <a:t>Microservice</a:t>
+            </a:r>
+            <a:r>
+              <a:rPr lang="en-US" altLang="zh-CN" b="1" i="1" dirty="0">
+                <a:solidFill>
+                  <a:srgbClr val="222222"/>
+                </a:solidFill>
+                <a:latin typeface="segoe-ui_bold"/>
+              </a:rPr>
+              <a:t> applications are composed of small, independently versioned, and scalable customer-focused services that communicate with each other over standard protocols with well-defined interfaces.</a:t>
+            </a:r>
+            <a:endParaRPr lang="zh-CN" altLang="en-US" dirty="0"/>
+          </a:p>
+        </p:txBody>
+      </p:sp>
+      <p:sp>
+        <p:nvSpPr>
+          <p:cNvPr id="11" name="矩形 10"/>
+          <p:cNvSpPr/>
           <p:nvPr/>
-        </p:nvPicPr>
-        <p:blipFill>
-          <a:blip r:embed="rId3"/>
-          <a:stretch>
-            <a:fillRect/>
-          </a:stretch>
-        </p:blipFill>
-        <p:spPr>
-          <a:xfrm>
-            <a:off x="272956" y="2183330"/>
-            <a:ext cx="3002974" cy="3270668"/>
+        </p:nvSpPr>
+        <p:spPr>
+          <a:xfrm>
+            <a:off x="1005132" y="1019749"/>
+            <a:ext cx="4903907" cy="584775"/>
           </a:xfrm>
           <a:prstGeom prst="rect">
             <a:avLst/>
           </a:prstGeom>
         </p:spPr>
-      </p:pic>
-      <p:pic>
-        <p:nvPicPr>
-          <p:cNvPr id="4" name="图片 3"/>
-          <p:cNvPicPr>
-            <a:picLocks noChangeAspect="1"/>
-          </p:cNvPicPr>
-          <p:nvPr/>
-        </p:nvPicPr>
-        <p:blipFill>
-          <a:blip r:embed="rId4"/>
-          <a:stretch>
-            <a:fillRect/>
-          </a:stretch>
-        </p:blipFill>
-        <p:spPr>
-          <a:xfrm>
-            <a:off x="7938446" y="2212031"/>
-            <a:ext cx="3962403" cy="3241967"/>
-          </a:xfrm>
-          <a:prstGeom prst="rect">
-            <a:avLst/>
-          </a:prstGeom>
-        </p:spPr>
-      </p:pic>
-      <p:sp>
-        <p:nvSpPr>
-          <p:cNvPr id="6" name="标题 1"/>
-          <p:cNvSpPr>
-            <a:spLocks noGrp="1"/>
-          </p:cNvSpPr>
-          <p:nvPr>
-            <p:ph type="ctrTitle"/>
-          </p:nvPr>
-        </p:nvSpPr>
-        <p:spPr>
-          <a:xfrm>
-            <a:off x="309644" y="436727"/>
-            <a:ext cx="6664362" cy="698525"/>
-          </a:xfrm>
-        </p:spPr>
-        <p:txBody>
-          <a:bodyPr>
-            <a:normAutofit/>
+        <p:txBody>
+          <a:bodyPr wrap="none">
+            <a:spAutoFit/>
           </a:bodyPr>
           <a:lstStyle/>
           <a:p>
-            <a:pPr algn="l"/>
-            <a:r>
-              <a:rPr lang="zh-CN" altLang="en-US" sz="4000" dirty="0" smtClean="0"/>
-              <a:t>微服务的进化</a:t>
-            </a:r>
-            <a:endParaRPr lang="zh-CN" altLang="en-US" sz="4000" dirty="0"/>
+            <a:r>
+              <a:rPr lang="en-US" altLang="zh-CN" sz="3200" dirty="0">
+                <a:solidFill>
+                  <a:srgbClr val="222222"/>
+                </a:solidFill>
+                <a:latin typeface="segoe-ui_normal"/>
+              </a:rPr>
+              <a:t>What is a </a:t>
+            </a:r>
+            <a:r>
+              <a:rPr lang="en-US" altLang="zh-CN" sz="3200" dirty="0" err="1">
+                <a:solidFill>
+                  <a:srgbClr val="222222"/>
+                </a:solidFill>
+                <a:latin typeface="segoe-ui_normal"/>
+              </a:rPr>
+              <a:t>microservice</a:t>
+            </a:r>
+            <a:r>
+              <a:rPr lang="en-US" altLang="zh-CN" sz="3200" dirty="0">
+                <a:solidFill>
+                  <a:srgbClr val="222222"/>
+                </a:solidFill>
+                <a:latin typeface="segoe-ui_normal"/>
+              </a:rPr>
+              <a:t>?</a:t>
+            </a:r>
+            <a:endParaRPr lang="en-US" altLang="zh-CN" sz="3200" b="0" i="0" dirty="0">
+              <a:solidFill>
+                <a:srgbClr val="222222"/>
+              </a:solidFill>
+              <a:effectLst/>
+              <a:latin typeface="segoe-ui_normal"/>
+            </a:endParaRPr>
           </a:p>
         </p:txBody>
       </p:sp>
     </p:spTree>
     <p:extLst>
       <p:ext uri="{BB962C8B-B14F-4D97-AF65-F5344CB8AC3E}">
-        <p14:creationId xmlns:p14="http://schemas.microsoft.com/office/powerpoint/2010/main" val="3027644958"/>
+        <p14:creationId xmlns:p14="http://schemas.microsoft.com/office/powerpoint/2010/main" val="1663066996"/>
       </p:ext>
     </p:extLst>
   </p:cSld>
